--- a/Slides-RPR/2019-H1-DAA-L01-Overview.pptx
+++ b/Slides-RPR/2019-H1-DAA-L01-Overview.pptx
@@ -33,6 +33,7 @@
     <p:sldId id="278" r:id="rId30"/>
     <p:sldId id="279" r:id="rId31"/>
     <p:sldId id="280" r:id="rId32"/>
+    <p:sldId id="281" r:id="rId33"/>
   </p:sldIdLst>
   <p:sldSz cx="10160000" cy="7620000"/>
   <p:notesSz cx="6858000" cy="9144000"/>
@@ -2404,13 +2405,22 @@
           <a:p>
             <a:pPr/>
             <a:r>
-              <a:t>RPR slides</a:t>
+              <a:t>RPR slides and other materials</a:t>
             </a:r>
           </a:p>
           <a:p>
             <a:pPr lvl="1"/>
             <a:r>
-              <a:t>github.com/rprustagi/2019-H1-15CS43-DAA</a:t>
+              <a:rPr u="sng">
+                <a:hlinkClick r:id="rId2" invalidUrl="" action="" tgtFrame="" tooltip="" history="1" highlightClick="0" endSnd="0"/>
+              </a:rPr>
+              <a:t>github.com/rprustagi/2019-15CS43-DAA</a:t>
+            </a:r>
+          </a:p>
+          <a:p>
+            <a:pPr lvl="1"/>
+            <a:r>
+              <a:t>no notes</a:t>
             </a:r>
           </a:p>
           <a:p>
@@ -2848,6 +2858,36 @@
                                   </p:childTnLst>
                                 </p:cTn>
                               </p:par>
+                              <p:par>
+                                <p:cTn id="23" presetClass="entr" nodeType="withEffect" presetSubtype="0" presetID="1" grpId="1" fill="hold">
+                                  <p:stCondLst>
+                                    <p:cond delay="0"/>
+                                  </p:stCondLst>
+                                  <p:iterate type="el" backwards="0">
+                                    <p:tmAbs val="0"/>
+                                  </p:iterate>
+                                  <p:childTnLst>
+                                    <p:set>
+                                      <p:cBhvr>
+                                        <p:cTn id="24" fill="hold"/>
+                                        <p:tgtEl>
+                                          <p:spTgt spid="87">
+                                            <p:txEl>
+                                              <p:pRg st="7" end="7"/>
+                                            </p:txEl>
+                                          </p:spTgt>
+                                        </p:tgtEl>
+                                        <p:attrNameLst>
+                                          <p:attrName>style.visibility</p:attrName>
+                                        </p:attrNameLst>
+                                      </p:cBhvr>
+                                      <p:to>
+                                        <p:strVal val="visible"/>
+                                      </p:to>
+                                    </p:set>
+                                  </p:childTnLst>
+                                </p:cTn>
+                              </p:par>
                             </p:childTnLst>
                           </p:cTn>
                         </p:par>
@@ -2855,49 +2895,19 @@
                     </p:cTn>
                   </p:par>
                   <p:par>
-                    <p:cTn id="23" fill="hold">
+                    <p:cTn id="25" fill="hold">
                       <p:stCondLst>
                         <p:cond delay="indefinite"/>
                       </p:stCondLst>
                       <p:childTnLst>
                         <p:par>
-                          <p:cTn id="24" fill="hold">
+                          <p:cTn id="26" fill="hold">
                             <p:stCondLst>
                               <p:cond delay="0"/>
                             </p:stCondLst>
                             <p:childTnLst>
                               <p:par>
-                                <p:cTn id="25" presetClass="entr" nodeType="clickEffect" presetSubtype="0" presetID="1" grpId="1" fill="hold">
-                                  <p:stCondLst>
-                                    <p:cond delay="0"/>
-                                  </p:stCondLst>
-                                  <p:iterate type="el" backwards="0">
-                                    <p:tmAbs val="0"/>
-                                  </p:iterate>
-                                  <p:childTnLst>
-                                    <p:set>
-                                      <p:cBhvr>
-                                        <p:cTn id="26" fill="hold"/>
-                                        <p:tgtEl>
-                                          <p:spTgt spid="87">
-                                            <p:txEl>
-                                              <p:pRg st="7" end="7"/>
-                                            </p:txEl>
-                                          </p:spTgt>
-                                        </p:tgtEl>
-                                        <p:attrNameLst>
-                                          <p:attrName>style.visibility</p:attrName>
-                                        </p:attrNameLst>
-                                      </p:cBhvr>
-                                      <p:to>
-                                        <p:strVal val="visible"/>
-                                      </p:to>
-                                    </p:set>
-                                  </p:childTnLst>
-                                </p:cTn>
-                              </p:par>
-                              <p:par>
-                                <p:cTn id="27" presetClass="entr" nodeType="withEffect" presetSubtype="0" presetID="1" grpId="1" fill="hold">
+                                <p:cTn id="27" presetClass="entr" nodeType="clickEffect" presetSubtype="0" presetID="1" grpId="1" fill="hold">
                                   <p:stCondLst>
                                     <p:cond delay="0"/>
                                   </p:stCondLst>
@@ -2972,6 +2982,36 @@
                                           <p:spTgt spid="87">
                                             <p:txEl>
                                               <p:pRg st="10" end="10"/>
+                                            </p:txEl>
+                                          </p:spTgt>
+                                        </p:tgtEl>
+                                        <p:attrNameLst>
+                                          <p:attrName>style.visibility</p:attrName>
+                                        </p:attrNameLst>
+                                      </p:cBhvr>
+                                      <p:to>
+                                        <p:strVal val="visible"/>
+                                      </p:to>
+                                    </p:set>
+                                  </p:childTnLst>
+                                </p:cTn>
+                              </p:par>
+                              <p:par>
+                                <p:cTn id="33" presetClass="entr" nodeType="withEffect" presetSubtype="0" presetID="1" grpId="1" fill="hold">
+                                  <p:stCondLst>
+                                    <p:cond delay="0"/>
+                                  </p:stCondLst>
+                                  <p:iterate type="el" backwards="0">
+                                    <p:tmAbs val="0"/>
+                                  </p:iterate>
+                                  <p:childTnLst>
+                                    <p:set>
+                                      <p:cBhvr>
+                                        <p:cTn id="34" fill="hold"/>
+                                        <p:tgtEl>
+                                          <p:spTgt spid="87">
+                                            <p:txEl>
+                                              <p:pRg st="11" end="11"/>
                                             </p:txEl>
                                           </p:spTgt>
                                         </p:tgtEl>
@@ -3063,7 +3103,7 @@
       </p:sp>
       <p:sp>
         <p:nvSpPr>
-          <p:cNvPr id="93" name="Complete your degree with flying colors…"/>
+          <p:cNvPr id="93" name="Complete your course with flying colors…"/>
           <p:cNvSpPr txBox="1"/>
           <p:nvPr>
             <p:ph type="body" idx="1"/>
@@ -3084,7 +3124,7 @@
               </a:lnSpc>
             </a:pPr>
             <a:r>
-              <a:t>Complete your degree with flying colors</a:t>
+              <a:t>Complete your course with flying colors</a:t>
             </a:r>
           </a:p>
           <a:p>
@@ -3094,17 +3134,21 @@
               </a:lnSpc>
             </a:pPr>
             <a:r>
-              <a:t>Get a decent job (or higher studies abroad)</a:t>
-            </a:r>
-          </a:p>
-          <a:p>
-            <a:pPr lvl="1">
+              <a:t>Key course to get a decent job </a:t>
+            </a:r>
+          </a:p>
+          <a:p>
+            <a:pPr lvl="1" marL="700087" indent="-304800">
               <a:lnSpc>
                 <a:spcPct val="80000"/>
               </a:lnSpc>
+              <a:spcBef>
+                <a:spcPts val="700"/>
+              </a:spcBef>
+              <a:defRPr sz="3200"/>
             </a:pPr>
             <a:r>
-              <a:t>Most likely a S/W (or H/W) development job</a:t>
+              <a:t>(or higher studies abroad)</a:t>
             </a:r>
           </a:p>
           <a:p>
@@ -3899,6 +3943,12 @@
               <a:t>Have fun while studying this course</a:t>
             </a:r>
           </a:p>
+          <a:p>
+            <a:pPr lvl="1"/>
+            <a:r>
+              <a:t>Enjoy the sweet successes while overcoming failures</a:t>
+            </a:r>
+          </a:p>
         </p:txBody>
       </p:sp>
       <p:sp>
@@ -4358,6 +4408,36 @@
                                           <p:spTgt spid="99">
                                             <p:txEl>
                                               <p:pRg st="7" end="7"/>
+                                            </p:txEl>
+                                          </p:spTgt>
+                                        </p:tgtEl>
+                                        <p:attrNameLst>
+                                          <p:attrName>style.visibility</p:attrName>
+                                        </p:attrNameLst>
+                                      </p:cBhvr>
+                                      <p:to>
+                                        <p:strVal val="visible"/>
+                                      </p:to>
+                                    </p:set>
+                                  </p:childTnLst>
+                                </p:cTn>
+                              </p:par>
+                              <p:par>
+                                <p:cTn id="29" presetClass="entr" nodeType="withEffect" presetSubtype="0" presetID="1" grpId="1" fill="hold">
+                                  <p:stCondLst>
+                                    <p:cond delay="0"/>
+                                  </p:stCondLst>
+                                  <p:iterate type="el" backwards="0">
+                                    <p:tmAbs val="0"/>
+                                  </p:iterate>
+                                  <p:childTnLst>
+                                    <p:set>
+                                      <p:cBhvr>
+                                        <p:cTn id="30" fill="hold"/>
+                                        <p:tgtEl>
+                                          <p:spTgt spid="99">
+                                            <p:txEl>
+                                              <p:pRg st="8" end="8"/>
                                             </p:txEl>
                                           </p:spTgt>
                                         </p:tgtEl>
@@ -5248,8 +5328,8 @@
       </p:par>
     </p:tnLst>
     <p:bldLst>
+      <p:bldP build="p" bldLvl="1" animBg="1" rev="0" advAuto="0" spid="105" grpId="2"/>
       <p:bldP build="whole" bldLvl="1" animBg="1" rev="0" advAuto="0" spid="104" grpId="1"/>
-      <p:bldP build="p" bldLvl="1" animBg="1" rev="0" advAuto="0" spid="105" grpId="2"/>
     </p:bldLst>
   </p:timing>
 </p:sld>
@@ -6579,7 +6659,7 @@
       </p:grpSpPr>
       <p:sp>
         <p:nvSpPr>
-          <p:cNvPr id="122" name="Evaluation Methodology"/>
+          <p:cNvPr id="122" name="Be Alert"/>
           <p:cNvSpPr txBox="1"/>
           <p:nvPr>
             <p:ph type="title"/>
@@ -6596,14 +6676,14 @@
           <a:p>
             <a:pPr/>
             <a:r>
-              <a:t>Evaluation Methodology</a:t>
+              <a:t>Be Alert</a:t>
             </a:r>
           </a:p>
         </p:txBody>
       </p:sp>
       <p:sp>
         <p:nvSpPr>
-          <p:cNvPr id="123" name="Exams…"/>
+          <p:cNvPr id="123" name="Following words have same letters.…"/>
           <p:cNvSpPr txBox="1"/>
           <p:nvPr>
             <p:ph type="body" idx="1"/>
@@ -6618,107 +6698,52 @@
           <a:bodyPr/>
           <a:lstStyle/>
           <a:p>
-            <a:pPr marL="425450" indent="-385762">
-              <a:defRPr sz="3600"/>
+            <a:pPr/>
+            <a:r>
+              <a:t>Following words have same letters.</a:t>
+            </a:r>
+          </a:p>
+          <a:p>
+            <a:pPr/>
+            <a:r>
+              <a:t>Arrangement of letters makes all the difference</a:t>
+            </a:r>
+          </a:p>
+          <a:p>
+            <a:pPr lvl="1">
+              <a:defRPr b="1" sz="3400"/>
             </a:pPr>
             <a:r>
-              <a:t>Exams </a:t>
+              <a:t>LISTEN</a:t>
             </a:r>
           </a:p>
           <a:p>
             <a:pPr lvl="2">
-              <a:spcBef>
-                <a:spcPts val="600"/>
-              </a:spcBef>
+              <a:defRPr b="1" sz="3400"/>
             </a:pPr>
             <a:r>
-              <a:t>External: as per VTU</a:t>
+              <a:t>SILENT</a:t>
             </a:r>
           </a:p>
           <a:p>
             <a:pPr lvl="2">
-              <a:spcBef>
-                <a:spcPts val="600"/>
-              </a:spcBef>
+              <a:defRPr b="1" sz="3400"/>
             </a:pPr>
-            <a:r>
-              <a:t>Internal: </a:t>
-            </a:r>
-          </a:p>
-          <a:p>
-            <a:pPr lvl="3">
-              <a:spcBef>
-                <a:spcPts val="600"/>
-              </a:spcBef>
+          </a:p>
+          <a:p>
+            <a:pPr marL="382587" indent="-342900">
+              <a:defRPr b="1" sz="3400"/>
             </a:pPr>
             <a:r>
-              <a:t>30 marks: Assignments (4+)</a:t>
-            </a:r>
-          </a:p>
-          <a:p>
-            <a:pPr lvl="3">
-              <a:spcBef>
-                <a:spcPts val="600"/>
-              </a:spcBef>
+              <a:t>TEACHER</a:t>
+            </a:r>
+          </a:p>
+          <a:p>
+            <a:pPr lvl="1">
+              <a:defRPr b="1" sz="3400"/>
             </a:pPr>
             <a:r>
-              <a:t>10 marks: ISA3 (based on VTU, full course)</a:t>
-            </a:r>
-          </a:p>
-          <a:p>
-            <a:pPr marL="425450" indent="-385762">
-              <a:defRPr sz="3600"/>
-            </a:pPr>
-            <a:r>
-              <a:t>Assignments</a:t>
-            </a:r>
-          </a:p>
-          <a:p>
-            <a:pPr lvl="1">
-              <a:spcBef>
-                <a:spcPts val="500"/>
-              </a:spcBef>
-            </a:pPr>
-            <a:r>
-              <a:t>These are programming assignments</a:t>
-            </a:r>
-          </a:p>
-          <a:p>
-            <a:pPr lvl="2" marL="1097416" indent="-244928">
-              <a:defRPr sz="3000"/>
-            </a:pPr>
-            <a:r>
-              <a:t>To be done in team of size 2 or 3</a:t>
-            </a:r>
-          </a:p>
-          <a:p>
-            <a:pPr lvl="2" marL="1097416" indent="-244928">
-              <a:defRPr sz="3000"/>
-            </a:pPr>
-            <a:r>
-              <a:t>Any team member can be asked to explain</a:t>
-            </a:r>
-          </a:p>
-          <a:p>
-            <a:pPr lvl="1">
-              <a:spcBef>
-                <a:spcPts val="500"/>
-              </a:spcBef>
-            </a:pPr>
-            <a:r>
-              <a:t>Submissions online (KSIT Centos server )</a:t>
-            </a:r>
-          </a:p>
-          <a:p>
-            <a:pPr lvl="2"/>
-            <a:r>
-              <a:t>Program should run on server</a:t>
-            </a:r>
-          </a:p>
-          <a:p>
-            <a:pPr lvl="1"/>
-            <a:r>
-              <a:t>Plagiarism will get 0 marks</a:t>
+              <a:t>CHEATER</a:t>
             </a:r>
           </a:p>
         </p:txBody>
@@ -6732,10 +6757,6 @@
           </p:nvPr>
         </p:nvSpPr>
         <p:spPr>
-          <a:xfrm>
-            <a:off x="8154987" y="6942137"/>
-            <a:ext cx="368301" cy="382911"/>
-          </a:xfrm>
           <a:prstGeom prst="rect">
             <a:avLst/>
           </a:prstGeom>
@@ -6746,7 +6767,7 @@
           </a:extLst>
         </p:spPr>
         <p:txBody>
-          <a:bodyPr wrap="none"/>
+          <a:bodyPr/>
           <a:lstStyle/>
           <a:p>
             <a:pPr/>
@@ -6856,463 +6877,6 @@
       </p:transition>
     </mc:Fallback>
   </mc:AlternateContent>
-  <p:timing>
-    <p:tnLst>
-      <p:par>
-        <p:cTn id="1" nodeType="tmRoot" restart="never" dur="indefinite" fill="hold">
-          <p:childTnLst>
-            <p:seq concurrent="1" prevAc="none" nextAc="seek">
-              <p:cTn id="2" nodeType="mainSeq" dur="indefinite" fill="hold">
-                <p:childTnLst>
-                  <p:par>
-                    <p:cTn id="3" fill="hold">
-                      <p:stCondLst>
-                        <p:cond delay="indefinite"/>
-                      </p:stCondLst>
-                      <p:childTnLst>
-                        <p:par>
-                          <p:cTn id="4" fill="hold">
-                            <p:stCondLst>
-                              <p:cond delay="0"/>
-                            </p:stCondLst>
-                            <p:childTnLst>
-                              <p:par>
-                                <p:cTn id="5" presetClass="entr" nodeType="clickEffect" presetSubtype="0" presetID="1" grpId="1" fill="hold">
-                                  <p:stCondLst>
-                                    <p:cond delay="0"/>
-                                  </p:stCondLst>
-                                  <p:iterate type="el" backwards="0">
-                                    <p:tmAbs val="0"/>
-                                  </p:iterate>
-                                  <p:childTnLst>
-                                    <p:set>
-                                      <p:cBhvr>
-                                        <p:cTn id="6" fill="hold"/>
-                                        <p:tgtEl>
-                                          <p:spTgt spid="123">
-                                            <p:bg/>
-                                          </p:spTgt>
-                                        </p:tgtEl>
-                                        <p:attrNameLst>
-                                          <p:attrName>style.visibility</p:attrName>
-                                        </p:attrNameLst>
-                                      </p:cBhvr>
-                                      <p:to>
-                                        <p:strVal val="visible"/>
-                                      </p:to>
-                                    </p:set>
-                                  </p:childTnLst>
-                                </p:cTn>
-                              </p:par>
-                              <p:par>
-                                <p:cTn id="7" presetClass="entr" nodeType="withEffect" presetSubtype="0" presetID="1" grpId="1" fill="hold">
-                                  <p:stCondLst>
-                                    <p:cond delay="0"/>
-                                  </p:stCondLst>
-                                  <p:iterate type="el" backwards="0">
-                                    <p:tmAbs val="0"/>
-                                  </p:iterate>
-                                  <p:childTnLst>
-                                    <p:set>
-                                      <p:cBhvr>
-                                        <p:cTn id="8" fill="hold"/>
-                                        <p:tgtEl>
-                                          <p:spTgt spid="123">
-                                            <p:txEl>
-                                              <p:pRg st="0" end="0"/>
-                                            </p:txEl>
-                                          </p:spTgt>
-                                        </p:tgtEl>
-                                        <p:attrNameLst>
-                                          <p:attrName>style.visibility</p:attrName>
-                                        </p:attrNameLst>
-                                      </p:cBhvr>
-                                      <p:to>
-                                        <p:strVal val="visible"/>
-                                      </p:to>
-                                    </p:set>
-                                  </p:childTnLst>
-                                </p:cTn>
-                              </p:par>
-                              <p:par>
-                                <p:cTn id="9" presetClass="entr" nodeType="withEffect" presetSubtype="0" presetID="1" grpId="1" fill="hold">
-                                  <p:stCondLst>
-                                    <p:cond delay="0"/>
-                                  </p:stCondLst>
-                                  <p:iterate type="el" backwards="0">
-                                    <p:tmAbs val="0"/>
-                                  </p:iterate>
-                                  <p:childTnLst>
-                                    <p:set>
-                                      <p:cBhvr>
-                                        <p:cTn id="10" fill="hold"/>
-                                        <p:tgtEl>
-                                          <p:spTgt spid="123">
-                                            <p:txEl>
-                                              <p:pRg st="1" end="1"/>
-                                            </p:txEl>
-                                          </p:spTgt>
-                                        </p:tgtEl>
-                                        <p:attrNameLst>
-                                          <p:attrName>style.visibility</p:attrName>
-                                        </p:attrNameLst>
-                                      </p:cBhvr>
-                                      <p:to>
-                                        <p:strVal val="visible"/>
-                                      </p:to>
-                                    </p:set>
-                                  </p:childTnLst>
-                                </p:cTn>
-                              </p:par>
-                              <p:par>
-                                <p:cTn id="11" presetClass="entr" nodeType="withEffect" presetSubtype="0" presetID="1" grpId="1" fill="hold">
-                                  <p:stCondLst>
-                                    <p:cond delay="0"/>
-                                  </p:stCondLst>
-                                  <p:iterate type="el" backwards="0">
-                                    <p:tmAbs val="0"/>
-                                  </p:iterate>
-                                  <p:childTnLst>
-                                    <p:set>
-                                      <p:cBhvr>
-                                        <p:cTn id="12" fill="hold"/>
-                                        <p:tgtEl>
-                                          <p:spTgt spid="123">
-                                            <p:txEl>
-                                              <p:pRg st="2" end="2"/>
-                                            </p:txEl>
-                                          </p:spTgt>
-                                        </p:tgtEl>
-                                        <p:attrNameLst>
-                                          <p:attrName>style.visibility</p:attrName>
-                                        </p:attrNameLst>
-                                      </p:cBhvr>
-                                      <p:to>
-                                        <p:strVal val="visible"/>
-                                      </p:to>
-                                    </p:set>
-                                  </p:childTnLst>
-                                </p:cTn>
-                              </p:par>
-                              <p:par>
-                                <p:cTn id="13" presetClass="entr" nodeType="withEffect" presetSubtype="0" presetID="1" grpId="1" fill="hold">
-                                  <p:stCondLst>
-                                    <p:cond delay="0"/>
-                                  </p:stCondLst>
-                                  <p:iterate type="el" backwards="0">
-                                    <p:tmAbs val="0"/>
-                                  </p:iterate>
-                                  <p:childTnLst>
-                                    <p:set>
-                                      <p:cBhvr>
-                                        <p:cTn id="14" fill="hold"/>
-                                        <p:tgtEl>
-                                          <p:spTgt spid="123">
-                                            <p:txEl>
-                                              <p:pRg st="3" end="3"/>
-                                            </p:txEl>
-                                          </p:spTgt>
-                                        </p:tgtEl>
-                                        <p:attrNameLst>
-                                          <p:attrName>style.visibility</p:attrName>
-                                        </p:attrNameLst>
-                                      </p:cBhvr>
-                                      <p:to>
-                                        <p:strVal val="visible"/>
-                                      </p:to>
-                                    </p:set>
-                                  </p:childTnLst>
-                                </p:cTn>
-                              </p:par>
-                              <p:par>
-                                <p:cTn id="15" presetClass="entr" nodeType="withEffect" presetSubtype="0" presetID="1" grpId="1" fill="hold">
-                                  <p:stCondLst>
-                                    <p:cond delay="0"/>
-                                  </p:stCondLst>
-                                  <p:iterate type="el" backwards="0">
-                                    <p:tmAbs val="0"/>
-                                  </p:iterate>
-                                  <p:childTnLst>
-                                    <p:set>
-                                      <p:cBhvr>
-                                        <p:cTn id="16" fill="hold"/>
-                                        <p:tgtEl>
-                                          <p:spTgt spid="123">
-                                            <p:txEl>
-                                              <p:pRg st="4" end="4"/>
-                                            </p:txEl>
-                                          </p:spTgt>
-                                        </p:tgtEl>
-                                        <p:attrNameLst>
-                                          <p:attrName>style.visibility</p:attrName>
-                                        </p:attrNameLst>
-                                      </p:cBhvr>
-                                      <p:to>
-                                        <p:strVal val="visible"/>
-                                      </p:to>
-                                    </p:set>
-                                  </p:childTnLst>
-                                </p:cTn>
-                              </p:par>
-                            </p:childTnLst>
-                          </p:cTn>
-                        </p:par>
-                      </p:childTnLst>
-                    </p:cTn>
-                  </p:par>
-                  <p:par>
-                    <p:cTn id="17" fill="hold">
-                      <p:stCondLst>
-                        <p:cond delay="indefinite"/>
-                      </p:stCondLst>
-                      <p:childTnLst>
-                        <p:par>
-                          <p:cTn id="18" fill="hold">
-                            <p:stCondLst>
-                              <p:cond delay="0"/>
-                            </p:stCondLst>
-                            <p:childTnLst>
-                              <p:par>
-                                <p:cTn id="19" presetClass="entr" nodeType="clickEffect" presetSubtype="0" presetID="1" grpId="1" fill="hold">
-                                  <p:stCondLst>
-                                    <p:cond delay="0"/>
-                                  </p:stCondLst>
-                                  <p:iterate type="el" backwards="0">
-                                    <p:tmAbs val="0"/>
-                                  </p:iterate>
-                                  <p:childTnLst>
-                                    <p:set>
-                                      <p:cBhvr>
-                                        <p:cTn id="20" fill="hold"/>
-                                        <p:tgtEl>
-                                          <p:spTgt spid="123">
-                                            <p:txEl>
-                                              <p:pRg st="5" end="5"/>
-                                            </p:txEl>
-                                          </p:spTgt>
-                                        </p:tgtEl>
-                                        <p:attrNameLst>
-                                          <p:attrName>style.visibility</p:attrName>
-                                        </p:attrNameLst>
-                                      </p:cBhvr>
-                                      <p:to>
-                                        <p:strVal val="visible"/>
-                                      </p:to>
-                                    </p:set>
-                                  </p:childTnLst>
-                                </p:cTn>
-                              </p:par>
-                              <p:par>
-                                <p:cTn id="21" presetClass="entr" nodeType="withEffect" presetSubtype="0" presetID="1" grpId="1" fill="hold">
-                                  <p:stCondLst>
-                                    <p:cond delay="0"/>
-                                  </p:stCondLst>
-                                  <p:iterate type="el" backwards="0">
-                                    <p:tmAbs val="0"/>
-                                  </p:iterate>
-                                  <p:childTnLst>
-                                    <p:set>
-                                      <p:cBhvr>
-                                        <p:cTn id="22" fill="hold"/>
-                                        <p:tgtEl>
-                                          <p:spTgt spid="123">
-                                            <p:txEl>
-                                              <p:pRg st="6" end="6"/>
-                                            </p:txEl>
-                                          </p:spTgt>
-                                        </p:tgtEl>
-                                        <p:attrNameLst>
-                                          <p:attrName>style.visibility</p:attrName>
-                                        </p:attrNameLst>
-                                      </p:cBhvr>
-                                      <p:to>
-                                        <p:strVal val="visible"/>
-                                      </p:to>
-                                    </p:set>
-                                  </p:childTnLst>
-                                </p:cTn>
-                              </p:par>
-                              <p:par>
-                                <p:cTn id="23" presetClass="entr" nodeType="withEffect" presetSubtype="0" presetID="1" grpId="1" fill="hold">
-                                  <p:stCondLst>
-                                    <p:cond delay="0"/>
-                                  </p:stCondLst>
-                                  <p:iterate type="el" backwards="0">
-                                    <p:tmAbs val="0"/>
-                                  </p:iterate>
-                                  <p:childTnLst>
-                                    <p:set>
-                                      <p:cBhvr>
-                                        <p:cTn id="24" fill="hold"/>
-                                        <p:tgtEl>
-                                          <p:spTgt spid="123">
-                                            <p:txEl>
-                                              <p:pRg st="7" end="7"/>
-                                            </p:txEl>
-                                          </p:spTgt>
-                                        </p:tgtEl>
-                                        <p:attrNameLst>
-                                          <p:attrName>style.visibility</p:attrName>
-                                        </p:attrNameLst>
-                                      </p:cBhvr>
-                                      <p:to>
-                                        <p:strVal val="visible"/>
-                                      </p:to>
-                                    </p:set>
-                                  </p:childTnLst>
-                                </p:cTn>
-                              </p:par>
-                              <p:par>
-                                <p:cTn id="25" presetClass="entr" nodeType="withEffect" presetSubtype="0" presetID="1" grpId="1" fill="hold">
-                                  <p:stCondLst>
-                                    <p:cond delay="0"/>
-                                  </p:stCondLst>
-                                  <p:iterate type="el" backwards="0">
-                                    <p:tmAbs val="0"/>
-                                  </p:iterate>
-                                  <p:childTnLst>
-                                    <p:set>
-                                      <p:cBhvr>
-                                        <p:cTn id="26" fill="hold"/>
-                                        <p:tgtEl>
-                                          <p:spTgt spid="123">
-                                            <p:txEl>
-                                              <p:pRg st="8" end="8"/>
-                                            </p:txEl>
-                                          </p:spTgt>
-                                        </p:tgtEl>
-                                        <p:attrNameLst>
-                                          <p:attrName>style.visibility</p:attrName>
-                                        </p:attrNameLst>
-                                      </p:cBhvr>
-                                      <p:to>
-                                        <p:strVal val="visible"/>
-                                      </p:to>
-                                    </p:set>
-                                  </p:childTnLst>
-                                </p:cTn>
-                              </p:par>
-                              <p:par>
-                                <p:cTn id="27" presetClass="entr" nodeType="withEffect" presetSubtype="0" presetID="1" grpId="1" fill="hold">
-                                  <p:stCondLst>
-                                    <p:cond delay="0"/>
-                                  </p:stCondLst>
-                                  <p:iterate type="el" backwards="0">
-                                    <p:tmAbs val="0"/>
-                                  </p:iterate>
-                                  <p:childTnLst>
-                                    <p:set>
-                                      <p:cBhvr>
-                                        <p:cTn id="28" fill="hold"/>
-                                        <p:tgtEl>
-                                          <p:spTgt spid="123">
-                                            <p:txEl>
-                                              <p:pRg st="9" end="9"/>
-                                            </p:txEl>
-                                          </p:spTgt>
-                                        </p:tgtEl>
-                                        <p:attrNameLst>
-                                          <p:attrName>style.visibility</p:attrName>
-                                        </p:attrNameLst>
-                                      </p:cBhvr>
-                                      <p:to>
-                                        <p:strVal val="visible"/>
-                                      </p:to>
-                                    </p:set>
-                                  </p:childTnLst>
-                                </p:cTn>
-                              </p:par>
-                              <p:par>
-                                <p:cTn id="29" presetClass="entr" nodeType="withEffect" presetSubtype="0" presetID="1" grpId="1" fill="hold">
-                                  <p:stCondLst>
-                                    <p:cond delay="0"/>
-                                  </p:stCondLst>
-                                  <p:iterate type="el" backwards="0">
-                                    <p:tmAbs val="0"/>
-                                  </p:iterate>
-                                  <p:childTnLst>
-                                    <p:set>
-                                      <p:cBhvr>
-                                        <p:cTn id="30" fill="hold"/>
-                                        <p:tgtEl>
-                                          <p:spTgt spid="123">
-                                            <p:txEl>
-                                              <p:pRg st="10" end="10"/>
-                                            </p:txEl>
-                                          </p:spTgt>
-                                        </p:tgtEl>
-                                        <p:attrNameLst>
-                                          <p:attrName>style.visibility</p:attrName>
-                                        </p:attrNameLst>
-                                      </p:cBhvr>
-                                      <p:to>
-                                        <p:strVal val="visible"/>
-                                      </p:to>
-                                    </p:set>
-                                  </p:childTnLst>
-                                </p:cTn>
-                              </p:par>
-                              <p:par>
-                                <p:cTn id="31" presetClass="entr" nodeType="withEffect" presetSubtype="0" presetID="1" grpId="1" fill="hold">
-                                  <p:stCondLst>
-                                    <p:cond delay="0"/>
-                                  </p:stCondLst>
-                                  <p:iterate type="el" backwards="0">
-                                    <p:tmAbs val="0"/>
-                                  </p:iterate>
-                                  <p:childTnLst>
-                                    <p:set>
-                                      <p:cBhvr>
-                                        <p:cTn id="32" fill="hold"/>
-                                        <p:tgtEl>
-                                          <p:spTgt spid="123">
-                                            <p:txEl>
-                                              <p:pRg st="11" end="11"/>
-                                            </p:txEl>
-                                          </p:spTgt>
-                                        </p:tgtEl>
-                                        <p:attrNameLst>
-                                          <p:attrName>style.visibility</p:attrName>
-                                        </p:attrNameLst>
-                                      </p:cBhvr>
-                                      <p:to>
-                                        <p:strVal val="visible"/>
-                                      </p:to>
-                                    </p:set>
-                                  </p:childTnLst>
-                                </p:cTn>
-                              </p:par>
-                            </p:childTnLst>
-                          </p:cTn>
-                        </p:par>
-                      </p:childTnLst>
-                    </p:cTn>
-                  </p:par>
-                </p:childTnLst>
-              </p:cTn>
-              <p:prevCondLst>
-                <p:cond evt="onPrev">
-                  <p:tgtEl>
-                    <p:sldTgt/>
-                  </p:tgtEl>
-                </p:cond>
-              </p:prevCondLst>
-              <p:nextCondLst>
-                <p:cond evt="onNext">
-                  <p:tgtEl>
-                    <p:sldTgt/>
-                  </p:tgtEl>
-                </p:cond>
-              </p:nextCondLst>
-            </p:seq>
-          </p:childTnLst>
-        </p:cTn>
-      </p:par>
-    </p:tnLst>
-    <p:bldLst>
-      <p:bldP build="p" bldLvl="1" animBg="1" rev="0" advAuto="0" spid="123" grpId="1"/>
-    </p:bldLst>
-  </p:timing>
 </p:sld>
 </file>
 
@@ -7335,7 +6899,7 @@
       </p:grpSpPr>
       <p:sp>
         <p:nvSpPr>
-          <p:cNvPr id="128" name="Course"/>
+          <p:cNvPr id="128" name="Evaluation Methodology"/>
           <p:cNvSpPr txBox="1"/>
           <p:nvPr>
             <p:ph type="title"/>
@@ -7352,14 +6916,14 @@
           <a:p>
             <a:pPr/>
             <a:r>
-              <a:t>Course</a:t>
+              <a:t>Evaluation Methodology</a:t>
             </a:r>
           </a:p>
         </p:txBody>
       </p:sp>
       <p:sp>
         <p:nvSpPr>
-          <p:cNvPr id="129" name="Approach…"/>
+          <p:cNvPr id="129" name="Exams…"/>
           <p:cNvSpPr txBox="1"/>
           <p:nvPr>
             <p:ph type="body" idx="1"/>
@@ -7374,27 +6938,116 @@
           <a:bodyPr/>
           <a:lstStyle/>
           <a:p>
-            <a:pPr/>
-            <a:r>
-              <a:t>Approach</a:t>
+            <a:pPr marL="425450" indent="-385762">
+              <a:defRPr sz="3600"/>
+            </a:pPr>
+            <a:r>
+              <a:t>Exams </a:t>
+            </a:r>
+          </a:p>
+          <a:p>
+            <a:pPr lvl="2">
+              <a:spcBef>
+                <a:spcPts val="600"/>
+              </a:spcBef>
+            </a:pPr>
+            <a:r>
+              <a:t>External: as per VTU</a:t>
+            </a:r>
+          </a:p>
+          <a:p>
+            <a:pPr lvl="2">
+              <a:spcBef>
+                <a:spcPts val="600"/>
+              </a:spcBef>
+            </a:pPr>
+            <a:r>
+              <a:t>Internal: </a:t>
+            </a:r>
+          </a:p>
+          <a:p>
+            <a:pPr lvl="3">
+              <a:spcBef>
+                <a:spcPts val="600"/>
+              </a:spcBef>
+            </a:pPr>
+            <a:r>
+              <a:t>30 marks: Assignments (4+)</a:t>
+            </a:r>
+          </a:p>
+          <a:p>
+            <a:pPr lvl="3">
+              <a:spcBef>
+                <a:spcPts val="600"/>
+              </a:spcBef>
+            </a:pPr>
+            <a:r>
+              <a:rPr>
+                <a:latin typeface="Arial"/>
+                <a:ea typeface="Arial"/>
+                <a:cs typeface="Arial"/>
+                <a:sym typeface="Arial"/>
+              </a:rPr>
+              <a:t>10</a:t>
+            </a:r>
+            <a:r>
+              <a:t> marks: ISA3 (based on VTU, full course)</a:t>
+            </a:r>
+          </a:p>
+          <a:p>
+            <a:pPr marL="425450" indent="-385762">
+              <a:defRPr sz="3600"/>
+            </a:pPr>
+            <a:r>
+              <a:t>Assignments</a:t>
+            </a:r>
+          </a:p>
+          <a:p>
+            <a:pPr lvl="1">
+              <a:spcBef>
+                <a:spcPts val="500"/>
+              </a:spcBef>
+            </a:pPr>
+            <a:r>
+              <a:t>These are programming assignments</a:t>
+            </a:r>
+          </a:p>
+          <a:p>
+            <a:pPr lvl="2" marL="1097416" indent="-244928">
+              <a:defRPr sz="3000"/>
+            </a:pPr>
+            <a:r>
+              <a:t>To be done in team of size 2 or 3</a:t>
+            </a:r>
+          </a:p>
+          <a:p>
+            <a:pPr lvl="2" marL="1097416" indent="-244928">
+              <a:defRPr sz="3000"/>
+            </a:pPr>
+            <a:r>
+              <a:t>Any team member can be asked to explain</a:t>
+            </a:r>
+          </a:p>
+          <a:p>
+            <a:pPr lvl="1">
+              <a:spcBef>
+                <a:spcPts val="500"/>
+              </a:spcBef>
+            </a:pPr>
+            <a:r>
+              <a:t>Submissions online (KSIT Centos server )</a:t>
+            </a:r>
+          </a:p>
+          <a:p>
+            <a:pPr lvl="2"/>
+            <a:r>
+              <a:t>Program should run on server</a:t>
             </a:r>
           </a:p>
           <a:p>
             <a:pPr lvl="1"/>
             <a:r>
-              <a:t>Interactive and inquisitive</a:t>
-            </a:r>
-          </a:p>
-          <a:p>
-            <a:pPr lvl="1"/>
-            <a:r>
-              <a:t>Ask lots of questions</a:t>
-            </a:r>
-          </a:p>
-          <a:p>
-            <a:pPr lvl="1"/>
-            <a:r>
-              <a:t>Extra material, information</a:t>
+              <a:t>Plagiarism will get 0 marks</a:t>
             </a:r>
           </a:p>
         </p:txBody>
@@ -7515,23 +7168,7 @@
   <p:clrMapOvr>
     <a:masterClrMapping/>
   </p:clrMapOvr>
-  <mc:AlternateContent xmlns:mc="http://schemas.openxmlformats.org/markup-compatibility/2006">
-    <mc:Choice xmlns:p15="http://schemas.microsoft.com/office/powerpoint/2012/main" Requires="p15">
-      <p:transition xmlns:p14="http://schemas.microsoft.com/office/powerpoint/2010/main" spd="med" advClick="1" p14:dur="1000">
-        <p15:prstTrans prst="peelOff" invX="1"/>
-      </p:transition>
-    </mc:Choice>
-    <mc:Choice xmlns:p14="http://schemas.microsoft.com/office/powerpoint/2010/main" Requires="p14">
-      <p:transition spd="med" advClick="1" p14:dur="1000">
-        <p:wipe dir="l"/>
-      </p:transition>
-    </mc:Choice>
-    <mc:Fallback>
-      <p:transition spd="med">
-        <p:fade/>
-      </p:transition>
-    </mc:Fallback>
-  </mc:AlternateContent>
+  <p:transition xmlns:p14="http://schemas.microsoft.com/office/powerpoint/2010/main" spd="med" advClick="1"/>
   <p:timing>
     <p:tnLst>
       <p:par>
@@ -7686,6 +7323,264 @@
                                           <p:spTgt spid="129">
                                             <p:txEl>
                                               <p:pRg st="3" end="3"/>
+                                            </p:txEl>
+                                          </p:spTgt>
+                                        </p:tgtEl>
+                                        <p:attrNameLst>
+                                          <p:attrName>style.visibility</p:attrName>
+                                        </p:attrNameLst>
+                                      </p:cBhvr>
+                                      <p:to>
+                                        <p:strVal val="visible"/>
+                                      </p:to>
+                                    </p:set>
+                                  </p:childTnLst>
+                                </p:cTn>
+                              </p:par>
+                              <p:par>
+                                <p:cTn id="15" presetClass="entr" nodeType="withEffect" presetSubtype="0" presetID="1" grpId="1" fill="hold">
+                                  <p:stCondLst>
+                                    <p:cond delay="0"/>
+                                  </p:stCondLst>
+                                  <p:iterate type="el" backwards="0">
+                                    <p:tmAbs val="0"/>
+                                  </p:iterate>
+                                  <p:childTnLst>
+                                    <p:set>
+                                      <p:cBhvr>
+                                        <p:cTn id="16" fill="hold"/>
+                                        <p:tgtEl>
+                                          <p:spTgt spid="129">
+                                            <p:txEl>
+                                              <p:pRg st="4" end="4"/>
+                                            </p:txEl>
+                                          </p:spTgt>
+                                        </p:tgtEl>
+                                        <p:attrNameLst>
+                                          <p:attrName>style.visibility</p:attrName>
+                                        </p:attrNameLst>
+                                      </p:cBhvr>
+                                      <p:to>
+                                        <p:strVal val="visible"/>
+                                      </p:to>
+                                    </p:set>
+                                  </p:childTnLst>
+                                </p:cTn>
+                              </p:par>
+                            </p:childTnLst>
+                          </p:cTn>
+                        </p:par>
+                      </p:childTnLst>
+                    </p:cTn>
+                  </p:par>
+                  <p:par>
+                    <p:cTn id="17" fill="hold">
+                      <p:stCondLst>
+                        <p:cond delay="indefinite"/>
+                      </p:stCondLst>
+                      <p:childTnLst>
+                        <p:par>
+                          <p:cTn id="18" fill="hold">
+                            <p:stCondLst>
+                              <p:cond delay="0"/>
+                            </p:stCondLst>
+                            <p:childTnLst>
+                              <p:par>
+                                <p:cTn id="19" presetClass="entr" nodeType="clickEffect" presetSubtype="0" presetID="1" grpId="1" fill="hold">
+                                  <p:stCondLst>
+                                    <p:cond delay="0"/>
+                                  </p:stCondLst>
+                                  <p:iterate type="el" backwards="0">
+                                    <p:tmAbs val="0"/>
+                                  </p:iterate>
+                                  <p:childTnLst>
+                                    <p:set>
+                                      <p:cBhvr>
+                                        <p:cTn id="20" fill="hold"/>
+                                        <p:tgtEl>
+                                          <p:spTgt spid="129">
+                                            <p:txEl>
+                                              <p:pRg st="5" end="5"/>
+                                            </p:txEl>
+                                          </p:spTgt>
+                                        </p:tgtEl>
+                                        <p:attrNameLst>
+                                          <p:attrName>style.visibility</p:attrName>
+                                        </p:attrNameLst>
+                                      </p:cBhvr>
+                                      <p:to>
+                                        <p:strVal val="visible"/>
+                                      </p:to>
+                                    </p:set>
+                                  </p:childTnLst>
+                                </p:cTn>
+                              </p:par>
+                              <p:par>
+                                <p:cTn id="21" presetClass="entr" nodeType="withEffect" presetSubtype="0" presetID="1" grpId="1" fill="hold">
+                                  <p:stCondLst>
+                                    <p:cond delay="0"/>
+                                  </p:stCondLst>
+                                  <p:iterate type="el" backwards="0">
+                                    <p:tmAbs val="0"/>
+                                  </p:iterate>
+                                  <p:childTnLst>
+                                    <p:set>
+                                      <p:cBhvr>
+                                        <p:cTn id="22" fill="hold"/>
+                                        <p:tgtEl>
+                                          <p:spTgt spid="129">
+                                            <p:txEl>
+                                              <p:pRg st="6" end="6"/>
+                                            </p:txEl>
+                                          </p:spTgt>
+                                        </p:tgtEl>
+                                        <p:attrNameLst>
+                                          <p:attrName>style.visibility</p:attrName>
+                                        </p:attrNameLst>
+                                      </p:cBhvr>
+                                      <p:to>
+                                        <p:strVal val="visible"/>
+                                      </p:to>
+                                    </p:set>
+                                  </p:childTnLst>
+                                </p:cTn>
+                              </p:par>
+                              <p:par>
+                                <p:cTn id="23" presetClass="entr" nodeType="withEffect" presetSubtype="0" presetID="1" grpId="1" fill="hold">
+                                  <p:stCondLst>
+                                    <p:cond delay="0"/>
+                                  </p:stCondLst>
+                                  <p:iterate type="el" backwards="0">
+                                    <p:tmAbs val="0"/>
+                                  </p:iterate>
+                                  <p:childTnLst>
+                                    <p:set>
+                                      <p:cBhvr>
+                                        <p:cTn id="24" fill="hold"/>
+                                        <p:tgtEl>
+                                          <p:spTgt spid="129">
+                                            <p:txEl>
+                                              <p:pRg st="7" end="7"/>
+                                            </p:txEl>
+                                          </p:spTgt>
+                                        </p:tgtEl>
+                                        <p:attrNameLst>
+                                          <p:attrName>style.visibility</p:attrName>
+                                        </p:attrNameLst>
+                                      </p:cBhvr>
+                                      <p:to>
+                                        <p:strVal val="visible"/>
+                                      </p:to>
+                                    </p:set>
+                                  </p:childTnLst>
+                                </p:cTn>
+                              </p:par>
+                              <p:par>
+                                <p:cTn id="25" presetClass="entr" nodeType="withEffect" presetSubtype="0" presetID="1" grpId="1" fill="hold">
+                                  <p:stCondLst>
+                                    <p:cond delay="0"/>
+                                  </p:stCondLst>
+                                  <p:iterate type="el" backwards="0">
+                                    <p:tmAbs val="0"/>
+                                  </p:iterate>
+                                  <p:childTnLst>
+                                    <p:set>
+                                      <p:cBhvr>
+                                        <p:cTn id="26" fill="hold"/>
+                                        <p:tgtEl>
+                                          <p:spTgt spid="129">
+                                            <p:txEl>
+                                              <p:pRg st="8" end="8"/>
+                                            </p:txEl>
+                                          </p:spTgt>
+                                        </p:tgtEl>
+                                        <p:attrNameLst>
+                                          <p:attrName>style.visibility</p:attrName>
+                                        </p:attrNameLst>
+                                      </p:cBhvr>
+                                      <p:to>
+                                        <p:strVal val="visible"/>
+                                      </p:to>
+                                    </p:set>
+                                  </p:childTnLst>
+                                </p:cTn>
+                              </p:par>
+                              <p:par>
+                                <p:cTn id="27" presetClass="entr" nodeType="withEffect" presetSubtype="0" presetID="1" grpId="1" fill="hold">
+                                  <p:stCondLst>
+                                    <p:cond delay="0"/>
+                                  </p:stCondLst>
+                                  <p:iterate type="el" backwards="0">
+                                    <p:tmAbs val="0"/>
+                                  </p:iterate>
+                                  <p:childTnLst>
+                                    <p:set>
+                                      <p:cBhvr>
+                                        <p:cTn id="28" fill="hold"/>
+                                        <p:tgtEl>
+                                          <p:spTgt spid="129">
+                                            <p:txEl>
+                                              <p:pRg st="9" end="9"/>
+                                            </p:txEl>
+                                          </p:spTgt>
+                                        </p:tgtEl>
+                                        <p:attrNameLst>
+                                          <p:attrName>style.visibility</p:attrName>
+                                        </p:attrNameLst>
+                                      </p:cBhvr>
+                                      <p:to>
+                                        <p:strVal val="visible"/>
+                                      </p:to>
+                                    </p:set>
+                                  </p:childTnLst>
+                                </p:cTn>
+                              </p:par>
+                              <p:par>
+                                <p:cTn id="29" presetClass="entr" nodeType="withEffect" presetSubtype="0" presetID="1" grpId="1" fill="hold">
+                                  <p:stCondLst>
+                                    <p:cond delay="0"/>
+                                  </p:stCondLst>
+                                  <p:iterate type="el" backwards="0">
+                                    <p:tmAbs val="0"/>
+                                  </p:iterate>
+                                  <p:childTnLst>
+                                    <p:set>
+                                      <p:cBhvr>
+                                        <p:cTn id="30" fill="hold"/>
+                                        <p:tgtEl>
+                                          <p:spTgt spid="129">
+                                            <p:txEl>
+                                              <p:pRg st="10" end="10"/>
+                                            </p:txEl>
+                                          </p:spTgt>
+                                        </p:tgtEl>
+                                        <p:attrNameLst>
+                                          <p:attrName>style.visibility</p:attrName>
+                                        </p:attrNameLst>
+                                      </p:cBhvr>
+                                      <p:to>
+                                        <p:strVal val="visible"/>
+                                      </p:to>
+                                    </p:set>
+                                  </p:childTnLst>
+                                </p:cTn>
+                              </p:par>
+                              <p:par>
+                                <p:cTn id="31" presetClass="entr" nodeType="withEffect" presetSubtype="0" presetID="1" grpId="1" fill="hold">
+                                  <p:stCondLst>
+                                    <p:cond delay="0"/>
+                                  </p:stCondLst>
+                                  <p:iterate type="el" backwards="0">
+                                    <p:tmAbs val="0"/>
+                                  </p:iterate>
+                                  <p:childTnLst>
+                                    <p:set>
+                                      <p:cBhvr>
+                                        <p:cTn id="32" fill="hold"/>
+                                        <p:tgtEl>
+                                          <p:spTgt spid="129">
+                                            <p:txEl>
+                                              <p:pRg st="11" end="11"/>
                                             </p:txEl>
                                           </p:spTgt>
                                         </p:tgtEl>
@@ -7753,7 +7648,7 @@
       </p:grpSpPr>
       <p:sp>
         <p:nvSpPr>
-          <p:cNvPr id="134" name="Classroom Management"/>
+          <p:cNvPr id="134" name="Course"/>
           <p:cNvSpPr txBox="1"/>
           <p:nvPr>
             <p:ph type="title"/>
@@ -7770,14 +7665,14 @@
           <a:p>
             <a:pPr/>
             <a:r>
-              <a:t>Classroom Management</a:t>
+              <a:t>Course</a:t>
             </a:r>
           </a:p>
         </p:txBody>
       </p:sp>
       <p:sp>
         <p:nvSpPr>
-          <p:cNvPr id="135" name="Absence may be costly (or beneficial?)…"/>
+          <p:cNvPr id="135" name="Approach…"/>
           <p:cNvSpPr txBox="1"/>
           <p:nvPr>
             <p:ph type="body" idx="1"/>
@@ -7794,113 +7689,25 @@
           <a:p>
             <a:pPr/>
             <a:r>
-              <a:t>Absence may be costly (or beneficial?)</a:t>
+              <a:t>Approach</a:t>
             </a:r>
           </a:p>
           <a:p>
             <a:pPr lvl="1"/>
             <a:r>
-              <a:t>May miss out on understanding the concepts</a:t>
-            </a:r>
-          </a:p>
-          <a:p>
-            <a:pPr/>
-            <a:r>
-              <a:t>Would like to have </a:t>
-            </a:r>
-            <a:r>
-              <a:rPr b="1"/>
-              <a:t>outstanding</a:t>
-            </a:r>
-            <a:r>
-              <a:t> students</a:t>
+              <a:t>Interactive and inquisitive</a:t>
             </a:r>
           </a:p>
           <a:p>
             <a:pPr lvl="1"/>
             <a:r>
-              <a:t>Not (</a:t>
-            </a:r>
-            <a:r>
-              <a:rPr>
-                <a:ln w="3809">
-                  <a:solidFill>
-                    <a:srgbClr val="000000"/>
-                  </a:solidFill>
-                </a:ln>
-                <a:noFill/>
-              </a:rPr>
-              <a:t>Out</a:t>
-            </a:r>
-            <a:r>
-              <a:t>)-</a:t>
-            </a:r>
-            <a:r>
-              <a:rPr>
-                <a:ln w="3809">
-                  <a:solidFill>
-                    <a:srgbClr val="000000"/>
-                  </a:solidFill>
-                </a:ln>
-                <a:noFill/>
-              </a:rPr>
-              <a:t>Standing</a:t>
-            </a:r>
-            <a:r>
-              <a:t> students</a:t>
-            </a:r>
-          </a:p>
-          <a:p>
-            <a:pPr lvl="2"/>
-            <a:r>
-              <a:t>Class doors will be closed (after 5 mins)</a:t>
+              <a:t>Ask lots of questions</a:t>
             </a:r>
           </a:p>
           <a:p>
             <a:pPr lvl="1"/>
             <a:r>
-              <a:t>Be in time in class</a:t>
-            </a:r>
-          </a:p>
-          <a:p>
-            <a:pPr lvl="1"/>
-            <a:r>
-              <a:t>Late comers disturbs the class hygiene</a:t>
-            </a:r>
-          </a:p>
-          <a:p>
-            <a:pPr lvl="2">
-              <a:defRPr>
-                <a:solidFill>
-                  <a:srgbClr val="A6AAA9"/>
-                </a:solidFill>
-              </a:defRPr>
-            </a:pPr>
-            <a:r>
-              <a:t>(Adhere to Swachh Bharat)</a:t>
-            </a:r>
-          </a:p>
-          <a:p>
-            <a:pPr lvl="1"/>
-            <a:r>
-              <a:t>Can move out of class any time </a:t>
-            </a:r>
-          </a:p>
-          <a:p>
-            <a:pPr marL="361156" indent="-321468">
-              <a:spcBef>
-                <a:spcPts val="600"/>
-              </a:spcBef>
-              <a:defRPr sz="3000"/>
-            </a:pPr>
-            <a:r>
-              <a:t>Learn to have class discipline (no cross talks)</a:t>
-            </a:r>
-          </a:p>
-          <a:p>
-            <a:pPr lvl="1"/>
-            <a:r>
-              <a:t>Will be given time to discuss during exercises</a:t>
+              <a:t>Extra material, information</a:t>
             </a:r>
           </a:p>
         </p:txBody>
@@ -8146,36 +7953,18 @@
                                   </p:childTnLst>
                                 </p:cTn>
                               </p:par>
-                            </p:childTnLst>
-                          </p:cTn>
-                        </p:par>
-                      </p:childTnLst>
-                    </p:cTn>
-                  </p:par>
-                  <p:par>
-                    <p:cTn id="11" fill="hold">
-                      <p:stCondLst>
-                        <p:cond delay="indefinite"/>
-                      </p:stCondLst>
-                      <p:childTnLst>
-                        <p:par>
-                          <p:cTn id="12" fill="hold">
-                            <p:stCondLst>
-                              <p:cond delay="0"/>
-                            </p:stCondLst>
-                            <p:childTnLst>
-                              <p:par>
-                                <p:cTn id="13" presetClass="entr" nodeType="clickEffect" presetSubtype="0" presetID="1" grpId="1" fill="hold">
-                                  <p:stCondLst>
-                                    <p:cond delay="0"/>
-                                  </p:stCondLst>
-                                  <p:iterate type="el" backwards="0">
-                                    <p:tmAbs val="0"/>
-                                  </p:iterate>
-                                  <p:childTnLst>
-                                    <p:set>
-                                      <p:cBhvr>
-                                        <p:cTn id="14" fill="hold"/>
+                              <p:par>
+                                <p:cTn id="11" presetClass="entr" nodeType="withEffect" presetSubtype="0" presetID="1" grpId="1" fill="hold">
+                                  <p:stCondLst>
+                                    <p:cond delay="0"/>
+                                  </p:stCondLst>
+                                  <p:iterate type="el" backwards="0">
+                                    <p:tmAbs val="0"/>
+                                  </p:iterate>
+                                  <p:childTnLst>
+                                    <p:set>
+                                      <p:cBhvr>
+                                        <p:cTn id="12" fill="hold"/>
                                         <p:tgtEl>
                                           <p:spTgt spid="135">
                                             <p:txEl>
@@ -8195,249 +7984,21 @@
                                 </p:cTn>
                               </p:par>
                               <p:par>
-                                <p:cTn id="15" presetClass="entr" nodeType="withEffect" presetSubtype="0" presetID="1" grpId="1" fill="hold">
-                                  <p:stCondLst>
-                                    <p:cond delay="0"/>
-                                  </p:stCondLst>
-                                  <p:iterate type="el" backwards="0">
-                                    <p:tmAbs val="0"/>
-                                  </p:iterate>
-                                  <p:childTnLst>
-                                    <p:set>
-                                      <p:cBhvr>
-                                        <p:cTn id="16" fill="hold"/>
+                                <p:cTn id="13" presetClass="entr" nodeType="withEffect" presetSubtype="0" presetID="1" grpId="1" fill="hold">
+                                  <p:stCondLst>
+                                    <p:cond delay="0"/>
+                                  </p:stCondLst>
+                                  <p:iterate type="el" backwards="0">
+                                    <p:tmAbs val="0"/>
+                                  </p:iterate>
+                                  <p:childTnLst>
+                                    <p:set>
+                                      <p:cBhvr>
+                                        <p:cTn id="14" fill="hold"/>
                                         <p:tgtEl>
                                           <p:spTgt spid="135">
                                             <p:txEl>
                                               <p:pRg st="3" end="3"/>
-                                            </p:txEl>
-                                          </p:spTgt>
-                                        </p:tgtEl>
-                                        <p:attrNameLst>
-                                          <p:attrName>style.visibility</p:attrName>
-                                        </p:attrNameLst>
-                                      </p:cBhvr>
-                                      <p:to>
-                                        <p:strVal val="visible"/>
-                                      </p:to>
-                                    </p:set>
-                                  </p:childTnLst>
-                                </p:cTn>
-                              </p:par>
-                              <p:par>
-                                <p:cTn id="17" presetClass="entr" nodeType="withEffect" presetSubtype="0" presetID="1" grpId="1" fill="hold">
-                                  <p:stCondLst>
-                                    <p:cond delay="0"/>
-                                  </p:stCondLst>
-                                  <p:iterate type="el" backwards="0">
-                                    <p:tmAbs val="0"/>
-                                  </p:iterate>
-                                  <p:childTnLst>
-                                    <p:set>
-                                      <p:cBhvr>
-                                        <p:cTn id="18" fill="hold"/>
-                                        <p:tgtEl>
-                                          <p:spTgt spid="135">
-                                            <p:txEl>
-                                              <p:pRg st="4" end="4"/>
-                                            </p:txEl>
-                                          </p:spTgt>
-                                        </p:tgtEl>
-                                        <p:attrNameLst>
-                                          <p:attrName>style.visibility</p:attrName>
-                                        </p:attrNameLst>
-                                      </p:cBhvr>
-                                      <p:to>
-                                        <p:strVal val="visible"/>
-                                      </p:to>
-                                    </p:set>
-                                  </p:childTnLst>
-                                </p:cTn>
-                              </p:par>
-                              <p:par>
-                                <p:cTn id="19" presetClass="entr" nodeType="withEffect" presetSubtype="0" presetID="1" grpId="1" fill="hold">
-                                  <p:stCondLst>
-                                    <p:cond delay="0"/>
-                                  </p:stCondLst>
-                                  <p:iterate type="el" backwards="0">
-                                    <p:tmAbs val="0"/>
-                                  </p:iterate>
-                                  <p:childTnLst>
-                                    <p:set>
-                                      <p:cBhvr>
-                                        <p:cTn id="20" fill="hold"/>
-                                        <p:tgtEl>
-                                          <p:spTgt spid="135">
-                                            <p:txEl>
-                                              <p:pRg st="5" end="5"/>
-                                            </p:txEl>
-                                          </p:spTgt>
-                                        </p:tgtEl>
-                                        <p:attrNameLst>
-                                          <p:attrName>style.visibility</p:attrName>
-                                        </p:attrNameLst>
-                                      </p:cBhvr>
-                                      <p:to>
-                                        <p:strVal val="visible"/>
-                                      </p:to>
-                                    </p:set>
-                                  </p:childTnLst>
-                                </p:cTn>
-                              </p:par>
-                              <p:par>
-                                <p:cTn id="21" presetClass="entr" nodeType="withEffect" presetSubtype="0" presetID="1" grpId="1" fill="hold">
-                                  <p:stCondLst>
-                                    <p:cond delay="0"/>
-                                  </p:stCondLst>
-                                  <p:iterate type="el" backwards="0">
-                                    <p:tmAbs val="0"/>
-                                  </p:iterate>
-                                  <p:childTnLst>
-                                    <p:set>
-                                      <p:cBhvr>
-                                        <p:cTn id="22" fill="hold"/>
-                                        <p:tgtEl>
-                                          <p:spTgt spid="135">
-                                            <p:txEl>
-                                              <p:pRg st="6" end="6"/>
-                                            </p:txEl>
-                                          </p:spTgt>
-                                        </p:tgtEl>
-                                        <p:attrNameLst>
-                                          <p:attrName>style.visibility</p:attrName>
-                                        </p:attrNameLst>
-                                      </p:cBhvr>
-                                      <p:to>
-                                        <p:strVal val="visible"/>
-                                      </p:to>
-                                    </p:set>
-                                  </p:childTnLst>
-                                </p:cTn>
-                              </p:par>
-                              <p:par>
-                                <p:cTn id="23" presetClass="entr" nodeType="withEffect" presetSubtype="0" presetID="1" grpId="1" fill="hold">
-                                  <p:stCondLst>
-                                    <p:cond delay="0"/>
-                                  </p:stCondLst>
-                                  <p:iterate type="el" backwards="0">
-                                    <p:tmAbs val="0"/>
-                                  </p:iterate>
-                                  <p:childTnLst>
-                                    <p:set>
-                                      <p:cBhvr>
-                                        <p:cTn id="24" fill="hold"/>
-                                        <p:tgtEl>
-                                          <p:spTgt spid="135">
-                                            <p:txEl>
-                                              <p:pRg st="7" end="7"/>
-                                            </p:txEl>
-                                          </p:spTgt>
-                                        </p:tgtEl>
-                                        <p:attrNameLst>
-                                          <p:attrName>style.visibility</p:attrName>
-                                        </p:attrNameLst>
-                                      </p:cBhvr>
-                                      <p:to>
-                                        <p:strVal val="visible"/>
-                                      </p:to>
-                                    </p:set>
-                                  </p:childTnLst>
-                                </p:cTn>
-                              </p:par>
-                              <p:par>
-                                <p:cTn id="25" presetClass="entr" nodeType="withEffect" presetSubtype="0" presetID="1" grpId="1" fill="hold">
-                                  <p:stCondLst>
-                                    <p:cond delay="0"/>
-                                  </p:stCondLst>
-                                  <p:iterate type="el" backwards="0">
-                                    <p:tmAbs val="0"/>
-                                  </p:iterate>
-                                  <p:childTnLst>
-                                    <p:set>
-                                      <p:cBhvr>
-                                        <p:cTn id="26" fill="hold"/>
-                                        <p:tgtEl>
-                                          <p:spTgt spid="135">
-                                            <p:txEl>
-                                              <p:pRg st="8" end="8"/>
-                                            </p:txEl>
-                                          </p:spTgt>
-                                        </p:tgtEl>
-                                        <p:attrNameLst>
-                                          <p:attrName>style.visibility</p:attrName>
-                                        </p:attrNameLst>
-                                      </p:cBhvr>
-                                      <p:to>
-                                        <p:strVal val="visible"/>
-                                      </p:to>
-                                    </p:set>
-                                  </p:childTnLst>
-                                </p:cTn>
-                              </p:par>
-                            </p:childTnLst>
-                          </p:cTn>
-                        </p:par>
-                      </p:childTnLst>
-                    </p:cTn>
-                  </p:par>
-                  <p:par>
-                    <p:cTn id="27" fill="hold">
-                      <p:stCondLst>
-                        <p:cond delay="indefinite"/>
-                      </p:stCondLst>
-                      <p:childTnLst>
-                        <p:par>
-                          <p:cTn id="28" fill="hold">
-                            <p:stCondLst>
-                              <p:cond delay="0"/>
-                            </p:stCondLst>
-                            <p:childTnLst>
-                              <p:par>
-                                <p:cTn id="29" presetClass="entr" nodeType="clickEffect" presetSubtype="0" presetID="1" grpId="1" fill="hold">
-                                  <p:stCondLst>
-                                    <p:cond delay="0"/>
-                                  </p:stCondLst>
-                                  <p:iterate type="el" backwards="0">
-                                    <p:tmAbs val="0"/>
-                                  </p:iterate>
-                                  <p:childTnLst>
-                                    <p:set>
-                                      <p:cBhvr>
-                                        <p:cTn id="30" fill="hold"/>
-                                        <p:tgtEl>
-                                          <p:spTgt spid="135">
-                                            <p:txEl>
-                                              <p:pRg st="9" end="9"/>
-                                            </p:txEl>
-                                          </p:spTgt>
-                                        </p:tgtEl>
-                                        <p:attrNameLst>
-                                          <p:attrName>style.visibility</p:attrName>
-                                        </p:attrNameLst>
-                                      </p:cBhvr>
-                                      <p:to>
-                                        <p:strVal val="visible"/>
-                                      </p:to>
-                                    </p:set>
-                                  </p:childTnLst>
-                                </p:cTn>
-                              </p:par>
-                              <p:par>
-                                <p:cTn id="31" presetClass="entr" nodeType="withEffect" presetSubtype="0" presetID="1" grpId="1" fill="hold">
-                                  <p:stCondLst>
-                                    <p:cond delay="0"/>
-                                  </p:stCondLst>
-                                  <p:iterate type="el" backwards="0">
-                                    <p:tmAbs val="0"/>
-                                  </p:iterate>
-                                  <p:childTnLst>
-                                    <p:set>
-                                      <p:cBhvr>
-                                        <p:cTn id="32" fill="hold"/>
-                                        <p:tgtEl>
-                                          <p:spTgt spid="135">
-                                            <p:txEl>
-                                              <p:pRg st="10" end="10"/>
                                             </p:txEl>
                                           </p:spTgt>
                                         </p:tgtEl>
@@ -8529,7 +8090,7 @@
       </p:sp>
       <p:sp>
         <p:nvSpPr>
-          <p:cNvPr id="141" name="Have interactive sessions…"/>
+          <p:cNvPr id="141" name="Absence may be costly (or beneficial?)…"/>
           <p:cNvSpPr txBox="1"/>
           <p:nvPr>
             <p:ph type="body" idx="1"/>
@@ -8546,31 +8107,113 @@
           <a:p>
             <a:pPr/>
             <a:r>
-              <a:t>Have interactive sessions</a:t>
+              <a:t>Absence may be costly (or beneficial?)</a:t>
             </a:r>
           </a:p>
           <a:p>
             <a:pPr lvl="1"/>
             <a:r>
-              <a:t>Be inquisitive</a:t>
+              <a:t>May miss out on understanding the concepts</a:t>
+            </a:r>
+          </a:p>
+          <a:p>
+            <a:pPr/>
+            <a:r>
+              <a:t>Would like to have </a:t>
+            </a:r>
+            <a:r>
+              <a:rPr b="1"/>
+              <a:t>outstanding</a:t>
+            </a:r>
+            <a:r>
+              <a:t> students</a:t>
             </a:r>
           </a:p>
           <a:p>
             <a:pPr lvl="1"/>
             <a:r>
-              <a:t>All questions, comments are intelligent</a:t>
+              <a:t>Not (</a:t>
+            </a:r>
+            <a:r>
+              <a:rPr>
+                <a:ln w="3809">
+                  <a:solidFill>
+                    <a:srgbClr val="000000"/>
+                  </a:solidFill>
+                </a:ln>
+                <a:noFill/>
+              </a:rPr>
+              <a:t>Out</a:t>
+            </a:r>
+            <a:r>
+              <a:t>)-</a:t>
+            </a:r>
+            <a:r>
+              <a:rPr>
+                <a:ln w="3809">
+                  <a:solidFill>
+                    <a:srgbClr val="000000"/>
+                  </a:solidFill>
+                </a:ln>
+                <a:noFill/>
+              </a:rPr>
+              <a:t>Standing</a:t>
+            </a:r>
+            <a:r>
+              <a:t> students</a:t>
+            </a:r>
+          </a:p>
+          <a:p>
+            <a:pPr lvl="2"/>
+            <a:r>
+              <a:t>Class doors will be closed (after 5 mins)</a:t>
             </a:r>
           </a:p>
           <a:p>
             <a:pPr lvl="1"/>
             <a:r>
-              <a:t>When in doubt, open your mouth</a:t>
+              <a:t>Be in time in class</a:t>
             </a:r>
           </a:p>
           <a:p>
             <a:pPr lvl="1"/>
             <a:r>
-              <a:t>Don’t hijack the session</a:t>
+              <a:t>Late comers disturbs the class hygiene</a:t>
+            </a:r>
+          </a:p>
+          <a:p>
+            <a:pPr lvl="2">
+              <a:defRPr>
+                <a:solidFill>
+                  <a:srgbClr val="A6AAA9"/>
+                </a:solidFill>
+              </a:defRPr>
+            </a:pPr>
+            <a:r>
+              <a:t>(Adhere to Swachh Bharat)</a:t>
+            </a:r>
+          </a:p>
+          <a:p>
+            <a:pPr lvl="1"/>
+            <a:r>
+              <a:t>Can move out of class any time </a:t>
+            </a:r>
+          </a:p>
+          <a:p>
+            <a:pPr marL="361156" indent="-321468">
+              <a:spcBef>
+                <a:spcPts val="600"/>
+              </a:spcBef>
+              <a:defRPr sz="3000"/>
+            </a:pPr>
+            <a:r>
+              <a:t>Learn to have class discipline (no cross talks)</a:t>
+            </a:r>
+          </a:p>
+          <a:p>
+            <a:pPr lvl="1"/>
+            <a:r>
+              <a:t>Will be given time to discuss during exercises</a:t>
             </a:r>
           </a:p>
         </p:txBody>
@@ -8816,18 +8459,36 @@
                                   </p:childTnLst>
                                 </p:cTn>
                               </p:par>
-                              <p:par>
-                                <p:cTn id="11" presetClass="entr" nodeType="withEffect" presetSubtype="0" presetID="1" grpId="1" fill="hold">
-                                  <p:stCondLst>
-                                    <p:cond delay="0"/>
-                                  </p:stCondLst>
-                                  <p:iterate type="el" backwards="0">
-                                    <p:tmAbs val="0"/>
-                                  </p:iterate>
-                                  <p:childTnLst>
-                                    <p:set>
-                                      <p:cBhvr>
-                                        <p:cTn id="12" fill="hold"/>
+                            </p:childTnLst>
+                          </p:cTn>
+                        </p:par>
+                      </p:childTnLst>
+                    </p:cTn>
+                  </p:par>
+                  <p:par>
+                    <p:cTn id="11" fill="hold">
+                      <p:stCondLst>
+                        <p:cond delay="indefinite"/>
+                      </p:stCondLst>
+                      <p:childTnLst>
+                        <p:par>
+                          <p:cTn id="12" fill="hold">
+                            <p:stCondLst>
+                              <p:cond delay="0"/>
+                            </p:stCondLst>
+                            <p:childTnLst>
+                              <p:par>
+                                <p:cTn id="13" presetClass="entr" nodeType="clickEffect" presetSubtype="0" presetID="1" grpId="1" fill="hold">
+                                  <p:stCondLst>
+                                    <p:cond delay="0"/>
+                                  </p:stCondLst>
+                                  <p:iterate type="el" backwards="0">
+                                    <p:tmAbs val="0"/>
+                                  </p:iterate>
+                                  <p:childTnLst>
+                                    <p:set>
+                                      <p:cBhvr>
+                                        <p:cTn id="14" fill="hold"/>
                                         <p:tgtEl>
                                           <p:spTgt spid="141">
                                             <p:txEl>
@@ -8847,17 +8508,17 @@
                                 </p:cTn>
                               </p:par>
                               <p:par>
-                                <p:cTn id="13" presetClass="entr" nodeType="withEffect" presetSubtype="0" presetID="1" grpId="1" fill="hold">
-                                  <p:stCondLst>
-                                    <p:cond delay="0"/>
-                                  </p:stCondLst>
-                                  <p:iterate type="el" backwards="0">
-                                    <p:tmAbs val="0"/>
-                                  </p:iterate>
-                                  <p:childTnLst>
-                                    <p:set>
-                                      <p:cBhvr>
-                                        <p:cTn id="14" fill="hold"/>
+                                <p:cTn id="15" presetClass="entr" nodeType="withEffect" presetSubtype="0" presetID="1" grpId="1" fill="hold">
+                                  <p:stCondLst>
+                                    <p:cond delay="0"/>
+                                  </p:stCondLst>
+                                  <p:iterate type="el" backwards="0">
+                                    <p:tmAbs val="0"/>
+                                  </p:iterate>
+                                  <p:childTnLst>
+                                    <p:set>
+                                      <p:cBhvr>
+                                        <p:cTn id="16" fill="hold"/>
                                         <p:tgtEl>
                                           <p:spTgt spid="141">
                                             <p:txEl>
@@ -8877,21 +8538,219 @@
                                 </p:cTn>
                               </p:par>
                               <p:par>
-                                <p:cTn id="15" presetClass="entr" nodeType="withEffect" presetSubtype="0" presetID="1" grpId="1" fill="hold">
-                                  <p:stCondLst>
-                                    <p:cond delay="0"/>
-                                  </p:stCondLst>
-                                  <p:iterate type="el" backwards="0">
-                                    <p:tmAbs val="0"/>
-                                  </p:iterate>
-                                  <p:childTnLst>
-                                    <p:set>
-                                      <p:cBhvr>
-                                        <p:cTn id="16" fill="hold"/>
+                                <p:cTn id="17" presetClass="entr" nodeType="withEffect" presetSubtype="0" presetID="1" grpId="1" fill="hold">
+                                  <p:stCondLst>
+                                    <p:cond delay="0"/>
+                                  </p:stCondLst>
+                                  <p:iterate type="el" backwards="0">
+                                    <p:tmAbs val="0"/>
+                                  </p:iterate>
+                                  <p:childTnLst>
+                                    <p:set>
+                                      <p:cBhvr>
+                                        <p:cTn id="18" fill="hold"/>
                                         <p:tgtEl>
                                           <p:spTgt spid="141">
                                             <p:txEl>
                                               <p:pRg st="4" end="4"/>
+                                            </p:txEl>
+                                          </p:spTgt>
+                                        </p:tgtEl>
+                                        <p:attrNameLst>
+                                          <p:attrName>style.visibility</p:attrName>
+                                        </p:attrNameLst>
+                                      </p:cBhvr>
+                                      <p:to>
+                                        <p:strVal val="visible"/>
+                                      </p:to>
+                                    </p:set>
+                                  </p:childTnLst>
+                                </p:cTn>
+                              </p:par>
+                              <p:par>
+                                <p:cTn id="19" presetClass="entr" nodeType="withEffect" presetSubtype="0" presetID="1" grpId="1" fill="hold">
+                                  <p:stCondLst>
+                                    <p:cond delay="0"/>
+                                  </p:stCondLst>
+                                  <p:iterate type="el" backwards="0">
+                                    <p:tmAbs val="0"/>
+                                  </p:iterate>
+                                  <p:childTnLst>
+                                    <p:set>
+                                      <p:cBhvr>
+                                        <p:cTn id="20" fill="hold"/>
+                                        <p:tgtEl>
+                                          <p:spTgt spid="141">
+                                            <p:txEl>
+                                              <p:pRg st="5" end="5"/>
+                                            </p:txEl>
+                                          </p:spTgt>
+                                        </p:tgtEl>
+                                        <p:attrNameLst>
+                                          <p:attrName>style.visibility</p:attrName>
+                                        </p:attrNameLst>
+                                      </p:cBhvr>
+                                      <p:to>
+                                        <p:strVal val="visible"/>
+                                      </p:to>
+                                    </p:set>
+                                  </p:childTnLst>
+                                </p:cTn>
+                              </p:par>
+                              <p:par>
+                                <p:cTn id="21" presetClass="entr" nodeType="withEffect" presetSubtype="0" presetID="1" grpId="1" fill="hold">
+                                  <p:stCondLst>
+                                    <p:cond delay="0"/>
+                                  </p:stCondLst>
+                                  <p:iterate type="el" backwards="0">
+                                    <p:tmAbs val="0"/>
+                                  </p:iterate>
+                                  <p:childTnLst>
+                                    <p:set>
+                                      <p:cBhvr>
+                                        <p:cTn id="22" fill="hold"/>
+                                        <p:tgtEl>
+                                          <p:spTgt spid="141">
+                                            <p:txEl>
+                                              <p:pRg st="6" end="6"/>
+                                            </p:txEl>
+                                          </p:spTgt>
+                                        </p:tgtEl>
+                                        <p:attrNameLst>
+                                          <p:attrName>style.visibility</p:attrName>
+                                        </p:attrNameLst>
+                                      </p:cBhvr>
+                                      <p:to>
+                                        <p:strVal val="visible"/>
+                                      </p:to>
+                                    </p:set>
+                                  </p:childTnLst>
+                                </p:cTn>
+                              </p:par>
+                              <p:par>
+                                <p:cTn id="23" presetClass="entr" nodeType="withEffect" presetSubtype="0" presetID="1" grpId="1" fill="hold">
+                                  <p:stCondLst>
+                                    <p:cond delay="0"/>
+                                  </p:stCondLst>
+                                  <p:iterate type="el" backwards="0">
+                                    <p:tmAbs val="0"/>
+                                  </p:iterate>
+                                  <p:childTnLst>
+                                    <p:set>
+                                      <p:cBhvr>
+                                        <p:cTn id="24" fill="hold"/>
+                                        <p:tgtEl>
+                                          <p:spTgt spid="141">
+                                            <p:txEl>
+                                              <p:pRg st="7" end="7"/>
+                                            </p:txEl>
+                                          </p:spTgt>
+                                        </p:tgtEl>
+                                        <p:attrNameLst>
+                                          <p:attrName>style.visibility</p:attrName>
+                                        </p:attrNameLst>
+                                      </p:cBhvr>
+                                      <p:to>
+                                        <p:strVal val="visible"/>
+                                      </p:to>
+                                    </p:set>
+                                  </p:childTnLst>
+                                </p:cTn>
+                              </p:par>
+                              <p:par>
+                                <p:cTn id="25" presetClass="entr" nodeType="withEffect" presetSubtype="0" presetID="1" grpId="1" fill="hold">
+                                  <p:stCondLst>
+                                    <p:cond delay="0"/>
+                                  </p:stCondLst>
+                                  <p:iterate type="el" backwards="0">
+                                    <p:tmAbs val="0"/>
+                                  </p:iterate>
+                                  <p:childTnLst>
+                                    <p:set>
+                                      <p:cBhvr>
+                                        <p:cTn id="26" fill="hold"/>
+                                        <p:tgtEl>
+                                          <p:spTgt spid="141">
+                                            <p:txEl>
+                                              <p:pRg st="8" end="8"/>
+                                            </p:txEl>
+                                          </p:spTgt>
+                                        </p:tgtEl>
+                                        <p:attrNameLst>
+                                          <p:attrName>style.visibility</p:attrName>
+                                        </p:attrNameLst>
+                                      </p:cBhvr>
+                                      <p:to>
+                                        <p:strVal val="visible"/>
+                                      </p:to>
+                                    </p:set>
+                                  </p:childTnLst>
+                                </p:cTn>
+                              </p:par>
+                            </p:childTnLst>
+                          </p:cTn>
+                        </p:par>
+                      </p:childTnLst>
+                    </p:cTn>
+                  </p:par>
+                  <p:par>
+                    <p:cTn id="27" fill="hold">
+                      <p:stCondLst>
+                        <p:cond delay="indefinite"/>
+                      </p:stCondLst>
+                      <p:childTnLst>
+                        <p:par>
+                          <p:cTn id="28" fill="hold">
+                            <p:stCondLst>
+                              <p:cond delay="0"/>
+                            </p:stCondLst>
+                            <p:childTnLst>
+                              <p:par>
+                                <p:cTn id="29" presetClass="entr" nodeType="clickEffect" presetSubtype="0" presetID="1" grpId="1" fill="hold">
+                                  <p:stCondLst>
+                                    <p:cond delay="0"/>
+                                  </p:stCondLst>
+                                  <p:iterate type="el" backwards="0">
+                                    <p:tmAbs val="0"/>
+                                  </p:iterate>
+                                  <p:childTnLst>
+                                    <p:set>
+                                      <p:cBhvr>
+                                        <p:cTn id="30" fill="hold"/>
+                                        <p:tgtEl>
+                                          <p:spTgt spid="141">
+                                            <p:txEl>
+                                              <p:pRg st="9" end="9"/>
+                                            </p:txEl>
+                                          </p:spTgt>
+                                        </p:tgtEl>
+                                        <p:attrNameLst>
+                                          <p:attrName>style.visibility</p:attrName>
+                                        </p:attrNameLst>
+                                      </p:cBhvr>
+                                      <p:to>
+                                        <p:strVal val="visible"/>
+                                      </p:to>
+                                    </p:set>
+                                  </p:childTnLst>
+                                </p:cTn>
+                              </p:par>
+                              <p:par>
+                                <p:cTn id="31" presetClass="entr" nodeType="withEffect" presetSubtype="0" presetID="1" grpId="1" fill="hold">
+                                  <p:stCondLst>
+                                    <p:cond delay="0"/>
+                                  </p:stCondLst>
+                                  <p:iterate type="el" backwards="0">
+                                    <p:tmAbs val="0"/>
+                                  </p:iterate>
+                                  <p:childTnLst>
+                                    <p:set>
+                                      <p:cBhvr>
+                                        <p:cTn id="32" fill="hold"/>
+                                        <p:tgtEl>
+                                          <p:spTgt spid="141">
+                                            <p:txEl>
+                                              <p:pRg st="10" end="10"/>
                                             </p:txEl>
                                           </p:spTgt>
                                         </p:tgtEl>
@@ -9094,7 +8953,7 @@
               </a:lnSpc>
             </a:pPr>
             <a:r>
-              <a:t>Data Centre Networking, SDN</a:t>
+              <a:t>Networks, Security, Data Center networking</a:t>
             </a:r>
           </a:p>
           <a:p>
@@ -9104,7 +8963,7 @@
               </a:lnSpc>
             </a:pPr>
             <a:r>
-              <a:t>Network Security, IoT</a:t>
+              <a:t>Machine Learning, Cloud technologies</a:t>
             </a:r>
           </a:p>
           <a:p>
@@ -9114,7 +8973,17 @@
               </a:lnSpc>
             </a:pPr>
             <a:r>
-              <a:t>Hands on Networking</a:t>
+              <a:t>Algorithms, Application optimization</a:t>
+            </a:r>
+          </a:p>
+          <a:p>
+            <a:pPr lvl="1">
+              <a:lnSpc>
+                <a:spcPct val="80000"/>
+              </a:lnSpc>
+            </a:pPr>
+            <a:r>
+              <a:t>Experiential Leanring - Networking Technology</a:t>
             </a:r>
           </a:p>
         </p:txBody>
@@ -9691,6 +9560,36 @@
                                           <p:spTgt spid="39">
                                             <p:txEl>
                                               <p:pRg st="11" end="11"/>
+                                            </p:txEl>
+                                          </p:spTgt>
+                                        </p:tgtEl>
+                                        <p:attrNameLst>
+                                          <p:attrName>style.visibility</p:attrName>
+                                        </p:attrNameLst>
+                                      </p:cBhvr>
+                                      <p:to>
+                                        <p:strVal val="visible"/>
+                                      </p:to>
+                                    </p:set>
+                                  </p:childTnLst>
+                                </p:cTn>
+                              </p:par>
+                              <p:par>
+                                <p:cTn id="37" presetClass="entr" nodeType="withEffect" presetSubtype="0" presetID="1" grpId="1" fill="hold">
+                                  <p:stCondLst>
+                                    <p:cond delay="0"/>
+                                  </p:stCondLst>
+                                  <p:iterate type="el" backwards="0">
+                                    <p:tmAbs val="0"/>
+                                  </p:iterate>
+                                  <p:childTnLst>
+                                    <p:set>
+                                      <p:cBhvr>
+                                        <p:cTn id="38" fill="hold"/>
+                                        <p:tgtEl>
+                                          <p:spTgt spid="39">
+                                            <p:txEl>
+                                              <p:pRg st="12" end="12"/>
                                             </p:txEl>
                                           </p:spTgt>
                                         </p:tgtEl>
@@ -9782,7 +9681,7 @@
       </p:sp>
       <p:sp>
         <p:nvSpPr>
-          <p:cNvPr id="147" name="Instructor availability…"/>
+          <p:cNvPr id="147" name="Have interactive sessions…"/>
           <p:cNvSpPr txBox="1"/>
           <p:nvPr>
             <p:ph type="body" idx="1"/>
@@ -9799,70 +9698,31 @@
           <a:p>
             <a:pPr/>
             <a:r>
-              <a:t>Instructor availability</a:t>
+              <a:t>Have interactive sessions</a:t>
             </a:r>
           </a:p>
           <a:p>
             <a:pPr lvl="1"/>
             <a:r>
-              <a:t>My office in Dept</a:t>
-            </a:r>
-          </a:p>
-          <a:p>
-            <a:pPr lvl="2"/>
-            <a:r>
-              <a:t>During tea break</a:t>
-            </a:r>
-          </a:p>
-          <a:p>
-            <a:pPr lvl="2"/>
-            <a:r>
-              <a:t>Lunch break??</a:t>
-            </a:r>
-          </a:p>
-          <a:p>
-            <a:pPr lvl="2"/>
-            <a:r>
-              <a:t>Non-class hours</a:t>
+              <a:t>Be inquisitive</a:t>
             </a:r>
           </a:p>
           <a:p>
             <a:pPr lvl="1"/>
             <a:r>
-              <a:t>After college hours (till 5:00/5:30pm)</a:t>
-            </a:r>
-          </a:p>
-          <a:p>
-            <a:pPr lvl="2"/>
-            <a:r>
-              <a:t>CSE Research center</a:t>
+              <a:t>All questions, comments are intelligent</a:t>
             </a:r>
           </a:p>
           <a:p>
             <a:pPr lvl="1"/>
             <a:r>
-              <a:t>On email only</a:t>
-            </a:r>
-          </a:p>
-          <a:p>
-            <a:pPr lvl="2"/>
-            <a:r>
-              <a:t>Unlikely on social media</a:t>
-            </a:r>
-          </a:p>
-          <a:p>
-            <a:pPr lvl="2">
-              <a:defRPr>
-                <a:ln w="3556">
-                  <a:solidFill>
-                    <a:srgbClr val="000000"/>
-                  </a:solidFill>
-                </a:ln>
-                <a:noFill/>
-              </a:defRPr>
-            </a:pPr>
-            <a:r>
-              <a:t>Whatsapp, Facebook, Twitter, Linkedin etc.</a:t>
+              <a:t>When in doubt, open your mouth</a:t>
+            </a:r>
+          </a:p>
+          <a:p>
+            <a:pPr lvl="1"/>
+            <a:r>
+              <a:t>Don’t hijack the session</a:t>
             </a:r>
           </a:p>
         </p:txBody>
@@ -10184,156 +10044,6 @@
                                           <p:spTgt spid="147">
                                             <p:txEl>
                                               <p:pRg st="4" end="4"/>
-                                            </p:txEl>
-                                          </p:spTgt>
-                                        </p:tgtEl>
-                                        <p:attrNameLst>
-                                          <p:attrName>style.visibility</p:attrName>
-                                        </p:attrNameLst>
-                                      </p:cBhvr>
-                                      <p:to>
-                                        <p:strVal val="visible"/>
-                                      </p:to>
-                                    </p:set>
-                                  </p:childTnLst>
-                                </p:cTn>
-                              </p:par>
-                              <p:par>
-                                <p:cTn id="17" presetClass="entr" nodeType="withEffect" presetSubtype="0" presetID="1" grpId="1" fill="hold">
-                                  <p:stCondLst>
-                                    <p:cond delay="0"/>
-                                  </p:stCondLst>
-                                  <p:iterate type="el" backwards="0">
-                                    <p:tmAbs val="0"/>
-                                  </p:iterate>
-                                  <p:childTnLst>
-                                    <p:set>
-                                      <p:cBhvr>
-                                        <p:cTn id="18" fill="hold"/>
-                                        <p:tgtEl>
-                                          <p:spTgt spid="147">
-                                            <p:txEl>
-                                              <p:pRg st="5" end="5"/>
-                                            </p:txEl>
-                                          </p:spTgt>
-                                        </p:tgtEl>
-                                        <p:attrNameLst>
-                                          <p:attrName>style.visibility</p:attrName>
-                                        </p:attrNameLst>
-                                      </p:cBhvr>
-                                      <p:to>
-                                        <p:strVal val="visible"/>
-                                      </p:to>
-                                    </p:set>
-                                  </p:childTnLst>
-                                </p:cTn>
-                              </p:par>
-                              <p:par>
-                                <p:cTn id="19" presetClass="entr" nodeType="withEffect" presetSubtype="0" presetID="1" grpId="1" fill="hold">
-                                  <p:stCondLst>
-                                    <p:cond delay="0"/>
-                                  </p:stCondLst>
-                                  <p:iterate type="el" backwards="0">
-                                    <p:tmAbs val="0"/>
-                                  </p:iterate>
-                                  <p:childTnLst>
-                                    <p:set>
-                                      <p:cBhvr>
-                                        <p:cTn id="20" fill="hold"/>
-                                        <p:tgtEl>
-                                          <p:spTgt spid="147">
-                                            <p:txEl>
-                                              <p:pRg st="6" end="6"/>
-                                            </p:txEl>
-                                          </p:spTgt>
-                                        </p:tgtEl>
-                                        <p:attrNameLst>
-                                          <p:attrName>style.visibility</p:attrName>
-                                        </p:attrNameLst>
-                                      </p:cBhvr>
-                                      <p:to>
-                                        <p:strVal val="visible"/>
-                                      </p:to>
-                                    </p:set>
-                                  </p:childTnLst>
-                                </p:cTn>
-                              </p:par>
-                              <p:par>
-                                <p:cTn id="21" presetClass="entr" nodeType="withEffect" presetSubtype="0" presetID="1" grpId="1" fill="hold">
-                                  <p:stCondLst>
-                                    <p:cond delay="0"/>
-                                  </p:stCondLst>
-                                  <p:iterate type="el" backwards="0">
-                                    <p:tmAbs val="0"/>
-                                  </p:iterate>
-                                  <p:childTnLst>
-                                    <p:set>
-                                      <p:cBhvr>
-                                        <p:cTn id="22" fill="hold"/>
-                                        <p:tgtEl>
-                                          <p:spTgt spid="147">
-                                            <p:txEl>
-                                              <p:pRg st="7" end="7"/>
-                                            </p:txEl>
-                                          </p:spTgt>
-                                        </p:tgtEl>
-                                        <p:attrNameLst>
-                                          <p:attrName>style.visibility</p:attrName>
-                                        </p:attrNameLst>
-                                      </p:cBhvr>
-                                      <p:to>
-                                        <p:strVal val="visible"/>
-                                      </p:to>
-                                    </p:set>
-                                  </p:childTnLst>
-                                </p:cTn>
-                              </p:par>
-                              <p:par>
-                                <p:cTn id="23" presetClass="entr" nodeType="withEffect" presetSubtype="0" presetID="1" grpId="1" fill="hold">
-                                  <p:stCondLst>
-                                    <p:cond delay="0"/>
-                                  </p:stCondLst>
-                                  <p:iterate type="el" backwards="0">
-                                    <p:tmAbs val="0"/>
-                                  </p:iterate>
-                                  <p:childTnLst>
-                                    <p:set>
-                                      <p:cBhvr>
-                                        <p:cTn id="24" fill="hold"/>
-                                        <p:tgtEl>
-                                          <p:spTgt spid="147">
-                                            <p:txEl>
-                                              <p:pRg st="8" end="8"/>
-                                            </p:txEl>
-                                          </p:spTgt>
-                                        </p:tgtEl>
-                                        <p:attrNameLst>
-                                          <p:attrName>style.visibility</p:attrName>
-                                        </p:attrNameLst>
-                                      </p:cBhvr>
-                                      <p:to>
-                                        <p:strVal val="visible"/>
-                                      </p:to>
-                                    </p:set>
-                                  </p:childTnLst>
-                                </p:cTn>
-                              </p:par>
-                              <p:par>
-                                <p:cTn id="25" presetClass="entr" nodeType="withEffect" presetSubtype="0" presetID="1" grpId="1" fill="hold">
-                                  <p:stCondLst>
-                                    <p:cond delay="0"/>
-                                  </p:stCondLst>
-                                  <p:iterate type="el" backwards="0">
-                                    <p:tmAbs val="0"/>
-                                  </p:iterate>
-                                  <p:childTnLst>
-                                    <p:set>
-                                      <p:cBhvr>
-                                        <p:cTn id="26" fill="hold"/>
-                                        <p:tgtEl>
-                                          <p:spTgt spid="147">
-                                            <p:txEl>
-                                              <p:pRg st="9" end="9"/>
                                             </p:txEl>
                                           </p:spTgt>
                                         </p:tgtEl>
@@ -10401,7 +10111,7 @@
       </p:grpSpPr>
       <p:sp>
         <p:nvSpPr>
-          <p:cNvPr id="152" name="Course Plan"/>
+          <p:cNvPr id="152" name="Classroom Management"/>
           <p:cNvSpPr txBox="1"/>
           <p:nvPr>
             <p:ph type="title"/>
@@ -10418,24 +10128,20 @@
           <a:p>
             <a:pPr/>
             <a:r>
-              <a:t>Course Plan</a:t>
+              <a:t>Classroom Management</a:t>
             </a:r>
           </a:p>
         </p:txBody>
       </p:sp>
       <p:sp>
         <p:nvSpPr>
-          <p:cNvPr id="153" name="Excel sheet provides details…"/>
+          <p:cNvPr id="153" name="Instructor availability…"/>
           <p:cNvSpPr txBox="1"/>
           <p:nvPr>
             <p:ph type="body" idx="1"/>
           </p:nvPr>
         </p:nvSpPr>
         <p:spPr>
-          <a:xfrm>
-            <a:off x="887784" y="938113"/>
-            <a:ext cx="8384432" cy="6310214"/>
-          </a:xfrm>
           <a:prstGeom prst="rect">
             <a:avLst/>
           </a:prstGeom>
@@ -10446,49 +10152,70 @@
           <a:p>
             <a:pPr/>
             <a:r>
-              <a:t>Excel sheet provides details</a:t>
-            </a:r>
-          </a:p>
-          <a:p>
-            <a:pPr/>
-            <a:r>
-              <a:t>May deviate few times.</a:t>
-            </a:r>
-          </a:p>
-          <a:p>
-            <a:pPr/>
-            <a:r>
-              <a:t>At times will cover more material than needed</a:t>
-            </a:r>
-          </a:p>
-          <a:p>
-            <a:pPr/>
-            <a:r>
-              <a:t>Concept consoliation</a:t>
+              <a:t>Instructor availability</a:t>
             </a:r>
           </a:p>
           <a:p>
             <a:pPr lvl="1"/>
             <a:r>
-              <a:t>Will try to suggest exercises beyond labs.</a:t>
+              <a:t>My office in Dept</a:t>
+            </a:r>
+          </a:p>
+          <a:p>
+            <a:pPr lvl="2"/>
+            <a:r>
+              <a:t>During tea break</a:t>
+            </a:r>
+          </a:p>
+          <a:p>
+            <a:pPr lvl="2"/>
+            <a:r>
+              <a:t>Lunch break??</a:t>
+            </a:r>
+          </a:p>
+          <a:p>
+            <a:pPr lvl="2"/>
+            <a:r>
+              <a:t>Non-class hours</a:t>
             </a:r>
           </a:p>
           <a:p>
             <a:pPr lvl="1"/>
             <a:r>
-              <a:t>Need to know your interest.</a:t>
+              <a:t>After college hours (till 5:00/5:30pm)</a:t>
+            </a:r>
+          </a:p>
+          <a:p>
+            <a:pPr lvl="2"/>
+            <a:r>
+              <a:t>CSE Research center</a:t>
             </a:r>
           </a:p>
           <a:p>
             <a:pPr lvl="1"/>
             <a:r>
-              <a:t>Will be done after class hours</a:t>
+              <a:t>On email only</a:t>
             </a:r>
           </a:p>
           <a:p>
             <a:pPr lvl="2"/>
             <a:r>
-              <a:t>or Saturday </a:t>
+              <a:t>Unlikely on social media</a:t>
+            </a:r>
+          </a:p>
+          <a:p>
+            <a:pPr lvl="2">
+              <a:defRPr>
+                <a:ln w="3556">
+                  <a:solidFill>
+                    <a:srgbClr val="000000"/>
+                  </a:solidFill>
+                </a:ln>
+                <a:noFill/>
+              </a:defRPr>
+            </a:pPr>
+            <a:r>
+              <a:t>Whatsapp, Facebook, Twitter, Linkedin etc.</a:t>
             </a:r>
           </a:p>
         </p:txBody>
@@ -10704,36 +10431,18 @@
                                   </p:childTnLst>
                                 </p:cTn>
                               </p:par>
-                            </p:childTnLst>
-                          </p:cTn>
-                        </p:par>
-                      </p:childTnLst>
-                    </p:cTn>
-                  </p:par>
-                  <p:par>
-                    <p:cTn id="9" fill="hold">
-                      <p:stCondLst>
-                        <p:cond delay="indefinite"/>
-                      </p:stCondLst>
-                      <p:childTnLst>
-                        <p:par>
-                          <p:cTn id="10" fill="hold">
-                            <p:stCondLst>
-                              <p:cond delay="0"/>
-                            </p:stCondLst>
-                            <p:childTnLst>
-                              <p:par>
-                                <p:cTn id="11" presetClass="entr" nodeType="clickEffect" presetSubtype="0" presetID="1" grpId="1" fill="hold">
-                                  <p:stCondLst>
-                                    <p:cond delay="0"/>
-                                  </p:stCondLst>
-                                  <p:iterate type="el" backwards="0">
-                                    <p:tmAbs val="0"/>
-                                  </p:iterate>
-                                  <p:childTnLst>
-                                    <p:set>
-                                      <p:cBhvr>
-                                        <p:cTn id="12" fill="hold"/>
+                              <p:par>
+                                <p:cTn id="9" presetClass="entr" nodeType="withEffect" presetSubtype="0" presetID="1" grpId="1" fill="hold">
+                                  <p:stCondLst>
+                                    <p:cond delay="0"/>
+                                  </p:stCondLst>
+                                  <p:iterate type="el" backwards="0">
+                                    <p:tmAbs val="0"/>
+                                  </p:iterate>
+                                  <p:childTnLst>
+                                    <p:set>
+                                      <p:cBhvr>
+                                        <p:cTn id="10" fill="hold"/>
                                         <p:tgtEl>
                                           <p:spTgt spid="153">
                                             <p:txEl>
@@ -10752,36 +10461,18 @@
                                   </p:childTnLst>
                                 </p:cTn>
                               </p:par>
-                            </p:childTnLst>
-                          </p:cTn>
-                        </p:par>
-                      </p:childTnLst>
-                    </p:cTn>
-                  </p:par>
-                  <p:par>
-                    <p:cTn id="13" fill="hold">
-                      <p:stCondLst>
-                        <p:cond delay="indefinite"/>
-                      </p:stCondLst>
-                      <p:childTnLst>
-                        <p:par>
-                          <p:cTn id="14" fill="hold">
-                            <p:stCondLst>
-                              <p:cond delay="0"/>
-                            </p:stCondLst>
-                            <p:childTnLst>
-                              <p:par>
-                                <p:cTn id="15" presetClass="entr" nodeType="clickEffect" presetSubtype="0" presetID="1" grpId="1" fill="hold">
-                                  <p:stCondLst>
-                                    <p:cond delay="0"/>
-                                  </p:stCondLst>
-                                  <p:iterate type="el" backwards="0">
-                                    <p:tmAbs val="0"/>
-                                  </p:iterate>
-                                  <p:childTnLst>
-                                    <p:set>
-                                      <p:cBhvr>
-                                        <p:cTn id="16" fill="hold"/>
+                              <p:par>
+                                <p:cTn id="11" presetClass="entr" nodeType="withEffect" presetSubtype="0" presetID="1" grpId="1" fill="hold">
+                                  <p:stCondLst>
+                                    <p:cond delay="0"/>
+                                  </p:stCondLst>
+                                  <p:iterate type="el" backwards="0">
+                                    <p:tmAbs val="0"/>
+                                  </p:iterate>
+                                  <p:childTnLst>
+                                    <p:set>
+                                      <p:cBhvr>
+                                        <p:cTn id="12" fill="hold"/>
                                         <p:tgtEl>
                                           <p:spTgt spid="153">
                                             <p:txEl>
@@ -10800,36 +10491,18 @@
                                   </p:childTnLst>
                                 </p:cTn>
                               </p:par>
-                            </p:childTnLst>
-                          </p:cTn>
-                        </p:par>
-                      </p:childTnLst>
-                    </p:cTn>
-                  </p:par>
-                  <p:par>
-                    <p:cTn id="17" fill="hold">
-                      <p:stCondLst>
-                        <p:cond delay="indefinite"/>
-                      </p:stCondLst>
-                      <p:childTnLst>
-                        <p:par>
-                          <p:cTn id="18" fill="hold">
-                            <p:stCondLst>
-                              <p:cond delay="0"/>
-                            </p:stCondLst>
-                            <p:childTnLst>
-                              <p:par>
-                                <p:cTn id="19" presetClass="entr" nodeType="clickEffect" presetSubtype="0" presetID="1" grpId="1" fill="hold">
-                                  <p:stCondLst>
-                                    <p:cond delay="0"/>
-                                  </p:stCondLst>
-                                  <p:iterate type="el" backwards="0">
-                                    <p:tmAbs val="0"/>
-                                  </p:iterate>
-                                  <p:childTnLst>
-                                    <p:set>
-                                      <p:cBhvr>
-                                        <p:cTn id="20" fill="hold"/>
+                              <p:par>
+                                <p:cTn id="13" presetClass="entr" nodeType="withEffect" presetSubtype="0" presetID="1" grpId="1" fill="hold">
+                                  <p:stCondLst>
+                                    <p:cond delay="0"/>
+                                  </p:stCondLst>
+                                  <p:iterate type="el" backwards="0">
+                                    <p:tmAbs val="0"/>
+                                  </p:iterate>
+                                  <p:childTnLst>
+                                    <p:set>
+                                      <p:cBhvr>
+                                        <p:cTn id="14" fill="hold"/>
                                         <p:tgtEl>
                                           <p:spTgt spid="153">
                                             <p:txEl>
@@ -10849,17 +10522,17 @@
                                 </p:cTn>
                               </p:par>
                               <p:par>
-                                <p:cTn id="21" presetClass="entr" nodeType="withEffect" presetSubtype="0" presetID="1" grpId="1" fill="hold">
-                                  <p:stCondLst>
-                                    <p:cond delay="0"/>
-                                  </p:stCondLst>
-                                  <p:iterate type="el" backwards="0">
-                                    <p:tmAbs val="0"/>
-                                  </p:iterate>
-                                  <p:childTnLst>
-                                    <p:set>
-                                      <p:cBhvr>
-                                        <p:cTn id="22" fill="hold"/>
+                                <p:cTn id="15" presetClass="entr" nodeType="withEffect" presetSubtype="0" presetID="1" grpId="1" fill="hold">
+                                  <p:stCondLst>
+                                    <p:cond delay="0"/>
+                                  </p:stCondLst>
+                                  <p:iterate type="el" backwards="0">
+                                    <p:tmAbs val="0"/>
+                                  </p:iterate>
+                                  <p:childTnLst>
+                                    <p:set>
+                                      <p:cBhvr>
+                                        <p:cTn id="16" fill="hold"/>
                                         <p:tgtEl>
                                           <p:spTgt spid="153">
                                             <p:txEl>
@@ -10879,17 +10552,17 @@
                                 </p:cTn>
                               </p:par>
                               <p:par>
-                                <p:cTn id="23" presetClass="entr" nodeType="withEffect" presetSubtype="0" presetID="1" grpId="1" fill="hold">
-                                  <p:stCondLst>
-                                    <p:cond delay="0"/>
-                                  </p:stCondLst>
-                                  <p:iterate type="el" backwards="0">
-                                    <p:tmAbs val="0"/>
-                                  </p:iterate>
-                                  <p:childTnLst>
-                                    <p:set>
-                                      <p:cBhvr>
-                                        <p:cTn id="24" fill="hold"/>
+                                <p:cTn id="17" presetClass="entr" nodeType="withEffect" presetSubtype="0" presetID="1" grpId="1" fill="hold">
+                                  <p:stCondLst>
+                                    <p:cond delay="0"/>
+                                  </p:stCondLst>
+                                  <p:iterate type="el" backwards="0">
+                                    <p:tmAbs val="0"/>
+                                  </p:iterate>
+                                  <p:childTnLst>
+                                    <p:set>
+                                      <p:cBhvr>
+                                        <p:cTn id="18" fill="hold"/>
                                         <p:tgtEl>
                                           <p:spTgt spid="153">
                                             <p:txEl>
@@ -10909,17 +10582,17 @@
                                 </p:cTn>
                               </p:par>
                               <p:par>
-                                <p:cTn id="25" presetClass="entr" nodeType="withEffect" presetSubtype="0" presetID="1" grpId="1" fill="hold">
-                                  <p:stCondLst>
-                                    <p:cond delay="0"/>
-                                  </p:stCondLst>
-                                  <p:iterate type="el" backwards="0">
-                                    <p:tmAbs val="0"/>
-                                  </p:iterate>
-                                  <p:childTnLst>
-                                    <p:set>
-                                      <p:cBhvr>
-                                        <p:cTn id="26" fill="hold"/>
+                                <p:cTn id="19" presetClass="entr" nodeType="withEffect" presetSubtype="0" presetID="1" grpId="1" fill="hold">
+                                  <p:stCondLst>
+                                    <p:cond delay="0"/>
+                                  </p:stCondLst>
+                                  <p:iterate type="el" backwards="0">
+                                    <p:tmAbs val="0"/>
+                                  </p:iterate>
+                                  <p:childTnLst>
+                                    <p:set>
+                                      <p:cBhvr>
+                                        <p:cTn id="20" fill="hold"/>
                                         <p:tgtEl>
                                           <p:spTgt spid="153">
                                             <p:txEl>
@@ -10939,21 +10612,81 @@
                                 </p:cTn>
                               </p:par>
                               <p:par>
-                                <p:cTn id="27" presetClass="entr" nodeType="withEffect" presetSubtype="0" presetID="1" grpId="1" fill="hold">
-                                  <p:stCondLst>
-                                    <p:cond delay="0"/>
-                                  </p:stCondLst>
-                                  <p:iterate type="el" backwards="0">
-                                    <p:tmAbs val="0"/>
-                                  </p:iterate>
-                                  <p:childTnLst>
-                                    <p:set>
-                                      <p:cBhvr>
-                                        <p:cTn id="28" fill="hold"/>
+                                <p:cTn id="21" presetClass="entr" nodeType="withEffect" presetSubtype="0" presetID="1" grpId="1" fill="hold">
+                                  <p:stCondLst>
+                                    <p:cond delay="0"/>
+                                  </p:stCondLst>
+                                  <p:iterate type="el" backwards="0">
+                                    <p:tmAbs val="0"/>
+                                  </p:iterate>
+                                  <p:childTnLst>
+                                    <p:set>
+                                      <p:cBhvr>
+                                        <p:cTn id="22" fill="hold"/>
                                         <p:tgtEl>
                                           <p:spTgt spid="153">
                                             <p:txEl>
                                               <p:pRg st="7" end="7"/>
+                                            </p:txEl>
+                                          </p:spTgt>
+                                        </p:tgtEl>
+                                        <p:attrNameLst>
+                                          <p:attrName>style.visibility</p:attrName>
+                                        </p:attrNameLst>
+                                      </p:cBhvr>
+                                      <p:to>
+                                        <p:strVal val="visible"/>
+                                      </p:to>
+                                    </p:set>
+                                  </p:childTnLst>
+                                </p:cTn>
+                              </p:par>
+                              <p:par>
+                                <p:cTn id="23" presetClass="entr" nodeType="withEffect" presetSubtype="0" presetID="1" grpId="1" fill="hold">
+                                  <p:stCondLst>
+                                    <p:cond delay="0"/>
+                                  </p:stCondLst>
+                                  <p:iterate type="el" backwards="0">
+                                    <p:tmAbs val="0"/>
+                                  </p:iterate>
+                                  <p:childTnLst>
+                                    <p:set>
+                                      <p:cBhvr>
+                                        <p:cTn id="24" fill="hold"/>
+                                        <p:tgtEl>
+                                          <p:spTgt spid="153">
+                                            <p:txEl>
+                                              <p:pRg st="8" end="8"/>
+                                            </p:txEl>
+                                          </p:spTgt>
+                                        </p:tgtEl>
+                                        <p:attrNameLst>
+                                          <p:attrName>style.visibility</p:attrName>
+                                        </p:attrNameLst>
+                                      </p:cBhvr>
+                                      <p:to>
+                                        <p:strVal val="visible"/>
+                                      </p:to>
+                                    </p:set>
+                                  </p:childTnLst>
+                                </p:cTn>
+                              </p:par>
+                              <p:par>
+                                <p:cTn id="25" presetClass="entr" nodeType="withEffect" presetSubtype="0" presetID="1" grpId="1" fill="hold">
+                                  <p:stCondLst>
+                                    <p:cond delay="0"/>
+                                  </p:stCondLst>
+                                  <p:iterate type="el" backwards="0">
+                                    <p:tmAbs val="0"/>
+                                  </p:iterate>
+                                  <p:childTnLst>
+                                    <p:set>
+                                      <p:cBhvr>
+                                        <p:cTn id="26" fill="hold"/>
+                                        <p:tgtEl>
+                                          <p:spTgt spid="153">
+                                            <p:txEl>
+                                              <p:pRg st="9" end="9"/>
                                             </p:txEl>
                                           </p:spTgt>
                                         </p:tgtEl>
@@ -11021,7 +10754,7 @@
       </p:grpSpPr>
       <p:sp>
         <p:nvSpPr>
-          <p:cNvPr id="158" name="Concept Consolidation"/>
+          <p:cNvPr id="158" name="Course Plan"/>
           <p:cNvSpPr txBox="1"/>
           <p:nvPr>
             <p:ph type="title"/>
@@ -11038,20 +10771,24 @@
           <a:p>
             <a:pPr/>
             <a:r>
-              <a:t>Concept Consolidation</a:t>
+              <a:t>Course Plan</a:t>
             </a:r>
           </a:p>
         </p:txBody>
       </p:sp>
       <p:sp>
         <p:nvSpPr>
-          <p:cNvPr id="159" name="Be comfortable with Linux…"/>
+          <p:cNvPr id="159" name="Excel sheet provides details…"/>
           <p:cNvSpPr txBox="1"/>
           <p:nvPr>
             <p:ph type="body" idx="1"/>
           </p:nvPr>
         </p:nvSpPr>
         <p:spPr>
+          <a:xfrm>
+            <a:off x="887784" y="938113"/>
+            <a:ext cx="8384432" cy="6310214"/>
+          </a:xfrm>
           <a:prstGeom prst="rect">
             <a:avLst/>
           </a:prstGeom>
@@ -11060,79 +10797,45 @@
           <a:bodyPr/>
           <a:lstStyle/>
           <a:p>
-            <a:pPr marL="361156" indent="-321468">
-              <a:spcBef>
-                <a:spcPts val="600"/>
-              </a:spcBef>
-              <a:defRPr sz="3000"/>
-            </a:pPr>
-            <a:r>
-              <a:t>Be comfortable with Linux</a:t>
-            </a:r>
-          </a:p>
-          <a:p>
-            <a:pPr lvl="2"/>
-            <a:r>
-              <a:t>The default deployment server for most companies</a:t>
-            </a:r>
-          </a:p>
-          <a:p>
-            <a:pPr marL="361156" indent="-321468">
-              <a:spcBef>
-                <a:spcPts val="600"/>
-              </a:spcBef>
-              <a:defRPr sz="3000"/>
-            </a:pPr>
-            <a:r>
-              <a:t>Work out the exercises (at the end of chapter)</a:t>
-            </a:r>
-          </a:p>
-          <a:p>
-            <a:pPr lvl="2"/>
-            <a:r>
-              <a:t>Helps you consolidate the subject</a:t>
-            </a:r>
-          </a:p>
-          <a:p>
             <a:pPr/>
             <a:r>
-              <a:t>Learn programming / java extensively well.</a:t>
+              <a:t>Excel sheet provides details</a:t>
+            </a:r>
+          </a:p>
+          <a:p>
+            <a:pPr/>
+            <a:r>
+              <a:t>May deviate few times.</a:t>
+            </a:r>
+          </a:p>
+          <a:p>
+            <a:pPr/>
+            <a:r>
+              <a:t>At times will cover more material than needed</a:t>
+            </a:r>
+          </a:p>
+          <a:p>
+            <a:pPr/>
+            <a:r>
+              <a:t>Concept consoliation</a:t>
             </a:r>
           </a:p>
           <a:p>
             <a:pPr lvl="1"/>
             <a:r>
-              <a:t>Write lots of programs </a:t>
-            </a:r>
-          </a:p>
-          <a:p>
-            <a:pPr lvl="2"/>
-            <a:r>
-              <a:t>(lot more than mandatory)</a:t>
-            </a:r>
-          </a:p>
-          <a:p>
-            <a:pPr lvl="3"/>
-            <a:r>
-              <a:t>Labs, assignments</a:t>
+              <a:t>Will try to suggest exercises beyond labs.</a:t>
             </a:r>
           </a:p>
           <a:p>
             <a:pPr lvl="1"/>
             <a:r>
-              <a:t>Hone up debugging skills</a:t>
-            </a:r>
-          </a:p>
-          <a:p>
-            <a:pPr/>
-            <a:r>
-              <a:t>Enjoy the roller coaster ride</a:t>
+              <a:t>Need to know your interest.</a:t>
             </a:r>
           </a:p>
           <a:p>
             <a:pPr lvl="1"/>
             <a:r>
-              <a:t>Fasten your seat belts</a:t>
+              <a:t>Will be done after class hours</a:t>
             </a:r>
           </a:p>
         </p:txBody>
@@ -11348,36 +11051,6 @@
                                   </p:childTnLst>
                                 </p:cTn>
                               </p:par>
-                              <p:par>
-                                <p:cTn id="9" presetClass="entr" nodeType="withEffect" presetSubtype="0" presetID="1" grpId="1" fill="hold">
-                                  <p:stCondLst>
-                                    <p:cond delay="0"/>
-                                  </p:stCondLst>
-                                  <p:iterate type="el" backwards="0">
-                                    <p:tmAbs val="0"/>
-                                  </p:iterate>
-                                  <p:childTnLst>
-                                    <p:set>
-                                      <p:cBhvr>
-                                        <p:cTn id="10" fill="hold"/>
-                                        <p:tgtEl>
-                                          <p:spTgt spid="159">
-                                            <p:txEl>
-                                              <p:pRg st="1" end="1"/>
-                                            </p:txEl>
-                                          </p:spTgt>
-                                        </p:tgtEl>
-                                        <p:attrNameLst>
-                                          <p:attrName>style.visibility</p:attrName>
-                                        </p:attrNameLst>
-                                      </p:cBhvr>
-                                      <p:to>
-                                        <p:strVal val="visible"/>
-                                      </p:to>
-                                    </p:set>
-                                  </p:childTnLst>
-                                </p:cTn>
-                              </p:par>
                             </p:childTnLst>
                           </p:cTn>
                         </p:par>
@@ -11385,63 +11058,81 @@
                     </p:cTn>
                   </p:par>
                   <p:par>
-                    <p:cTn id="11" fill="hold">
+                    <p:cTn id="9" fill="hold">
                       <p:stCondLst>
                         <p:cond delay="indefinite"/>
                       </p:stCondLst>
                       <p:childTnLst>
                         <p:par>
-                          <p:cTn id="12" fill="hold">
+                          <p:cTn id="10" fill="hold">
                             <p:stCondLst>
                               <p:cond delay="0"/>
                             </p:stCondLst>
                             <p:childTnLst>
                               <p:par>
-                                <p:cTn id="13" presetClass="entr" nodeType="clickEffect" presetSubtype="0" presetID="1" grpId="1" fill="hold">
-                                  <p:stCondLst>
-                                    <p:cond delay="0"/>
-                                  </p:stCondLst>
-                                  <p:iterate type="el" backwards="0">
-                                    <p:tmAbs val="0"/>
-                                  </p:iterate>
-                                  <p:childTnLst>
-                                    <p:set>
-                                      <p:cBhvr>
-                                        <p:cTn id="14" fill="hold"/>
+                                <p:cTn id="11" presetClass="entr" nodeType="clickEffect" presetSubtype="0" presetID="1" grpId="1" fill="hold">
+                                  <p:stCondLst>
+                                    <p:cond delay="0"/>
+                                  </p:stCondLst>
+                                  <p:iterate type="el" backwards="0">
+                                    <p:tmAbs val="0"/>
+                                  </p:iterate>
+                                  <p:childTnLst>
+                                    <p:set>
+                                      <p:cBhvr>
+                                        <p:cTn id="12" fill="hold"/>
+                                        <p:tgtEl>
+                                          <p:spTgt spid="159">
+                                            <p:txEl>
+                                              <p:pRg st="1" end="1"/>
+                                            </p:txEl>
+                                          </p:spTgt>
+                                        </p:tgtEl>
+                                        <p:attrNameLst>
+                                          <p:attrName>style.visibility</p:attrName>
+                                        </p:attrNameLst>
+                                      </p:cBhvr>
+                                      <p:to>
+                                        <p:strVal val="visible"/>
+                                      </p:to>
+                                    </p:set>
+                                  </p:childTnLst>
+                                </p:cTn>
+                              </p:par>
+                            </p:childTnLst>
+                          </p:cTn>
+                        </p:par>
+                      </p:childTnLst>
+                    </p:cTn>
+                  </p:par>
+                  <p:par>
+                    <p:cTn id="13" fill="hold">
+                      <p:stCondLst>
+                        <p:cond delay="indefinite"/>
+                      </p:stCondLst>
+                      <p:childTnLst>
+                        <p:par>
+                          <p:cTn id="14" fill="hold">
+                            <p:stCondLst>
+                              <p:cond delay="0"/>
+                            </p:stCondLst>
+                            <p:childTnLst>
+                              <p:par>
+                                <p:cTn id="15" presetClass="entr" nodeType="clickEffect" presetSubtype="0" presetID="1" grpId="1" fill="hold">
+                                  <p:stCondLst>
+                                    <p:cond delay="0"/>
+                                  </p:stCondLst>
+                                  <p:iterate type="el" backwards="0">
+                                    <p:tmAbs val="0"/>
+                                  </p:iterate>
+                                  <p:childTnLst>
+                                    <p:set>
+                                      <p:cBhvr>
+                                        <p:cTn id="16" fill="hold"/>
                                         <p:tgtEl>
                                           <p:spTgt spid="159">
                                             <p:txEl>
                                               <p:pRg st="2" end="2"/>
-                                            </p:txEl>
-                                          </p:spTgt>
-                                        </p:tgtEl>
-                                        <p:attrNameLst>
-                                          <p:attrName>style.visibility</p:attrName>
-                                        </p:attrNameLst>
-                                      </p:cBhvr>
-                                      <p:to>
-                                        <p:strVal val="visible"/>
-                                      </p:to>
-                                    </p:set>
-                                  </p:childTnLst>
-                                </p:cTn>
-                              </p:par>
-                              <p:par>
-                                <p:cTn id="15" presetClass="entr" nodeType="withEffect" presetSubtype="0" presetID="1" grpId="1" fill="hold">
-                                  <p:stCondLst>
-                                    <p:cond delay="0"/>
-                                  </p:stCondLst>
-                                  <p:iterate type="el" backwards="0">
-                                    <p:tmAbs val="0"/>
-                                  </p:iterate>
-                                  <p:childTnLst>
-                                    <p:set>
-                                      <p:cBhvr>
-                                        <p:cTn id="16" fill="hold"/>
-                                        <p:tgtEl>
-                                          <p:spTgt spid="159">
-                                            <p:txEl>
-                                              <p:pRg st="3" end="3"/>
                                             </p:txEl>
                                           </p:spTgt>
                                         </p:tgtEl>
@@ -11489,6 +11180,36 @@
                                         <p:tgtEl>
                                           <p:spTgt spid="159">
                                             <p:txEl>
+                                              <p:pRg st="3" end="3"/>
+                                            </p:txEl>
+                                          </p:spTgt>
+                                        </p:tgtEl>
+                                        <p:attrNameLst>
+                                          <p:attrName>style.visibility</p:attrName>
+                                        </p:attrNameLst>
+                                      </p:cBhvr>
+                                      <p:to>
+                                        <p:strVal val="visible"/>
+                                      </p:to>
+                                    </p:set>
+                                  </p:childTnLst>
+                                </p:cTn>
+                              </p:par>
+                              <p:par>
+                                <p:cTn id="21" presetClass="entr" nodeType="withEffect" presetSubtype="0" presetID="1" grpId="1" fill="hold">
+                                  <p:stCondLst>
+                                    <p:cond delay="0"/>
+                                  </p:stCondLst>
+                                  <p:iterate type="el" backwards="0">
+                                    <p:tmAbs val="0"/>
+                                  </p:iterate>
+                                  <p:childTnLst>
+                                    <p:set>
+                                      <p:cBhvr>
+                                        <p:cTn id="22" fill="hold"/>
+                                        <p:tgtEl>
+                                          <p:spTgt spid="159">
+                                            <p:txEl>
                                               <p:pRg st="4" end="4"/>
                                             </p:txEl>
                                           </p:spTgt>
@@ -11505,17 +11226,17 @@
                                 </p:cTn>
                               </p:par>
                               <p:par>
-                                <p:cTn id="21" presetClass="entr" nodeType="withEffect" presetSubtype="0" presetID="1" grpId="1" fill="hold">
-                                  <p:stCondLst>
-                                    <p:cond delay="0"/>
-                                  </p:stCondLst>
-                                  <p:iterate type="el" backwards="0">
-                                    <p:tmAbs val="0"/>
-                                  </p:iterate>
-                                  <p:childTnLst>
-                                    <p:set>
-                                      <p:cBhvr>
-                                        <p:cTn id="22" fill="hold"/>
+                                <p:cTn id="23" presetClass="entr" nodeType="withEffect" presetSubtype="0" presetID="1" grpId="1" fill="hold">
+                                  <p:stCondLst>
+                                    <p:cond delay="0"/>
+                                  </p:stCondLst>
+                                  <p:iterate type="el" backwards="0">
+                                    <p:tmAbs val="0"/>
+                                  </p:iterate>
+                                  <p:childTnLst>
+                                    <p:set>
+                                      <p:cBhvr>
+                                        <p:cTn id="24" fill="hold"/>
                                         <p:tgtEl>
                                           <p:spTgt spid="159">
                                             <p:txEl>
@@ -11535,159 +11256,21 @@
                                 </p:cTn>
                               </p:par>
                               <p:par>
-                                <p:cTn id="23" presetClass="entr" nodeType="withEffect" presetSubtype="0" presetID="1" grpId="1" fill="hold">
-                                  <p:stCondLst>
-                                    <p:cond delay="0"/>
-                                  </p:stCondLst>
-                                  <p:iterate type="el" backwards="0">
-                                    <p:tmAbs val="0"/>
-                                  </p:iterate>
-                                  <p:childTnLst>
-                                    <p:set>
-                                      <p:cBhvr>
-                                        <p:cTn id="24" fill="hold"/>
+                                <p:cTn id="25" presetClass="entr" nodeType="withEffect" presetSubtype="0" presetID="1" grpId="1" fill="hold">
+                                  <p:stCondLst>
+                                    <p:cond delay="0"/>
+                                  </p:stCondLst>
+                                  <p:iterate type="el" backwards="0">
+                                    <p:tmAbs val="0"/>
+                                  </p:iterate>
+                                  <p:childTnLst>
+                                    <p:set>
+                                      <p:cBhvr>
+                                        <p:cTn id="26" fill="hold"/>
                                         <p:tgtEl>
                                           <p:spTgt spid="159">
                                             <p:txEl>
                                               <p:pRg st="6" end="6"/>
-                                            </p:txEl>
-                                          </p:spTgt>
-                                        </p:tgtEl>
-                                        <p:attrNameLst>
-                                          <p:attrName>style.visibility</p:attrName>
-                                        </p:attrNameLst>
-                                      </p:cBhvr>
-                                      <p:to>
-                                        <p:strVal val="visible"/>
-                                      </p:to>
-                                    </p:set>
-                                  </p:childTnLst>
-                                </p:cTn>
-                              </p:par>
-                              <p:par>
-                                <p:cTn id="25" presetClass="entr" nodeType="withEffect" presetSubtype="0" presetID="1" grpId="1" fill="hold">
-                                  <p:stCondLst>
-                                    <p:cond delay="0"/>
-                                  </p:stCondLst>
-                                  <p:iterate type="el" backwards="0">
-                                    <p:tmAbs val="0"/>
-                                  </p:iterate>
-                                  <p:childTnLst>
-                                    <p:set>
-                                      <p:cBhvr>
-                                        <p:cTn id="26" fill="hold"/>
-                                        <p:tgtEl>
-                                          <p:spTgt spid="159">
-                                            <p:txEl>
-                                              <p:pRg st="7" end="7"/>
-                                            </p:txEl>
-                                          </p:spTgt>
-                                        </p:tgtEl>
-                                        <p:attrNameLst>
-                                          <p:attrName>style.visibility</p:attrName>
-                                        </p:attrNameLst>
-                                      </p:cBhvr>
-                                      <p:to>
-                                        <p:strVal val="visible"/>
-                                      </p:to>
-                                    </p:set>
-                                  </p:childTnLst>
-                                </p:cTn>
-                              </p:par>
-                              <p:par>
-                                <p:cTn id="27" presetClass="entr" nodeType="withEffect" presetSubtype="0" presetID="1" grpId="1" fill="hold">
-                                  <p:stCondLst>
-                                    <p:cond delay="0"/>
-                                  </p:stCondLst>
-                                  <p:iterate type="el" backwards="0">
-                                    <p:tmAbs val="0"/>
-                                  </p:iterate>
-                                  <p:childTnLst>
-                                    <p:set>
-                                      <p:cBhvr>
-                                        <p:cTn id="28" fill="hold"/>
-                                        <p:tgtEl>
-                                          <p:spTgt spid="159">
-                                            <p:txEl>
-                                              <p:pRg st="8" end="8"/>
-                                            </p:txEl>
-                                          </p:spTgt>
-                                        </p:tgtEl>
-                                        <p:attrNameLst>
-                                          <p:attrName>style.visibility</p:attrName>
-                                        </p:attrNameLst>
-                                      </p:cBhvr>
-                                      <p:to>
-                                        <p:strVal val="visible"/>
-                                      </p:to>
-                                    </p:set>
-                                  </p:childTnLst>
-                                </p:cTn>
-                              </p:par>
-                            </p:childTnLst>
-                          </p:cTn>
-                        </p:par>
-                      </p:childTnLst>
-                    </p:cTn>
-                  </p:par>
-                  <p:par>
-                    <p:cTn id="29" fill="hold">
-                      <p:stCondLst>
-                        <p:cond delay="indefinite"/>
-                      </p:stCondLst>
-                      <p:childTnLst>
-                        <p:par>
-                          <p:cTn id="30" fill="hold">
-                            <p:stCondLst>
-                              <p:cond delay="0"/>
-                            </p:stCondLst>
-                            <p:childTnLst>
-                              <p:par>
-                                <p:cTn id="31" presetClass="entr" nodeType="clickEffect" presetSubtype="0" presetID="1" grpId="1" fill="hold">
-                                  <p:stCondLst>
-                                    <p:cond delay="0"/>
-                                  </p:stCondLst>
-                                  <p:iterate type="el" backwards="0">
-                                    <p:tmAbs val="0"/>
-                                  </p:iterate>
-                                  <p:childTnLst>
-                                    <p:set>
-                                      <p:cBhvr>
-                                        <p:cTn id="32" fill="hold"/>
-                                        <p:tgtEl>
-                                          <p:spTgt spid="159">
-                                            <p:txEl>
-                                              <p:pRg st="9" end="9"/>
-                                            </p:txEl>
-                                          </p:spTgt>
-                                        </p:tgtEl>
-                                        <p:attrNameLst>
-                                          <p:attrName>style.visibility</p:attrName>
-                                        </p:attrNameLst>
-                                      </p:cBhvr>
-                                      <p:to>
-                                        <p:strVal val="visible"/>
-                                      </p:to>
-                                    </p:set>
-                                  </p:childTnLst>
-                                </p:cTn>
-                              </p:par>
-                              <p:par>
-                                <p:cTn id="33" presetClass="entr" nodeType="withEffect" presetSubtype="0" presetID="1" grpId="1" fill="hold">
-                                  <p:stCondLst>
-                                    <p:cond delay="0"/>
-                                  </p:stCondLst>
-                                  <p:iterate type="el" backwards="0">
-                                    <p:tmAbs val="0"/>
-                                  </p:iterate>
-                                  <p:childTnLst>
-                                    <p:set>
-                                      <p:cBhvr>
-                                        <p:cTn id="34" fill="hold"/>
-                                        <p:tgtEl>
-                                          <p:spTgt spid="159">
-                                            <p:txEl>
-                                              <p:pRg st="10" end="10"/>
                                             </p:txEl>
                                           </p:spTgt>
                                         </p:tgtEl>
@@ -11755,7 +11338,7 @@
       </p:grpSpPr>
       <p:sp>
         <p:nvSpPr>
-          <p:cNvPr id="164" name="Some Challenges"/>
+          <p:cNvPr id="164" name="Concept Consolidation"/>
           <p:cNvSpPr txBox="1"/>
           <p:nvPr>
             <p:ph type="title"/>
@@ -11772,14 +11355,14 @@
           <a:p>
             <a:pPr/>
             <a:r>
-              <a:t>Some Challenges</a:t>
+              <a:t>Concept Consolidation</a:t>
             </a:r>
           </a:p>
         </p:txBody>
       </p:sp>
       <p:sp>
         <p:nvSpPr>
-          <p:cNvPr id="165" name="Verbal Accent…"/>
+          <p:cNvPr id="165" name="Be comfortable with Linux…"/>
           <p:cNvSpPr txBox="1"/>
           <p:nvPr>
             <p:ph type="body" idx="1"/>
@@ -11794,33 +11377,79 @@
           <a:bodyPr/>
           <a:lstStyle/>
           <a:p>
+            <a:pPr marL="361156" indent="-321468">
+              <a:spcBef>
+                <a:spcPts val="600"/>
+              </a:spcBef>
+              <a:defRPr sz="3000"/>
+            </a:pPr>
+            <a:r>
+              <a:t>Be comfortable with Linux</a:t>
+            </a:r>
+          </a:p>
+          <a:p>
+            <a:pPr lvl="2"/>
+            <a:r>
+              <a:t>The default deployment server for most companies</a:t>
+            </a:r>
+          </a:p>
+          <a:p>
+            <a:pPr marL="361156" indent="-321468">
+              <a:spcBef>
+                <a:spcPts val="600"/>
+              </a:spcBef>
+              <a:defRPr sz="3000"/>
+            </a:pPr>
+            <a:r>
+              <a:t>Work out the exercises (at the end of chapters)</a:t>
+            </a:r>
+          </a:p>
+          <a:p>
+            <a:pPr lvl="2"/>
+            <a:r>
+              <a:t>Helps you consolidate the subject</a:t>
+            </a:r>
+          </a:p>
+          <a:p>
             <a:pPr/>
             <a:r>
-              <a:t>Verbal Accent</a:t>
+              <a:t>Learn programming / java extensively well.</a:t>
             </a:r>
           </a:p>
           <a:p>
             <a:pPr lvl="1"/>
             <a:r>
-              <a:t>Incomprehensible, fast</a:t>
+              <a:t>Write lots of programs </a:t>
+            </a:r>
+          </a:p>
+          <a:p>
+            <a:pPr lvl="2"/>
+            <a:r>
+              <a:t>(lot more than mandatory), Labs, assignments</a:t>
             </a:r>
           </a:p>
           <a:p>
             <a:pPr lvl="1"/>
             <a:r>
-              <a:t>Ask to repeat, slow down</a:t>
+              <a:t>Hone up debugging skills</a:t>
             </a:r>
           </a:p>
           <a:p>
             <a:pPr lvl="1"/>
             <a:r>
-              <a:t>Maintain silence to be audible</a:t>
+              <a:t>Learn to use IDE (Netbeans, Eclipse)</a:t>
             </a:r>
           </a:p>
           <a:p>
             <a:pPr/>
             <a:r>
-              <a:t>Need to take care - Bottom of pyramid</a:t>
+              <a:t>Enjoy the roller coaster ride</a:t>
+            </a:r>
+          </a:p>
+          <a:p>
+            <a:pPr lvl="1"/>
+            <a:r>
+              <a:t>Fasten your seat belts</a:t>
             </a:r>
           </a:p>
         </p:txBody>
@@ -12066,66 +11695,6 @@
                                   </p:childTnLst>
                                 </p:cTn>
                               </p:par>
-                              <p:par>
-                                <p:cTn id="11" presetClass="entr" nodeType="withEffect" presetSubtype="0" presetID="1" grpId="1" fill="hold">
-                                  <p:stCondLst>
-                                    <p:cond delay="0"/>
-                                  </p:stCondLst>
-                                  <p:iterate type="el" backwards="0">
-                                    <p:tmAbs val="0"/>
-                                  </p:iterate>
-                                  <p:childTnLst>
-                                    <p:set>
-                                      <p:cBhvr>
-                                        <p:cTn id="12" fill="hold"/>
-                                        <p:tgtEl>
-                                          <p:spTgt spid="165">
-                                            <p:txEl>
-                                              <p:pRg st="2" end="2"/>
-                                            </p:txEl>
-                                          </p:spTgt>
-                                        </p:tgtEl>
-                                        <p:attrNameLst>
-                                          <p:attrName>style.visibility</p:attrName>
-                                        </p:attrNameLst>
-                                      </p:cBhvr>
-                                      <p:to>
-                                        <p:strVal val="visible"/>
-                                      </p:to>
-                                    </p:set>
-                                  </p:childTnLst>
-                                </p:cTn>
-                              </p:par>
-                              <p:par>
-                                <p:cTn id="13" presetClass="entr" nodeType="withEffect" presetSubtype="0" presetID="1" grpId="1" fill="hold">
-                                  <p:stCondLst>
-                                    <p:cond delay="0"/>
-                                  </p:stCondLst>
-                                  <p:iterate type="el" backwards="0">
-                                    <p:tmAbs val="0"/>
-                                  </p:iterate>
-                                  <p:childTnLst>
-                                    <p:set>
-                                      <p:cBhvr>
-                                        <p:cTn id="14" fill="hold"/>
-                                        <p:tgtEl>
-                                          <p:spTgt spid="165">
-                                            <p:txEl>
-                                              <p:pRg st="3" end="3"/>
-                                            </p:txEl>
-                                          </p:spTgt>
-                                        </p:tgtEl>
-                                        <p:attrNameLst>
-                                          <p:attrName>style.visibility</p:attrName>
-                                        </p:attrNameLst>
-                                      </p:cBhvr>
-                                      <p:to>
-                                        <p:strVal val="visible"/>
-                                      </p:to>
-                                    </p:set>
-                                  </p:childTnLst>
-                                </p:cTn>
-                              </p:par>
                             </p:childTnLst>
                           </p:cTn>
                         </p:par>
@@ -12133,33 +11702,309 @@
                     </p:cTn>
                   </p:par>
                   <p:par>
-                    <p:cTn id="15" fill="hold">
+                    <p:cTn id="11" fill="hold">
                       <p:stCondLst>
                         <p:cond delay="indefinite"/>
                       </p:stCondLst>
                       <p:childTnLst>
                         <p:par>
-                          <p:cTn id="16" fill="hold">
+                          <p:cTn id="12" fill="hold">
                             <p:stCondLst>
                               <p:cond delay="0"/>
                             </p:stCondLst>
                             <p:childTnLst>
                               <p:par>
-                                <p:cTn id="17" presetClass="entr" nodeType="clickEffect" presetSubtype="0" presetID="1" grpId="1" fill="hold">
-                                  <p:stCondLst>
-                                    <p:cond delay="0"/>
-                                  </p:stCondLst>
-                                  <p:iterate type="el" backwards="0">
-                                    <p:tmAbs val="0"/>
-                                  </p:iterate>
-                                  <p:childTnLst>
-                                    <p:set>
-                                      <p:cBhvr>
-                                        <p:cTn id="18" fill="hold"/>
+                                <p:cTn id="13" presetClass="entr" nodeType="clickEffect" presetSubtype="0" presetID="1" grpId="1" fill="hold">
+                                  <p:stCondLst>
+                                    <p:cond delay="0"/>
+                                  </p:stCondLst>
+                                  <p:iterate type="el" backwards="0">
+                                    <p:tmAbs val="0"/>
+                                  </p:iterate>
+                                  <p:childTnLst>
+                                    <p:set>
+                                      <p:cBhvr>
+                                        <p:cTn id="14" fill="hold"/>
+                                        <p:tgtEl>
+                                          <p:spTgt spid="165">
+                                            <p:txEl>
+                                              <p:pRg st="2" end="2"/>
+                                            </p:txEl>
+                                          </p:spTgt>
+                                        </p:tgtEl>
+                                        <p:attrNameLst>
+                                          <p:attrName>style.visibility</p:attrName>
+                                        </p:attrNameLst>
+                                      </p:cBhvr>
+                                      <p:to>
+                                        <p:strVal val="visible"/>
+                                      </p:to>
+                                    </p:set>
+                                  </p:childTnLst>
+                                </p:cTn>
+                              </p:par>
+                              <p:par>
+                                <p:cTn id="15" presetClass="entr" nodeType="withEffect" presetSubtype="0" presetID="1" grpId="1" fill="hold">
+                                  <p:stCondLst>
+                                    <p:cond delay="0"/>
+                                  </p:stCondLst>
+                                  <p:iterate type="el" backwards="0">
+                                    <p:tmAbs val="0"/>
+                                  </p:iterate>
+                                  <p:childTnLst>
+                                    <p:set>
+                                      <p:cBhvr>
+                                        <p:cTn id="16" fill="hold"/>
+                                        <p:tgtEl>
+                                          <p:spTgt spid="165">
+                                            <p:txEl>
+                                              <p:pRg st="3" end="3"/>
+                                            </p:txEl>
+                                          </p:spTgt>
+                                        </p:tgtEl>
+                                        <p:attrNameLst>
+                                          <p:attrName>style.visibility</p:attrName>
+                                        </p:attrNameLst>
+                                      </p:cBhvr>
+                                      <p:to>
+                                        <p:strVal val="visible"/>
+                                      </p:to>
+                                    </p:set>
+                                  </p:childTnLst>
+                                </p:cTn>
+                              </p:par>
+                            </p:childTnLst>
+                          </p:cTn>
+                        </p:par>
+                      </p:childTnLst>
+                    </p:cTn>
+                  </p:par>
+                  <p:par>
+                    <p:cTn id="17" fill="hold">
+                      <p:stCondLst>
+                        <p:cond delay="indefinite"/>
+                      </p:stCondLst>
+                      <p:childTnLst>
+                        <p:par>
+                          <p:cTn id="18" fill="hold">
+                            <p:stCondLst>
+                              <p:cond delay="0"/>
+                            </p:stCondLst>
+                            <p:childTnLst>
+                              <p:par>
+                                <p:cTn id="19" presetClass="entr" nodeType="clickEffect" presetSubtype="0" presetID="1" grpId="1" fill="hold">
+                                  <p:stCondLst>
+                                    <p:cond delay="0"/>
+                                  </p:stCondLst>
+                                  <p:iterate type="el" backwards="0">
+                                    <p:tmAbs val="0"/>
+                                  </p:iterate>
+                                  <p:childTnLst>
+                                    <p:set>
+                                      <p:cBhvr>
+                                        <p:cTn id="20" fill="hold"/>
                                         <p:tgtEl>
                                           <p:spTgt spid="165">
                                             <p:txEl>
                                               <p:pRg st="4" end="4"/>
+                                            </p:txEl>
+                                          </p:spTgt>
+                                        </p:tgtEl>
+                                        <p:attrNameLst>
+                                          <p:attrName>style.visibility</p:attrName>
+                                        </p:attrNameLst>
+                                      </p:cBhvr>
+                                      <p:to>
+                                        <p:strVal val="visible"/>
+                                      </p:to>
+                                    </p:set>
+                                  </p:childTnLst>
+                                </p:cTn>
+                              </p:par>
+                              <p:par>
+                                <p:cTn id="21" presetClass="entr" nodeType="withEffect" presetSubtype="0" presetID="1" grpId="1" fill="hold">
+                                  <p:stCondLst>
+                                    <p:cond delay="0"/>
+                                  </p:stCondLst>
+                                  <p:iterate type="el" backwards="0">
+                                    <p:tmAbs val="0"/>
+                                  </p:iterate>
+                                  <p:childTnLst>
+                                    <p:set>
+                                      <p:cBhvr>
+                                        <p:cTn id="22" fill="hold"/>
+                                        <p:tgtEl>
+                                          <p:spTgt spid="165">
+                                            <p:txEl>
+                                              <p:pRg st="5" end="5"/>
+                                            </p:txEl>
+                                          </p:spTgt>
+                                        </p:tgtEl>
+                                        <p:attrNameLst>
+                                          <p:attrName>style.visibility</p:attrName>
+                                        </p:attrNameLst>
+                                      </p:cBhvr>
+                                      <p:to>
+                                        <p:strVal val="visible"/>
+                                      </p:to>
+                                    </p:set>
+                                  </p:childTnLst>
+                                </p:cTn>
+                              </p:par>
+                              <p:par>
+                                <p:cTn id="23" presetClass="entr" nodeType="withEffect" presetSubtype="0" presetID="1" grpId="1" fill="hold">
+                                  <p:stCondLst>
+                                    <p:cond delay="0"/>
+                                  </p:stCondLst>
+                                  <p:iterate type="el" backwards="0">
+                                    <p:tmAbs val="0"/>
+                                  </p:iterate>
+                                  <p:childTnLst>
+                                    <p:set>
+                                      <p:cBhvr>
+                                        <p:cTn id="24" fill="hold"/>
+                                        <p:tgtEl>
+                                          <p:spTgt spid="165">
+                                            <p:txEl>
+                                              <p:pRg st="6" end="6"/>
+                                            </p:txEl>
+                                          </p:spTgt>
+                                        </p:tgtEl>
+                                        <p:attrNameLst>
+                                          <p:attrName>style.visibility</p:attrName>
+                                        </p:attrNameLst>
+                                      </p:cBhvr>
+                                      <p:to>
+                                        <p:strVal val="visible"/>
+                                      </p:to>
+                                    </p:set>
+                                  </p:childTnLst>
+                                </p:cTn>
+                              </p:par>
+                              <p:par>
+                                <p:cTn id="25" presetClass="entr" nodeType="withEffect" presetSubtype="0" presetID="1" grpId="1" fill="hold">
+                                  <p:stCondLst>
+                                    <p:cond delay="0"/>
+                                  </p:stCondLst>
+                                  <p:iterate type="el" backwards="0">
+                                    <p:tmAbs val="0"/>
+                                  </p:iterate>
+                                  <p:childTnLst>
+                                    <p:set>
+                                      <p:cBhvr>
+                                        <p:cTn id="26" fill="hold"/>
+                                        <p:tgtEl>
+                                          <p:spTgt spid="165">
+                                            <p:txEl>
+                                              <p:pRg st="7" end="7"/>
+                                            </p:txEl>
+                                          </p:spTgt>
+                                        </p:tgtEl>
+                                        <p:attrNameLst>
+                                          <p:attrName>style.visibility</p:attrName>
+                                        </p:attrNameLst>
+                                      </p:cBhvr>
+                                      <p:to>
+                                        <p:strVal val="visible"/>
+                                      </p:to>
+                                    </p:set>
+                                  </p:childTnLst>
+                                </p:cTn>
+                              </p:par>
+                              <p:par>
+                                <p:cTn id="27" presetClass="entr" nodeType="withEffect" presetSubtype="0" presetID="1" grpId="1" fill="hold">
+                                  <p:stCondLst>
+                                    <p:cond delay="0"/>
+                                  </p:stCondLst>
+                                  <p:iterate type="el" backwards="0">
+                                    <p:tmAbs val="0"/>
+                                  </p:iterate>
+                                  <p:childTnLst>
+                                    <p:set>
+                                      <p:cBhvr>
+                                        <p:cTn id="28" fill="hold"/>
+                                        <p:tgtEl>
+                                          <p:spTgt spid="165">
+                                            <p:txEl>
+                                              <p:pRg st="8" end="8"/>
+                                            </p:txEl>
+                                          </p:spTgt>
+                                        </p:tgtEl>
+                                        <p:attrNameLst>
+                                          <p:attrName>style.visibility</p:attrName>
+                                        </p:attrNameLst>
+                                      </p:cBhvr>
+                                      <p:to>
+                                        <p:strVal val="visible"/>
+                                      </p:to>
+                                    </p:set>
+                                  </p:childTnLst>
+                                </p:cTn>
+                              </p:par>
+                            </p:childTnLst>
+                          </p:cTn>
+                        </p:par>
+                      </p:childTnLst>
+                    </p:cTn>
+                  </p:par>
+                  <p:par>
+                    <p:cTn id="29" fill="hold">
+                      <p:stCondLst>
+                        <p:cond delay="indefinite"/>
+                      </p:stCondLst>
+                      <p:childTnLst>
+                        <p:par>
+                          <p:cTn id="30" fill="hold">
+                            <p:stCondLst>
+                              <p:cond delay="0"/>
+                            </p:stCondLst>
+                            <p:childTnLst>
+                              <p:par>
+                                <p:cTn id="31" presetClass="entr" nodeType="clickEffect" presetSubtype="0" presetID="1" grpId="1" fill="hold">
+                                  <p:stCondLst>
+                                    <p:cond delay="0"/>
+                                  </p:stCondLst>
+                                  <p:iterate type="el" backwards="0">
+                                    <p:tmAbs val="0"/>
+                                  </p:iterate>
+                                  <p:childTnLst>
+                                    <p:set>
+                                      <p:cBhvr>
+                                        <p:cTn id="32" fill="hold"/>
+                                        <p:tgtEl>
+                                          <p:spTgt spid="165">
+                                            <p:txEl>
+                                              <p:pRg st="9" end="9"/>
+                                            </p:txEl>
+                                          </p:spTgt>
+                                        </p:tgtEl>
+                                        <p:attrNameLst>
+                                          <p:attrName>style.visibility</p:attrName>
+                                        </p:attrNameLst>
+                                      </p:cBhvr>
+                                      <p:to>
+                                        <p:strVal val="visible"/>
+                                      </p:to>
+                                    </p:set>
+                                  </p:childTnLst>
+                                </p:cTn>
+                              </p:par>
+                              <p:par>
+                                <p:cTn id="33" presetClass="entr" nodeType="withEffect" presetSubtype="0" presetID="1" grpId="1" fill="hold">
+                                  <p:stCondLst>
+                                    <p:cond delay="0"/>
+                                  </p:stCondLst>
+                                  <p:iterate type="el" backwards="0">
+                                    <p:tmAbs val="0"/>
+                                  </p:iterate>
+                                  <p:childTnLst>
+                                    <p:set>
+                                      <p:cBhvr>
+                                        <p:cTn id="34" fill="hold"/>
+                                        <p:tgtEl>
+                                          <p:spTgt spid="165">
+                                            <p:txEl>
+                                              <p:pRg st="10" end="10"/>
                                             </p:txEl>
                                           </p:spTgt>
                                         </p:tgtEl>
@@ -12227,7 +12072,7 @@
       </p:grpSpPr>
       <p:sp>
         <p:nvSpPr>
-          <p:cNvPr id="170" name="Prerequisiters"/>
+          <p:cNvPr id="170" name="Some Challenges"/>
           <p:cNvSpPr txBox="1"/>
           <p:nvPr>
             <p:ph type="title"/>
@@ -12244,14 +12089,14 @@
           <a:p>
             <a:pPr/>
             <a:r>
-              <a:t>Prerequisiters</a:t>
+              <a:t>Some Challenges</a:t>
             </a:r>
           </a:p>
         </p:txBody>
       </p:sp>
       <p:sp>
         <p:nvSpPr>
-          <p:cNvPr id="171" name="Prerequisites for this course…"/>
+          <p:cNvPr id="171" name="Verbal Accent…"/>
           <p:cNvSpPr txBox="1"/>
           <p:nvPr>
             <p:ph type="body" idx="1"/>
@@ -12268,48 +12113,31 @@
           <a:p>
             <a:pPr/>
             <a:r>
-              <a:t>Prerequisites for this course</a:t>
+              <a:t>Verbal Accent</a:t>
             </a:r>
           </a:p>
           <a:p>
             <a:pPr lvl="1"/>
             <a:r>
-              <a:t>Review and overhaul of Data Structure course</a:t>
-            </a:r>
-          </a:p>
-          <a:p>
-            <a:pPr lvl="2"/>
-            <a:r>
-              <a:t>This course heavily depends upon it.</a:t>
-            </a:r>
-          </a:p>
-          <a:p>
-            <a:pPr lvl="2"/>
-            <a:r>
-              <a:t>Spend time to understand all the concepts.</a:t>
-            </a:r>
-          </a:p>
-          <a:p>
-            <a:pPr lvl="2"/>
-            <a:r>
-              <a:t>Do your lab programs without digging into memory repository.</a:t>
+              <a:t>Incomprehensible, fast</a:t>
             </a:r>
           </a:p>
           <a:p>
             <a:pPr lvl="1"/>
             <a:r>
-              <a:t>Willingness to work hard</a:t>
-            </a:r>
-          </a:p>
-          <a:p>
-            <a:pPr lvl="2" marL="1120378" indent="-267890">
-              <a:spcBef>
-                <a:spcPts val="600"/>
-              </a:spcBef>
-              <a:defRPr sz="3000"/>
-            </a:pPr>
-            <a:r>
-              <a:t>Try out extra exercises</a:t>
+              <a:t>Ask to repeat, slow down</a:t>
+            </a:r>
+          </a:p>
+          <a:p>
+            <a:pPr lvl="1"/>
+            <a:r>
+              <a:t>Maintain silence to be audible</a:t>
+            </a:r>
+          </a:p>
+          <a:p>
+            <a:pPr/>
+            <a:r>
+              <a:t>Need to take care - Bottom of pyramid</a:t>
             </a:r>
           </a:p>
         </p:txBody>
@@ -12323,6 +12151,10 @@
           </p:nvPr>
         </p:nvSpPr>
         <p:spPr>
+          <a:xfrm>
+            <a:off x="8154987" y="6942137"/>
+            <a:ext cx="368301" cy="382911"/>
+          </a:xfrm>
           <a:prstGeom prst="rect">
             <a:avLst/>
           </a:prstGeom>
@@ -12333,7 +12165,7 @@
           </a:extLst>
         </p:spPr>
         <p:txBody>
-          <a:bodyPr/>
+          <a:bodyPr wrap="none"/>
           <a:lstStyle/>
           <a:p>
             <a:pPr/>
@@ -12384,719 +12216,6 @@
       <p:sp>
         <p:nvSpPr>
           <p:cNvPr id="174" name="RPR/"/>
-          <p:cNvSpPr txBox="1"/>
-          <p:nvPr/>
-        </p:nvSpPr>
-        <p:spPr>
-          <a:xfrm>
-            <a:off x="7535212" y="6988206"/>
-            <a:ext cx="705605" cy="382910"/>
-          </a:xfrm>
-          <a:prstGeom prst="rect">
-            <a:avLst/>
-          </a:prstGeom>
-          <a:ln w="12700">
-            <a:miter lim="400000"/>
-          </a:ln>
-          <a:extLst>
-            <a:ext uri="{C572A759-6A51-4108-AA02-DFA0A04FC94B}">
-              <ma14:wrappingTextBoxFlag xmlns:ma14="http://schemas.microsoft.com/office/mac/drawingml/2011/main" val="1"/>
-            </a:ext>
-          </a:extLst>
-        </p:spPr>
-        <p:txBody>
-          <a:bodyPr wrap="none" lIns="50800" tIns="50800" rIns="50800" bIns="50800" anchor="ctr">
-            <a:spAutoFit/>
-          </a:bodyPr>
-          <a:lstStyle>
-            <a:lvl1pPr>
-              <a:defRPr sz="2000"/>
-            </a:lvl1pPr>
-          </a:lstStyle>
-          <a:p>
-            <a:pPr/>
-            <a:r>
-              <a:t>RPR/</a:t>
-            </a:r>
-          </a:p>
-        </p:txBody>
-      </p:sp>
-    </p:spTree>
-  </p:cSld>
-  <p:clrMapOvr>
-    <a:masterClrMapping/>
-  </p:clrMapOvr>
-  <mc:AlternateContent xmlns:mc="http://schemas.openxmlformats.org/markup-compatibility/2006">
-    <mc:Choice xmlns:p15="http://schemas.microsoft.com/office/powerpoint/2012/main" Requires="p15">
-      <p:transition xmlns:p14="http://schemas.microsoft.com/office/powerpoint/2010/main" spd="med" advClick="1" p14:dur="1000">
-        <p15:prstTrans prst="peelOff" invX="1"/>
-      </p:transition>
-    </mc:Choice>
-    <mc:Choice xmlns:p14="http://schemas.microsoft.com/office/powerpoint/2010/main" Requires="p14">
-      <p:transition spd="med" advClick="1" p14:dur="1000">
-        <p:wipe dir="l"/>
-      </p:transition>
-    </mc:Choice>
-    <mc:Fallback>
-      <p:transition spd="med">
-        <p:fade/>
-      </p:transition>
-    </mc:Fallback>
-  </mc:AlternateContent>
-</p:sld>
-</file>
-
-<file path=ppt/slides/slide25.xml><?xml version="1.0" encoding="utf-8"?>
-<p:sld xmlns:a="http://schemas.openxmlformats.org/drawingml/2006/main" xmlns:r="http://schemas.openxmlformats.org/officeDocument/2006/relationships" xmlns:p="http://schemas.openxmlformats.org/presentationml/2006/main" xmlns:m="http://schemas.openxmlformats.org/officeDocument/2006/math" xmlns:a14="http://schemas.microsoft.com/office/drawing/2010/main" showMasterSp="1" showMasterPhAnim="1">
-  <p:cSld>
-    <p:spTree>
-      <p:nvGrpSpPr>
-        <p:cNvPr id="1" name=""/>
-        <p:cNvGrpSpPr/>
-        <p:nvPr/>
-      </p:nvGrpSpPr>
-      <p:grpSpPr>
-        <a:xfrm>
-          <a:off x="0" y="0"/>
-          <a:ext cx="0" cy="0"/>
-          <a:chOff x="0" y="0"/>
-          <a:chExt cx="0" cy="0"/>
-        </a:xfrm>
-      </p:grpSpPr>
-      <p:sp>
-        <p:nvSpPr>
-          <p:cNvPr id="176" name="Summary"/>
-          <p:cNvSpPr txBox="1"/>
-          <p:nvPr>
-            <p:ph type="title"/>
-          </p:nvPr>
-        </p:nvSpPr>
-        <p:spPr>
-          <a:prstGeom prst="rect">
-            <a:avLst/>
-          </a:prstGeom>
-        </p:spPr>
-        <p:txBody>
-          <a:bodyPr/>
-          <a:lstStyle/>
-          <a:p>
-            <a:pPr/>
-            <a:r>
-              <a:t>Summary</a:t>
-            </a:r>
-          </a:p>
-        </p:txBody>
-      </p:sp>
-      <p:sp>
-        <p:nvSpPr>
-          <p:cNvPr id="177" name="Resource material…"/>
-          <p:cNvSpPr txBox="1"/>
-          <p:nvPr>
-            <p:ph type="body" idx="1"/>
-          </p:nvPr>
-        </p:nvSpPr>
-        <p:spPr>
-          <a:prstGeom prst="rect">
-            <a:avLst/>
-          </a:prstGeom>
-        </p:spPr>
-        <p:txBody>
-          <a:bodyPr/>
-          <a:lstStyle/>
-          <a:p>
-            <a:pPr/>
-            <a:r>
-              <a:t>Resource material</a:t>
-            </a:r>
-          </a:p>
-          <a:p>
-            <a:pPr/>
-            <a:r>
-              <a:t>Course plan</a:t>
-            </a:r>
-          </a:p>
-          <a:p>
-            <a:pPr/>
-            <a:r>
-              <a:t>Marks and evaluation</a:t>
-            </a:r>
-          </a:p>
-          <a:p>
-            <a:pPr/>
-            <a:r>
-              <a:t>Activities preparedness</a:t>
-            </a:r>
-          </a:p>
-        </p:txBody>
-      </p:sp>
-      <p:sp>
-        <p:nvSpPr>
-          <p:cNvPr id="178" name="Slide Number"/>
-          <p:cNvSpPr txBox="1"/>
-          <p:nvPr>
-            <p:ph type="sldNum" sz="quarter" idx="2"/>
-          </p:nvPr>
-        </p:nvSpPr>
-        <p:spPr>
-          <a:xfrm>
-            <a:off x="8154987" y="6942137"/>
-            <a:ext cx="368301" cy="382911"/>
-          </a:xfrm>
-          <a:prstGeom prst="rect">
-            <a:avLst/>
-          </a:prstGeom>
-          <a:extLst>
-            <a:ext uri="{C572A759-6A51-4108-AA02-DFA0A04FC94B}">
-              <ma14:wrappingTextBoxFlag xmlns:ma14="http://schemas.microsoft.com/office/mac/drawingml/2011/main" val="1"/>
-            </a:ext>
-          </a:extLst>
-        </p:spPr>
-        <p:txBody>
-          <a:bodyPr wrap="none"/>
-          <a:lstStyle/>
-          <a:p>
-            <a:pPr/>
-            <a:fld id="{86CB4B4D-7CA3-9044-876B-883B54F8677D}" type="slidenum"/>
-          </a:p>
-        </p:txBody>
-      </p:sp>
-      <p:sp>
-        <p:nvSpPr>
-          <p:cNvPr id="179" name="DAA/Overview"/>
-          <p:cNvSpPr txBox="1"/>
-          <p:nvPr/>
-        </p:nvSpPr>
-        <p:spPr>
-          <a:xfrm>
-            <a:off x="423212" y="6963885"/>
-            <a:ext cx="2101762" cy="431552"/>
-          </a:xfrm>
-          <a:prstGeom prst="rect">
-            <a:avLst/>
-          </a:prstGeom>
-          <a:ln w="12700">
-            <a:miter lim="400000"/>
-          </a:ln>
-          <a:extLst>
-            <a:ext uri="{C572A759-6A51-4108-AA02-DFA0A04FC94B}">
-              <ma14:wrappingTextBoxFlag xmlns:ma14="http://schemas.microsoft.com/office/mac/drawingml/2011/main" val="1"/>
-            </a:ext>
-          </a:extLst>
-        </p:spPr>
-        <p:txBody>
-          <a:bodyPr wrap="none" lIns="50800" tIns="50800" rIns="50800" bIns="50800" anchor="ctr">
-            <a:spAutoFit/>
-          </a:bodyPr>
-          <a:lstStyle>
-            <a:lvl1pPr>
-              <a:defRPr sz="2400"/>
-            </a:lvl1pPr>
-          </a:lstStyle>
-          <a:p>
-            <a:pPr/>
-            <a:r>
-              <a:t>DAA/Overview</a:t>
-            </a:r>
-          </a:p>
-        </p:txBody>
-      </p:sp>
-      <p:sp>
-        <p:nvSpPr>
-          <p:cNvPr id="180" name="RPR/"/>
-          <p:cNvSpPr txBox="1"/>
-          <p:nvPr/>
-        </p:nvSpPr>
-        <p:spPr>
-          <a:xfrm>
-            <a:off x="7535212" y="6988206"/>
-            <a:ext cx="705605" cy="382910"/>
-          </a:xfrm>
-          <a:prstGeom prst="rect">
-            <a:avLst/>
-          </a:prstGeom>
-          <a:ln w="12700">
-            <a:miter lim="400000"/>
-          </a:ln>
-          <a:extLst>
-            <a:ext uri="{C572A759-6A51-4108-AA02-DFA0A04FC94B}">
-              <ma14:wrappingTextBoxFlag xmlns:ma14="http://schemas.microsoft.com/office/mac/drawingml/2011/main" val="1"/>
-            </a:ext>
-          </a:extLst>
-        </p:spPr>
-        <p:txBody>
-          <a:bodyPr wrap="none" lIns="50800" tIns="50800" rIns="50800" bIns="50800" anchor="ctr">
-            <a:spAutoFit/>
-          </a:bodyPr>
-          <a:lstStyle>
-            <a:lvl1pPr>
-              <a:defRPr sz="2000"/>
-            </a:lvl1pPr>
-          </a:lstStyle>
-          <a:p>
-            <a:pPr/>
-            <a:r>
-              <a:t>RPR/</a:t>
-            </a:r>
-          </a:p>
-        </p:txBody>
-      </p:sp>
-    </p:spTree>
-  </p:cSld>
-  <p:clrMapOvr>
-    <a:masterClrMapping/>
-  </p:clrMapOvr>
-  <p:transition xmlns:p14="http://schemas.microsoft.com/office/powerpoint/2010/main" spd="med" advClick="1"/>
-  <p:timing>
-    <p:tnLst>
-      <p:par>
-        <p:cTn id="1" nodeType="tmRoot" restart="never" dur="indefinite" fill="hold">
-          <p:childTnLst>
-            <p:seq concurrent="1" prevAc="none" nextAc="seek">
-              <p:cTn id="2" nodeType="mainSeq" dur="indefinite" fill="hold">
-                <p:childTnLst>
-                  <p:par>
-                    <p:cTn id="3" fill="hold">
-                      <p:stCondLst>
-                        <p:cond delay="indefinite"/>
-                      </p:stCondLst>
-                      <p:childTnLst>
-                        <p:par>
-                          <p:cTn id="4" fill="hold">
-                            <p:stCondLst>
-                              <p:cond delay="0"/>
-                            </p:stCondLst>
-                            <p:childTnLst>
-                              <p:par>
-                                <p:cTn id="5" presetClass="entr" nodeType="clickEffect" presetSubtype="0" presetID="1" grpId="1" fill="hold">
-                                  <p:stCondLst>
-                                    <p:cond delay="0"/>
-                                  </p:stCondLst>
-                                  <p:iterate type="el" backwards="0">
-                                    <p:tmAbs val="0"/>
-                                  </p:iterate>
-                                  <p:childTnLst>
-                                    <p:set>
-                                      <p:cBhvr>
-                                        <p:cTn id="6" fill="hold"/>
-                                        <p:tgtEl>
-                                          <p:spTgt spid="177">
-                                            <p:bg/>
-                                          </p:spTgt>
-                                        </p:tgtEl>
-                                        <p:attrNameLst>
-                                          <p:attrName>style.visibility</p:attrName>
-                                        </p:attrNameLst>
-                                      </p:cBhvr>
-                                      <p:to>
-                                        <p:strVal val="visible"/>
-                                      </p:to>
-                                    </p:set>
-                                  </p:childTnLst>
-                                </p:cTn>
-                              </p:par>
-                              <p:par>
-                                <p:cTn id="7" presetClass="entr" nodeType="withEffect" presetSubtype="0" presetID="1" grpId="1" fill="hold">
-                                  <p:stCondLst>
-                                    <p:cond delay="0"/>
-                                  </p:stCondLst>
-                                  <p:iterate type="el" backwards="0">
-                                    <p:tmAbs val="0"/>
-                                  </p:iterate>
-                                  <p:childTnLst>
-                                    <p:set>
-                                      <p:cBhvr>
-                                        <p:cTn id="8" fill="hold"/>
-                                        <p:tgtEl>
-                                          <p:spTgt spid="177">
-                                            <p:txEl>
-                                              <p:pRg st="0" end="0"/>
-                                            </p:txEl>
-                                          </p:spTgt>
-                                        </p:tgtEl>
-                                        <p:attrNameLst>
-                                          <p:attrName>style.visibility</p:attrName>
-                                        </p:attrNameLst>
-                                      </p:cBhvr>
-                                      <p:to>
-                                        <p:strVal val="visible"/>
-                                      </p:to>
-                                    </p:set>
-                                  </p:childTnLst>
-                                </p:cTn>
-                              </p:par>
-                            </p:childTnLst>
-                          </p:cTn>
-                        </p:par>
-                      </p:childTnLst>
-                    </p:cTn>
-                  </p:par>
-                  <p:par>
-                    <p:cTn id="9" fill="hold">
-                      <p:stCondLst>
-                        <p:cond delay="indefinite"/>
-                      </p:stCondLst>
-                      <p:childTnLst>
-                        <p:par>
-                          <p:cTn id="10" fill="hold">
-                            <p:stCondLst>
-                              <p:cond delay="0"/>
-                            </p:stCondLst>
-                            <p:childTnLst>
-                              <p:par>
-                                <p:cTn id="11" presetClass="entr" nodeType="clickEffect" presetSubtype="0" presetID="1" grpId="1" fill="hold">
-                                  <p:stCondLst>
-                                    <p:cond delay="0"/>
-                                  </p:stCondLst>
-                                  <p:iterate type="el" backwards="0">
-                                    <p:tmAbs val="0"/>
-                                  </p:iterate>
-                                  <p:childTnLst>
-                                    <p:set>
-                                      <p:cBhvr>
-                                        <p:cTn id="12" fill="hold"/>
-                                        <p:tgtEl>
-                                          <p:spTgt spid="177">
-                                            <p:txEl>
-                                              <p:pRg st="1" end="1"/>
-                                            </p:txEl>
-                                          </p:spTgt>
-                                        </p:tgtEl>
-                                        <p:attrNameLst>
-                                          <p:attrName>style.visibility</p:attrName>
-                                        </p:attrNameLst>
-                                      </p:cBhvr>
-                                      <p:to>
-                                        <p:strVal val="visible"/>
-                                      </p:to>
-                                    </p:set>
-                                  </p:childTnLst>
-                                </p:cTn>
-                              </p:par>
-                            </p:childTnLst>
-                          </p:cTn>
-                        </p:par>
-                      </p:childTnLst>
-                    </p:cTn>
-                  </p:par>
-                  <p:par>
-                    <p:cTn id="13" fill="hold">
-                      <p:stCondLst>
-                        <p:cond delay="indefinite"/>
-                      </p:stCondLst>
-                      <p:childTnLst>
-                        <p:par>
-                          <p:cTn id="14" fill="hold">
-                            <p:stCondLst>
-                              <p:cond delay="0"/>
-                            </p:stCondLst>
-                            <p:childTnLst>
-                              <p:par>
-                                <p:cTn id="15" presetClass="entr" nodeType="clickEffect" presetSubtype="0" presetID="1" grpId="1" fill="hold">
-                                  <p:stCondLst>
-                                    <p:cond delay="0"/>
-                                  </p:stCondLst>
-                                  <p:iterate type="el" backwards="0">
-                                    <p:tmAbs val="0"/>
-                                  </p:iterate>
-                                  <p:childTnLst>
-                                    <p:set>
-                                      <p:cBhvr>
-                                        <p:cTn id="16" fill="hold"/>
-                                        <p:tgtEl>
-                                          <p:spTgt spid="177">
-                                            <p:txEl>
-                                              <p:pRg st="2" end="2"/>
-                                            </p:txEl>
-                                          </p:spTgt>
-                                        </p:tgtEl>
-                                        <p:attrNameLst>
-                                          <p:attrName>style.visibility</p:attrName>
-                                        </p:attrNameLst>
-                                      </p:cBhvr>
-                                      <p:to>
-                                        <p:strVal val="visible"/>
-                                      </p:to>
-                                    </p:set>
-                                  </p:childTnLst>
-                                </p:cTn>
-                              </p:par>
-                            </p:childTnLst>
-                          </p:cTn>
-                        </p:par>
-                      </p:childTnLst>
-                    </p:cTn>
-                  </p:par>
-                  <p:par>
-                    <p:cTn id="17" fill="hold">
-                      <p:stCondLst>
-                        <p:cond delay="indefinite"/>
-                      </p:stCondLst>
-                      <p:childTnLst>
-                        <p:par>
-                          <p:cTn id="18" fill="hold">
-                            <p:stCondLst>
-                              <p:cond delay="0"/>
-                            </p:stCondLst>
-                            <p:childTnLst>
-                              <p:par>
-                                <p:cTn id="19" presetClass="entr" nodeType="clickEffect" presetSubtype="0" presetID="1" grpId="1" fill="hold">
-                                  <p:stCondLst>
-                                    <p:cond delay="0"/>
-                                  </p:stCondLst>
-                                  <p:iterate type="el" backwards="0">
-                                    <p:tmAbs val="0"/>
-                                  </p:iterate>
-                                  <p:childTnLst>
-                                    <p:set>
-                                      <p:cBhvr>
-                                        <p:cTn id="20" fill="hold"/>
-                                        <p:tgtEl>
-                                          <p:spTgt spid="177">
-                                            <p:txEl>
-                                              <p:pRg st="3" end="3"/>
-                                            </p:txEl>
-                                          </p:spTgt>
-                                        </p:tgtEl>
-                                        <p:attrNameLst>
-                                          <p:attrName>style.visibility</p:attrName>
-                                        </p:attrNameLst>
-                                      </p:cBhvr>
-                                      <p:to>
-                                        <p:strVal val="visible"/>
-                                      </p:to>
-                                    </p:set>
-                                  </p:childTnLst>
-                                </p:cTn>
-                              </p:par>
-                            </p:childTnLst>
-                          </p:cTn>
-                        </p:par>
-                      </p:childTnLst>
-                    </p:cTn>
-                  </p:par>
-                </p:childTnLst>
-              </p:cTn>
-              <p:prevCondLst>
-                <p:cond evt="onPrev">
-                  <p:tgtEl>
-                    <p:sldTgt/>
-                  </p:tgtEl>
-                </p:cond>
-              </p:prevCondLst>
-              <p:nextCondLst>
-                <p:cond evt="onNext">
-                  <p:tgtEl>
-                    <p:sldTgt/>
-                  </p:tgtEl>
-                </p:cond>
-              </p:nextCondLst>
-            </p:seq>
-          </p:childTnLst>
-        </p:cTn>
-      </p:par>
-    </p:tnLst>
-    <p:bldLst>
-      <p:bldP build="p" bldLvl="1" animBg="1" rev="0" advAuto="0" spid="177" grpId="1"/>
-    </p:bldLst>
-  </p:timing>
-</p:sld>
-</file>
-
-<file path=ppt/slides/slide3.xml><?xml version="1.0" encoding="utf-8"?>
-<p:sld xmlns:a="http://schemas.openxmlformats.org/drawingml/2006/main" xmlns:r="http://schemas.openxmlformats.org/officeDocument/2006/relationships" xmlns:p="http://schemas.openxmlformats.org/presentationml/2006/main" xmlns:m="http://schemas.openxmlformats.org/officeDocument/2006/math" xmlns:a14="http://schemas.microsoft.com/office/drawing/2010/main" showMasterSp="1" showMasterPhAnim="1">
-  <p:cSld>
-    <p:spTree>
-      <p:nvGrpSpPr>
-        <p:cNvPr id="1" name=""/>
-        <p:cNvGrpSpPr/>
-        <p:nvPr/>
-      </p:nvGrpSpPr>
-      <p:grpSpPr>
-        <a:xfrm>
-          <a:off x="0" y="0"/>
-          <a:ext cx="0" cy="0"/>
-          <a:chOff x="0" y="0"/>
-          <a:chExt cx="0" cy="0"/>
-        </a:xfrm>
-      </p:grpSpPr>
-      <p:sp>
-        <p:nvSpPr>
-          <p:cNvPr id="44" name="About Yourself"/>
-          <p:cNvSpPr txBox="1"/>
-          <p:nvPr>
-            <p:ph type="title"/>
-          </p:nvPr>
-        </p:nvSpPr>
-        <p:spPr>
-          <a:prstGeom prst="rect">
-            <a:avLst/>
-          </a:prstGeom>
-        </p:spPr>
-        <p:txBody>
-          <a:bodyPr/>
-          <a:lstStyle/>
-          <a:p>
-            <a:pPr/>
-            <a:r>
-              <a:t>About Yourself</a:t>
-            </a:r>
-          </a:p>
-        </p:txBody>
-      </p:sp>
-      <p:sp>
-        <p:nvSpPr>
-          <p:cNvPr id="45" name="Your background…"/>
-          <p:cNvSpPr txBox="1"/>
-          <p:nvPr>
-            <p:ph type="body" idx="1"/>
-          </p:nvPr>
-        </p:nvSpPr>
-        <p:spPr>
-          <a:prstGeom prst="rect">
-            <a:avLst/>
-          </a:prstGeom>
-        </p:spPr>
-        <p:txBody>
-          <a:bodyPr/>
-          <a:lstStyle/>
-          <a:p>
-            <a:pPr/>
-            <a:r>
-              <a:t>Your background</a:t>
-            </a:r>
-          </a:p>
-          <a:p>
-            <a:pPr lvl="1"/>
-            <a:r>
-              <a:t>Mix of different streams</a:t>
-            </a:r>
-          </a:p>
-          <a:p>
-            <a:pPr lvl="1"/>
-            <a:r>
-              <a:t>Knowledge of mathematics</a:t>
-            </a:r>
-          </a:p>
-          <a:p>
-            <a:pPr lvl="2"/>
-            <a:r>
-              <a:t>Little bit of probability theory</a:t>
-            </a:r>
-          </a:p>
-          <a:p>
-            <a:pPr lvl="1"/>
-            <a:r>
-              <a:t>Decent level of programming expertise</a:t>
-            </a:r>
-          </a:p>
-          <a:p>
-            <a:pPr/>
-            <a:r>
-              <a:t>Your expectations</a:t>
-            </a:r>
-          </a:p>
-          <a:p>
-            <a:pPr lvl="1"/>
-            <a:r>
-              <a:t>Outcome you would like to see </a:t>
-            </a:r>
-          </a:p>
-          <a:p>
-            <a:pPr lvl="2"/>
-            <a:r>
-              <a:t>After Completion of this semester course </a:t>
-            </a:r>
-          </a:p>
-          <a:p>
-            <a:pPr lvl="1"/>
-            <a:r>
-              <a:t>Specific goals to be achieved</a:t>
-            </a:r>
-          </a:p>
-          <a:p>
-            <a:pPr lvl="1"/>
-            <a:r>
-              <a:t>Teaching style</a:t>
-            </a:r>
-          </a:p>
-          <a:p>
-            <a:pPr lvl="1"/>
-            <a:r>
-              <a:t>Any other inputs</a:t>
-            </a:r>
-          </a:p>
-        </p:txBody>
-      </p:sp>
-      <p:sp>
-        <p:nvSpPr>
-          <p:cNvPr id="46" name="Slide Number"/>
-          <p:cNvSpPr txBox="1"/>
-          <p:nvPr>
-            <p:ph type="sldNum" sz="quarter" idx="2"/>
-          </p:nvPr>
-        </p:nvSpPr>
-        <p:spPr>
-          <a:prstGeom prst="rect">
-            <a:avLst/>
-          </a:prstGeom>
-          <a:extLst>
-            <a:ext uri="{C572A759-6A51-4108-AA02-DFA0A04FC94B}">
-              <ma14:wrappingTextBoxFlag xmlns:ma14="http://schemas.microsoft.com/office/mac/drawingml/2011/main" val="1"/>
-            </a:ext>
-          </a:extLst>
-        </p:spPr>
-        <p:txBody>
-          <a:bodyPr/>
-          <a:lstStyle/>
-          <a:p>
-            <a:pPr/>
-            <a:fld id="{86CB4B4D-7CA3-9044-876B-883B54F8677D}" type="slidenum"/>
-          </a:p>
-        </p:txBody>
-      </p:sp>
-      <p:sp>
-        <p:nvSpPr>
-          <p:cNvPr id="47" name="DAA/Overview"/>
-          <p:cNvSpPr txBox="1"/>
-          <p:nvPr/>
-        </p:nvSpPr>
-        <p:spPr>
-          <a:xfrm>
-            <a:off x="423212" y="6963885"/>
-            <a:ext cx="2101762" cy="431552"/>
-          </a:xfrm>
-          <a:prstGeom prst="rect">
-            <a:avLst/>
-          </a:prstGeom>
-          <a:ln w="12700">
-            <a:miter lim="400000"/>
-          </a:ln>
-          <a:extLst>
-            <a:ext uri="{C572A759-6A51-4108-AA02-DFA0A04FC94B}">
-              <ma14:wrappingTextBoxFlag xmlns:ma14="http://schemas.microsoft.com/office/mac/drawingml/2011/main" val="1"/>
-            </a:ext>
-          </a:extLst>
-        </p:spPr>
-        <p:txBody>
-          <a:bodyPr wrap="none" lIns="50800" tIns="50800" rIns="50800" bIns="50800" anchor="ctr">
-            <a:spAutoFit/>
-          </a:bodyPr>
-          <a:lstStyle>
-            <a:lvl1pPr>
-              <a:defRPr sz="2400"/>
-            </a:lvl1pPr>
-          </a:lstStyle>
-          <a:p>
-            <a:pPr/>
-            <a:r>
-              <a:t>DAA/Overview</a:t>
-            </a:r>
-          </a:p>
-        </p:txBody>
-      </p:sp>
-      <p:sp>
-        <p:nvSpPr>
-          <p:cNvPr id="48" name="RPR/"/>
           <p:cNvSpPr txBox="1"/>
           <p:nvPr/>
         </p:nvSpPr>
@@ -13189,7 +12308,7 @@
                                       <p:cBhvr>
                                         <p:cTn id="6" fill="hold"/>
                                         <p:tgtEl>
-                                          <p:spTgt spid="45">
+                                          <p:spTgt spid="171">
                                             <p:bg/>
                                           </p:spTgt>
                                         </p:tgtEl>
@@ -13217,7 +12336,695 @@
                                       <p:cBhvr>
                                         <p:cTn id="8" fill="hold"/>
                                         <p:tgtEl>
-                                          <p:spTgt spid="45">
+                                          <p:spTgt spid="171">
+                                            <p:txEl>
+                                              <p:pRg st="0" end="0"/>
+                                            </p:txEl>
+                                          </p:spTgt>
+                                        </p:tgtEl>
+                                        <p:attrNameLst>
+                                          <p:attrName>style.visibility</p:attrName>
+                                        </p:attrNameLst>
+                                      </p:cBhvr>
+                                      <p:to>
+                                        <p:strVal val="visible"/>
+                                      </p:to>
+                                    </p:set>
+                                  </p:childTnLst>
+                                </p:cTn>
+                              </p:par>
+                              <p:par>
+                                <p:cTn id="9" presetClass="entr" nodeType="withEffect" presetSubtype="0" presetID="1" grpId="1" fill="hold">
+                                  <p:stCondLst>
+                                    <p:cond delay="0"/>
+                                  </p:stCondLst>
+                                  <p:iterate type="el" backwards="0">
+                                    <p:tmAbs val="0"/>
+                                  </p:iterate>
+                                  <p:childTnLst>
+                                    <p:set>
+                                      <p:cBhvr>
+                                        <p:cTn id="10" fill="hold"/>
+                                        <p:tgtEl>
+                                          <p:spTgt spid="171">
+                                            <p:txEl>
+                                              <p:pRg st="1" end="1"/>
+                                            </p:txEl>
+                                          </p:spTgt>
+                                        </p:tgtEl>
+                                        <p:attrNameLst>
+                                          <p:attrName>style.visibility</p:attrName>
+                                        </p:attrNameLst>
+                                      </p:cBhvr>
+                                      <p:to>
+                                        <p:strVal val="visible"/>
+                                      </p:to>
+                                    </p:set>
+                                  </p:childTnLst>
+                                </p:cTn>
+                              </p:par>
+                              <p:par>
+                                <p:cTn id="11" presetClass="entr" nodeType="withEffect" presetSubtype="0" presetID="1" grpId="1" fill="hold">
+                                  <p:stCondLst>
+                                    <p:cond delay="0"/>
+                                  </p:stCondLst>
+                                  <p:iterate type="el" backwards="0">
+                                    <p:tmAbs val="0"/>
+                                  </p:iterate>
+                                  <p:childTnLst>
+                                    <p:set>
+                                      <p:cBhvr>
+                                        <p:cTn id="12" fill="hold"/>
+                                        <p:tgtEl>
+                                          <p:spTgt spid="171">
+                                            <p:txEl>
+                                              <p:pRg st="2" end="2"/>
+                                            </p:txEl>
+                                          </p:spTgt>
+                                        </p:tgtEl>
+                                        <p:attrNameLst>
+                                          <p:attrName>style.visibility</p:attrName>
+                                        </p:attrNameLst>
+                                      </p:cBhvr>
+                                      <p:to>
+                                        <p:strVal val="visible"/>
+                                      </p:to>
+                                    </p:set>
+                                  </p:childTnLst>
+                                </p:cTn>
+                              </p:par>
+                              <p:par>
+                                <p:cTn id="13" presetClass="entr" nodeType="withEffect" presetSubtype="0" presetID="1" grpId="1" fill="hold">
+                                  <p:stCondLst>
+                                    <p:cond delay="0"/>
+                                  </p:stCondLst>
+                                  <p:iterate type="el" backwards="0">
+                                    <p:tmAbs val="0"/>
+                                  </p:iterate>
+                                  <p:childTnLst>
+                                    <p:set>
+                                      <p:cBhvr>
+                                        <p:cTn id="14" fill="hold"/>
+                                        <p:tgtEl>
+                                          <p:spTgt spid="171">
+                                            <p:txEl>
+                                              <p:pRg st="3" end="3"/>
+                                            </p:txEl>
+                                          </p:spTgt>
+                                        </p:tgtEl>
+                                        <p:attrNameLst>
+                                          <p:attrName>style.visibility</p:attrName>
+                                        </p:attrNameLst>
+                                      </p:cBhvr>
+                                      <p:to>
+                                        <p:strVal val="visible"/>
+                                      </p:to>
+                                    </p:set>
+                                  </p:childTnLst>
+                                </p:cTn>
+                              </p:par>
+                            </p:childTnLst>
+                          </p:cTn>
+                        </p:par>
+                      </p:childTnLst>
+                    </p:cTn>
+                  </p:par>
+                  <p:par>
+                    <p:cTn id="15" fill="hold">
+                      <p:stCondLst>
+                        <p:cond delay="indefinite"/>
+                      </p:stCondLst>
+                      <p:childTnLst>
+                        <p:par>
+                          <p:cTn id="16" fill="hold">
+                            <p:stCondLst>
+                              <p:cond delay="0"/>
+                            </p:stCondLst>
+                            <p:childTnLst>
+                              <p:par>
+                                <p:cTn id="17" presetClass="entr" nodeType="clickEffect" presetSubtype="0" presetID="1" grpId="1" fill="hold">
+                                  <p:stCondLst>
+                                    <p:cond delay="0"/>
+                                  </p:stCondLst>
+                                  <p:iterate type="el" backwards="0">
+                                    <p:tmAbs val="0"/>
+                                  </p:iterate>
+                                  <p:childTnLst>
+                                    <p:set>
+                                      <p:cBhvr>
+                                        <p:cTn id="18" fill="hold"/>
+                                        <p:tgtEl>
+                                          <p:spTgt spid="171">
+                                            <p:txEl>
+                                              <p:pRg st="4" end="4"/>
+                                            </p:txEl>
+                                          </p:spTgt>
+                                        </p:tgtEl>
+                                        <p:attrNameLst>
+                                          <p:attrName>style.visibility</p:attrName>
+                                        </p:attrNameLst>
+                                      </p:cBhvr>
+                                      <p:to>
+                                        <p:strVal val="visible"/>
+                                      </p:to>
+                                    </p:set>
+                                  </p:childTnLst>
+                                </p:cTn>
+                              </p:par>
+                            </p:childTnLst>
+                          </p:cTn>
+                        </p:par>
+                      </p:childTnLst>
+                    </p:cTn>
+                  </p:par>
+                </p:childTnLst>
+              </p:cTn>
+              <p:prevCondLst>
+                <p:cond evt="onPrev">
+                  <p:tgtEl>
+                    <p:sldTgt/>
+                  </p:tgtEl>
+                </p:cond>
+              </p:prevCondLst>
+              <p:nextCondLst>
+                <p:cond evt="onNext">
+                  <p:tgtEl>
+                    <p:sldTgt/>
+                  </p:tgtEl>
+                </p:cond>
+              </p:nextCondLst>
+            </p:seq>
+          </p:childTnLst>
+        </p:cTn>
+      </p:par>
+    </p:tnLst>
+    <p:bldLst>
+      <p:bldP build="p" bldLvl="1" animBg="1" rev="0" advAuto="0" spid="171" grpId="1"/>
+    </p:bldLst>
+  </p:timing>
+</p:sld>
+</file>
+
+<file path=ppt/slides/slide25.xml><?xml version="1.0" encoding="utf-8"?>
+<p:sld xmlns:a="http://schemas.openxmlformats.org/drawingml/2006/main" xmlns:r="http://schemas.openxmlformats.org/officeDocument/2006/relationships" xmlns:p="http://schemas.openxmlformats.org/presentationml/2006/main" xmlns:m="http://schemas.openxmlformats.org/officeDocument/2006/math" xmlns:a14="http://schemas.microsoft.com/office/drawing/2010/main" showMasterSp="1" showMasterPhAnim="1">
+  <p:cSld>
+    <p:spTree>
+      <p:nvGrpSpPr>
+        <p:cNvPr id="1" name=""/>
+        <p:cNvGrpSpPr/>
+        <p:nvPr/>
+      </p:nvGrpSpPr>
+      <p:grpSpPr>
+        <a:xfrm>
+          <a:off x="0" y="0"/>
+          <a:ext cx="0" cy="0"/>
+          <a:chOff x="0" y="0"/>
+          <a:chExt cx="0" cy="0"/>
+        </a:xfrm>
+      </p:grpSpPr>
+      <p:sp>
+        <p:nvSpPr>
+          <p:cNvPr id="176" name="Prerequisiters"/>
+          <p:cNvSpPr txBox="1"/>
+          <p:nvPr>
+            <p:ph type="title"/>
+          </p:nvPr>
+        </p:nvSpPr>
+        <p:spPr>
+          <a:prstGeom prst="rect">
+            <a:avLst/>
+          </a:prstGeom>
+        </p:spPr>
+        <p:txBody>
+          <a:bodyPr/>
+          <a:lstStyle/>
+          <a:p>
+            <a:pPr/>
+            <a:r>
+              <a:t>Prerequisiters</a:t>
+            </a:r>
+          </a:p>
+        </p:txBody>
+      </p:sp>
+      <p:sp>
+        <p:nvSpPr>
+          <p:cNvPr id="177" name="Prerequisites for this course…"/>
+          <p:cNvSpPr txBox="1"/>
+          <p:nvPr>
+            <p:ph type="body" idx="1"/>
+          </p:nvPr>
+        </p:nvSpPr>
+        <p:spPr>
+          <a:prstGeom prst="rect">
+            <a:avLst/>
+          </a:prstGeom>
+        </p:spPr>
+        <p:txBody>
+          <a:bodyPr/>
+          <a:lstStyle/>
+          <a:p>
+            <a:pPr/>
+            <a:r>
+              <a:t>Prerequisites for this course</a:t>
+            </a:r>
+          </a:p>
+          <a:p>
+            <a:pPr lvl="1"/>
+            <a:r>
+              <a:t>Review and overhaul of Data Structure course</a:t>
+            </a:r>
+          </a:p>
+          <a:p>
+            <a:pPr lvl="2"/>
+            <a:r>
+              <a:t>This course heavily depends upon it.</a:t>
+            </a:r>
+          </a:p>
+          <a:p>
+            <a:pPr lvl="2"/>
+            <a:r>
+              <a:t>Spend time to understand all the concepts.</a:t>
+            </a:r>
+          </a:p>
+          <a:p>
+            <a:pPr lvl="2"/>
+            <a:r>
+              <a:t>Do your lab programs without digging into memory repository.</a:t>
+            </a:r>
+          </a:p>
+          <a:p>
+            <a:pPr lvl="1"/>
+            <a:r>
+              <a:t>Willingness to work hard</a:t>
+            </a:r>
+          </a:p>
+          <a:p>
+            <a:pPr lvl="2" marL="1120378" indent="-267890">
+              <a:spcBef>
+                <a:spcPts val="600"/>
+              </a:spcBef>
+              <a:defRPr sz="3000"/>
+            </a:pPr>
+            <a:r>
+              <a:t>Try out extra exercises</a:t>
+            </a:r>
+          </a:p>
+        </p:txBody>
+      </p:sp>
+      <p:sp>
+        <p:nvSpPr>
+          <p:cNvPr id="178" name="Slide Number"/>
+          <p:cNvSpPr txBox="1"/>
+          <p:nvPr>
+            <p:ph type="sldNum" sz="quarter" idx="2"/>
+          </p:nvPr>
+        </p:nvSpPr>
+        <p:spPr>
+          <a:prstGeom prst="rect">
+            <a:avLst/>
+          </a:prstGeom>
+          <a:extLst>
+            <a:ext uri="{C572A759-6A51-4108-AA02-DFA0A04FC94B}">
+              <ma14:wrappingTextBoxFlag xmlns:ma14="http://schemas.microsoft.com/office/mac/drawingml/2011/main" val="1"/>
+            </a:ext>
+          </a:extLst>
+        </p:spPr>
+        <p:txBody>
+          <a:bodyPr/>
+          <a:lstStyle/>
+          <a:p>
+            <a:pPr/>
+            <a:fld id="{86CB4B4D-7CA3-9044-876B-883B54F8677D}" type="slidenum"/>
+          </a:p>
+        </p:txBody>
+      </p:sp>
+      <p:sp>
+        <p:nvSpPr>
+          <p:cNvPr id="179" name="DAA/Overview"/>
+          <p:cNvSpPr txBox="1"/>
+          <p:nvPr/>
+        </p:nvSpPr>
+        <p:spPr>
+          <a:xfrm>
+            <a:off x="423212" y="6963885"/>
+            <a:ext cx="2101762" cy="431552"/>
+          </a:xfrm>
+          <a:prstGeom prst="rect">
+            <a:avLst/>
+          </a:prstGeom>
+          <a:ln w="12700">
+            <a:miter lim="400000"/>
+          </a:ln>
+          <a:extLst>
+            <a:ext uri="{C572A759-6A51-4108-AA02-DFA0A04FC94B}">
+              <ma14:wrappingTextBoxFlag xmlns:ma14="http://schemas.microsoft.com/office/mac/drawingml/2011/main" val="1"/>
+            </a:ext>
+          </a:extLst>
+        </p:spPr>
+        <p:txBody>
+          <a:bodyPr wrap="none" lIns="50800" tIns="50800" rIns="50800" bIns="50800" anchor="ctr">
+            <a:spAutoFit/>
+          </a:bodyPr>
+          <a:lstStyle>
+            <a:lvl1pPr>
+              <a:defRPr sz="2400"/>
+            </a:lvl1pPr>
+          </a:lstStyle>
+          <a:p>
+            <a:pPr/>
+            <a:r>
+              <a:t>DAA/Overview</a:t>
+            </a:r>
+          </a:p>
+        </p:txBody>
+      </p:sp>
+      <p:sp>
+        <p:nvSpPr>
+          <p:cNvPr id="180" name="RPR/"/>
+          <p:cNvSpPr txBox="1"/>
+          <p:nvPr/>
+        </p:nvSpPr>
+        <p:spPr>
+          <a:xfrm>
+            <a:off x="7535212" y="6988206"/>
+            <a:ext cx="705605" cy="382910"/>
+          </a:xfrm>
+          <a:prstGeom prst="rect">
+            <a:avLst/>
+          </a:prstGeom>
+          <a:ln w="12700">
+            <a:miter lim="400000"/>
+          </a:ln>
+          <a:extLst>
+            <a:ext uri="{C572A759-6A51-4108-AA02-DFA0A04FC94B}">
+              <ma14:wrappingTextBoxFlag xmlns:ma14="http://schemas.microsoft.com/office/mac/drawingml/2011/main" val="1"/>
+            </a:ext>
+          </a:extLst>
+        </p:spPr>
+        <p:txBody>
+          <a:bodyPr wrap="none" lIns="50800" tIns="50800" rIns="50800" bIns="50800" anchor="ctr">
+            <a:spAutoFit/>
+          </a:bodyPr>
+          <a:lstStyle>
+            <a:lvl1pPr>
+              <a:defRPr sz="2000"/>
+            </a:lvl1pPr>
+          </a:lstStyle>
+          <a:p>
+            <a:pPr/>
+            <a:r>
+              <a:t>RPR/</a:t>
+            </a:r>
+          </a:p>
+        </p:txBody>
+      </p:sp>
+    </p:spTree>
+  </p:cSld>
+  <p:clrMapOvr>
+    <a:masterClrMapping/>
+  </p:clrMapOvr>
+  <mc:AlternateContent xmlns:mc="http://schemas.openxmlformats.org/markup-compatibility/2006">
+    <mc:Choice xmlns:p15="http://schemas.microsoft.com/office/powerpoint/2012/main" Requires="p15">
+      <p:transition xmlns:p14="http://schemas.microsoft.com/office/powerpoint/2010/main" spd="med" advClick="1" p14:dur="1000">
+        <p15:prstTrans prst="peelOff" invX="1"/>
+      </p:transition>
+    </mc:Choice>
+    <mc:Choice xmlns:p14="http://schemas.microsoft.com/office/powerpoint/2010/main" Requires="p14">
+      <p:transition spd="med" advClick="1" p14:dur="1000">
+        <p:wipe dir="l"/>
+      </p:transition>
+    </mc:Choice>
+    <mc:Fallback>
+      <p:transition spd="med">
+        <p:fade/>
+      </p:transition>
+    </mc:Fallback>
+  </mc:AlternateContent>
+</p:sld>
+</file>
+
+<file path=ppt/slides/slide26.xml><?xml version="1.0" encoding="utf-8"?>
+<p:sld xmlns:a="http://schemas.openxmlformats.org/drawingml/2006/main" xmlns:r="http://schemas.openxmlformats.org/officeDocument/2006/relationships" xmlns:p="http://schemas.openxmlformats.org/presentationml/2006/main" xmlns:m="http://schemas.openxmlformats.org/officeDocument/2006/math" xmlns:a14="http://schemas.microsoft.com/office/drawing/2010/main" showMasterSp="1" showMasterPhAnim="1">
+  <p:cSld>
+    <p:spTree>
+      <p:nvGrpSpPr>
+        <p:cNvPr id="1" name=""/>
+        <p:cNvGrpSpPr/>
+        <p:nvPr/>
+      </p:nvGrpSpPr>
+      <p:grpSpPr>
+        <a:xfrm>
+          <a:off x="0" y="0"/>
+          <a:ext cx="0" cy="0"/>
+          <a:chOff x="0" y="0"/>
+          <a:chExt cx="0" cy="0"/>
+        </a:xfrm>
+      </p:grpSpPr>
+      <p:sp>
+        <p:nvSpPr>
+          <p:cNvPr id="182" name="Summary"/>
+          <p:cNvSpPr txBox="1"/>
+          <p:nvPr>
+            <p:ph type="title"/>
+          </p:nvPr>
+        </p:nvSpPr>
+        <p:spPr>
+          <a:prstGeom prst="rect">
+            <a:avLst/>
+          </a:prstGeom>
+        </p:spPr>
+        <p:txBody>
+          <a:bodyPr/>
+          <a:lstStyle/>
+          <a:p>
+            <a:pPr/>
+            <a:r>
+              <a:t>Summary</a:t>
+            </a:r>
+          </a:p>
+        </p:txBody>
+      </p:sp>
+      <p:sp>
+        <p:nvSpPr>
+          <p:cNvPr id="183" name="Resource material…"/>
+          <p:cNvSpPr txBox="1"/>
+          <p:nvPr>
+            <p:ph type="body" idx="1"/>
+          </p:nvPr>
+        </p:nvSpPr>
+        <p:spPr>
+          <a:prstGeom prst="rect">
+            <a:avLst/>
+          </a:prstGeom>
+        </p:spPr>
+        <p:txBody>
+          <a:bodyPr/>
+          <a:lstStyle/>
+          <a:p>
+            <a:pPr/>
+            <a:r>
+              <a:t>Resource material</a:t>
+            </a:r>
+          </a:p>
+          <a:p>
+            <a:pPr/>
+            <a:r>
+              <a:t>Course plan</a:t>
+            </a:r>
+          </a:p>
+          <a:p>
+            <a:pPr/>
+            <a:r>
+              <a:t>Marks and evaluation</a:t>
+            </a:r>
+          </a:p>
+          <a:p>
+            <a:pPr/>
+            <a:r>
+              <a:t>Activities preparedness</a:t>
+            </a:r>
+          </a:p>
+        </p:txBody>
+      </p:sp>
+      <p:sp>
+        <p:nvSpPr>
+          <p:cNvPr id="184" name="Slide Number"/>
+          <p:cNvSpPr txBox="1"/>
+          <p:nvPr>
+            <p:ph type="sldNum" sz="quarter" idx="2"/>
+          </p:nvPr>
+        </p:nvSpPr>
+        <p:spPr>
+          <a:xfrm>
+            <a:off x="8154987" y="6942137"/>
+            <a:ext cx="368301" cy="382911"/>
+          </a:xfrm>
+          <a:prstGeom prst="rect">
+            <a:avLst/>
+          </a:prstGeom>
+          <a:extLst>
+            <a:ext uri="{C572A759-6A51-4108-AA02-DFA0A04FC94B}">
+              <ma14:wrappingTextBoxFlag xmlns:ma14="http://schemas.microsoft.com/office/mac/drawingml/2011/main" val="1"/>
+            </a:ext>
+          </a:extLst>
+        </p:spPr>
+        <p:txBody>
+          <a:bodyPr wrap="none"/>
+          <a:lstStyle/>
+          <a:p>
+            <a:pPr/>
+            <a:fld id="{86CB4B4D-7CA3-9044-876B-883B54F8677D}" type="slidenum"/>
+          </a:p>
+        </p:txBody>
+      </p:sp>
+      <p:sp>
+        <p:nvSpPr>
+          <p:cNvPr id="185" name="DAA/Overview"/>
+          <p:cNvSpPr txBox="1"/>
+          <p:nvPr/>
+        </p:nvSpPr>
+        <p:spPr>
+          <a:xfrm>
+            <a:off x="423212" y="6963885"/>
+            <a:ext cx="2101762" cy="431552"/>
+          </a:xfrm>
+          <a:prstGeom prst="rect">
+            <a:avLst/>
+          </a:prstGeom>
+          <a:ln w="12700">
+            <a:miter lim="400000"/>
+          </a:ln>
+          <a:extLst>
+            <a:ext uri="{C572A759-6A51-4108-AA02-DFA0A04FC94B}">
+              <ma14:wrappingTextBoxFlag xmlns:ma14="http://schemas.microsoft.com/office/mac/drawingml/2011/main" val="1"/>
+            </a:ext>
+          </a:extLst>
+        </p:spPr>
+        <p:txBody>
+          <a:bodyPr wrap="none" lIns="50800" tIns="50800" rIns="50800" bIns="50800" anchor="ctr">
+            <a:spAutoFit/>
+          </a:bodyPr>
+          <a:lstStyle>
+            <a:lvl1pPr>
+              <a:defRPr sz="2400"/>
+            </a:lvl1pPr>
+          </a:lstStyle>
+          <a:p>
+            <a:pPr/>
+            <a:r>
+              <a:t>DAA/Overview</a:t>
+            </a:r>
+          </a:p>
+        </p:txBody>
+      </p:sp>
+      <p:sp>
+        <p:nvSpPr>
+          <p:cNvPr id="186" name="RPR/"/>
+          <p:cNvSpPr txBox="1"/>
+          <p:nvPr/>
+        </p:nvSpPr>
+        <p:spPr>
+          <a:xfrm>
+            <a:off x="7535212" y="6988206"/>
+            <a:ext cx="705605" cy="382910"/>
+          </a:xfrm>
+          <a:prstGeom prst="rect">
+            <a:avLst/>
+          </a:prstGeom>
+          <a:ln w="12700">
+            <a:miter lim="400000"/>
+          </a:ln>
+          <a:extLst>
+            <a:ext uri="{C572A759-6A51-4108-AA02-DFA0A04FC94B}">
+              <ma14:wrappingTextBoxFlag xmlns:ma14="http://schemas.microsoft.com/office/mac/drawingml/2011/main" val="1"/>
+            </a:ext>
+          </a:extLst>
+        </p:spPr>
+        <p:txBody>
+          <a:bodyPr wrap="none" lIns="50800" tIns="50800" rIns="50800" bIns="50800" anchor="ctr">
+            <a:spAutoFit/>
+          </a:bodyPr>
+          <a:lstStyle>
+            <a:lvl1pPr>
+              <a:defRPr sz="2000"/>
+            </a:lvl1pPr>
+          </a:lstStyle>
+          <a:p>
+            <a:pPr/>
+            <a:r>
+              <a:t>RPR/</a:t>
+            </a:r>
+          </a:p>
+        </p:txBody>
+      </p:sp>
+    </p:spTree>
+  </p:cSld>
+  <p:clrMapOvr>
+    <a:masterClrMapping/>
+  </p:clrMapOvr>
+  <p:transition xmlns:p14="http://schemas.microsoft.com/office/powerpoint/2010/main" spd="med" advClick="1"/>
+  <p:timing>
+    <p:tnLst>
+      <p:par>
+        <p:cTn id="1" nodeType="tmRoot" restart="never" dur="indefinite" fill="hold">
+          <p:childTnLst>
+            <p:seq concurrent="1" prevAc="none" nextAc="seek">
+              <p:cTn id="2" nodeType="mainSeq" dur="indefinite" fill="hold">
+                <p:childTnLst>
+                  <p:par>
+                    <p:cTn id="3" fill="hold">
+                      <p:stCondLst>
+                        <p:cond delay="indefinite"/>
+                      </p:stCondLst>
+                      <p:childTnLst>
+                        <p:par>
+                          <p:cTn id="4" fill="hold">
+                            <p:stCondLst>
+                              <p:cond delay="0"/>
+                            </p:stCondLst>
+                            <p:childTnLst>
+                              <p:par>
+                                <p:cTn id="5" presetClass="entr" nodeType="clickEffect" presetSubtype="0" presetID="1" grpId="1" fill="hold">
+                                  <p:stCondLst>
+                                    <p:cond delay="0"/>
+                                  </p:stCondLst>
+                                  <p:iterate type="el" backwards="0">
+                                    <p:tmAbs val="0"/>
+                                  </p:iterate>
+                                  <p:childTnLst>
+                                    <p:set>
+                                      <p:cBhvr>
+                                        <p:cTn id="6" fill="hold"/>
+                                        <p:tgtEl>
+                                          <p:spTgt spid="183">
+                                            <p:bg/>
+                                          </p:spTgt>
+                                        </p:tgtEl>
+                                        <p:attrNameLst>
+                                          <p:attrName>style.visibility</p:attrName>
+                                        </p:attrNameLst>
+                                      </p:cBhvr>
+                                      <p:to>
+                                        <p:strVal val="visible"/>
+                                      </p:to>
+                                    </p:set>
+                                  </p:childTnLst>
+                                </p:cTn>
+                              </p:par>
+                              <p:par>
+                                <p:cTn id="7" presetClass="entr" nodeType="withEffect" presetSubtype="0" presetID="1" grpId="1" fill="hold">
+                                  <p:stCondLst>
+                                    <p:cond delay="0"/>
+                                  </p:stCondLst>
+                                  <p:iterate type="el" backwards="0">
+                                    <p:tmAbs val="0"/>
+                                  </p:iterate>
+                                  <p:childTnLst>
+                                    <p:set>
+                                      <p:cBhvr>
+                                        <p:cTn id="8" fill="hold"/>
+                                        <p:tgtEl>
+                                          <p:spTgt spid="183">
                                             <p:txEl>
                                               <p:pRg st="0" end="0"/>
                                             </p:txEl>
@@ -13265,7 +13072,7 @@
                                       <p:cBhvr>
                                         <p:cTn id="12" fill="hold"/>
                                         <p:tgtEl>
-                                          <p:spTgt spid="45">
+                                          <p:spTgt spid="183">
                                             <p:txEl>
                                               <p:pRg st="1" end="1"/>
                                             </p:txEl>
@@ -13313,7 +13120,7 @@
                                       <p:cBhvr>
                                         <p:cTn id="16" fill="hold"/>
                                         <p:tgtEl>
-                                          <p:spTgt spid="45">
+                                          <p:spTgt spid="183">
                                             <p:txEl>
                                               <p:pRg st="2" end="2"/>
                                             </p:txEl>
@@ -13361,6 +13168,527 @@
                                       <p:cBhvr>
                                         <p:cTn id="20" fill="hold"/>
                                         <p:tgtEl>
+                                          <p:spTgt spid="183">
+                                            <p:txEl>
+                                              <p:pRg st="3" end="3"/>
+                                            </p:txEl>
+                                          </p:spTgt>
+                                        </p:tgtEl>
+                                        <p:attrNameLst>
+                                          <p:attrName>style.visibility</p:attrName>
+                                        </p:attrNameLst>
+                                      </p:cBhvr>
+                                      <p:to>
+                                        <p:strVal val="visible"/>
+                                      </p:to>
+                                    </p:set>
+                                  </p:childTnLst>
+                                </p:cTn>
+                              </p:par>
+                            </p:childTnLst>
+                          </p:cTn>
+                        </p:par>
+                      </p:childTnLst>
+                    </p:cTn>
+                  </p:par>
+                </p:childTnLst>
+              </p:cTn>
+              <p:prevCondLst>
+                <p:cond evt="onPrev">
+                  <p:tgtEl>
+                    <p:sldTgt/>
+                  </p:tgtEl>
+                </p:cond>
+              </p:prevCondLst>
+              <p:nextCondLst>
+                <p:cond evt="onNext">
+                  <p:tgtEl>
+                    <p:sldTgt/>
+                  </p:tgtEl>
+                </p:cond>
+              </p:nextCondLst>
+            </p:seq>
+          </p:childTnLst>
+        </p:cTn>
+      </p:par>
+    </p:tnLst>
+    <p:bldLst>
+      <p:bldP build="p" bldLvl="1" animBg="1" rev="0" advAuto="0" spid="183" grpId="1"/>
+    </p:bldLst>
+  </p:timing>
+</p:sld>
+</file>
+
+<file path=ppt/slides/slide3.xml><?xml version="1.0" encoding="utf-8"?>
+<p:sld xmlns:a="http://schemas.openxmlformats.org/drawingml/2006/main" xmlns:r="http://schemas.openxmlformats.org/officeDocument/2006/relationships" xmlns:p="http://schemas.openxmlformats.org/presentationml/2006/main" xmlns:m="http://schemas.openxmlformats.org/officeDocument/2006/math" xmlns:a14="http://schemas.microsoft.com/office/drawing/2010/main" showMasterSp="1" showMasterPhAnim="1">
+  <p:cSld>
+    <p:spTree>
+      <p:nvGrpSpPr>
+        <p:cNvPr id="1" name=""/>
+        <p:cNvGrpSpPr/>
+        <p:nvPr/>
+      </p:nvGrpSpPr>
+      <p:grpSpPr>
+        <a:xfrm>
+          <a:off x="0" y="0"/>
+          <a:ext cx="0" cy="0"/>
+          <a:chOff x="0" y="0"/>
+          <a:chExt cx="0" cy="0"/>
+        </a:xfrm>
+      </p:grpSpPr>
+      <p:sp>
+        <p:nvSpPr>
+          <p:cNvPr id="44" name="About Yourself"/>
+          <p:cNvSpPr txBox="1"/>
+          <p:nvPr>
+            <p:ph type="title"/>
+          </p:nvPr>
+        </p:nvSpPr>
+        <p:spPr>
+          <a:prstGeom prst="rect">
+            <a:avLst/>
+          </a:prstGeom>
+        </p:spPr>
+        <p:txBody>
+          <a:bodyPr/>
+          <a:lstStyle/>
+          <a:p>
+            <a:pPr/>
+            <a:r>
+              <a:t>About Yourself</a:t>
+            </a:r>
+          </a:p>
+        </p:txBody>
+      </p:sp>
+      <p:sp>
+        <p:nvSpPr>
+          <p:cNvPr id="45" name="Your background…"/>
+          <p:cNvSpPr txBox="1"/>
+          <p:nvPr>
+            <p:ph type="body" idx="1"/>
+          </p:nvPr>
+        </p:nvSpPr>
+        <p:spPr>
+          <a:prstGeom prst="rect">
+            <a:avLst/>
+          </a:prstGeom>
+        </p:spPr>
+        <p:txBody>
+          <a:bodyPr/>
+          <a:lstStyle/>
+          <a:p>
+            <a:pPr/>
+            <a:r>
+              <a:t>Your background</a:t>
+            </a:r>
+          </a:p>
+          <a:p>
+            <a:pPr lvl="1"/>
+            <a:r>
+              <a:t>Mix of different streams. a divergent group</a:t>
+            </a:r>
+          </a:p>
+          <a:p>
+            <a:pPr lvl="1"/>
+            <a:r>
+              <a:t>Basic knowledge of mathematics</a:t>
+            </a:r>
+          </a:p>
+          <a:p>
+            <a:pPr marL="361156" indent="-321468">
+              <a:spcBef>
+                <a:spcPts val="600"/>
+              </a:spcBef>
+              <a:defRPr sz="3000"/>
+            </a:pPr>
+            <a:r>
+              <a:t>Required focus</a:t>
+            </a:r>
+          </a:p>
+          <a:p>
+            <a:pPr lvl="1"/>
+            <a:r>
+              <a:t>Logical thinking (out of box)</a:t>
+            </a:r>
+          </a:p>
+          <a:p>
+            <a:pPr lvl="1"/>
+            <a:r>
+              <a:t>Decent level of programming expertise</a:t>
+            </a:r>
+          </a:p>
+          <a:p>
+            <a:pPr/>
+            <a:r>
+              <a:t>Your expectations</a:t>
+            </a:r>
+          </a:p>
+          <a:p>
+            <a:pPr lvl="1"/>
+            <a:r>
+              <a:t>Outcome you would like to see </a:t>
+            </a:r>
+          </a:p>
+          <a:p>
+            <a:pPr lvl="2"/>
+            <a:r>
+              <a:t>After Completion of this course </a:t>
+            </a:r>
+          </a:p>
+          <a:p>
+            <a:pPr lvl="1"/>
+            <a:r>
+              <a:t>Specific goals to be achieved</a:t>
+            </a:r>
+          </a:p>
+          <a:p>
+            <a:pPr lvl="1"/>
+            <a:r>
+              <a:t>Teaching style, any other inputs</a:t>
+            </a:r>
+          </a:p>
+          <a:p>
+            <a:pPr lvl="1"/>
+            <a:r>
+              <a:t>Exploring your tenacities</a:t>
+            </a:r>
+          </a:p>
+        </p:txBody>
+      </p:sp>
+      <p:sp>
+        <p:nvSpPr>
+          <p:cNvPr id="46" name="Slide Number"/>
+          <p:cNvSpPr txBox="1"/>
+          <p:nvPr>
+            <p:ph type="sldNum" sz="quarter" idx="2"/>
+          </p:nvPr>
+        </p:nvSpPr>
+        <p:spPr>
+          <a:prstGeom prst="rect">
+            <a:avLst/>
+          </a:prstGeom>
+          <a:extLst>
+            <a:ext uri="{C572A759-6A51-4108-AA02-DFA0A04FC94B}">
+              <ma14:wrappingTextBoxFlag xmlns:ma14="http://schemas.microsoft.com/office/mac/drawingml/2011/main" val="1"/>
+            </a:ext>
+          </a:extLst>
+        </p:spPr>
+        <p:txBody>
+          <a:bodyPr/>
+          <a:lstStyle/>
+          <a:p>
+            <a:pPr/>
+            <a:fld id="{86CB4B4D-7CA3-9044-876B-883B54F8677D}" type="slidenum"/>
+          </a:p>
+        </p:txBody>
+      </p:sp>
+      <p:sp>
+        <p:nvSpPr>
+          <p:cNvPr id="47" name="DAA/Overview"/>
+          <p:cNvSpPr txBox="1"/>
+          <p:nvPr/>
+        </p:nvSpPr>
+        <p:spPr>
+          <a:xfrm>
+            <a:off x="423212" y="6963885"/>
+            <a:ext cx="2101762" cy="431552"/>
+          </a:xfrm>
+          <a:prstGeom prst="rect">
+            <a:avLst/>
+          </a:prstGeom>
+          <a:ln w="12700">
+            <a:miter lim="400000"/>
+          </a:ln>
+          <a:extLst>
+            <a:ext uri="{C572A759-6A51-4108-AA02-DFA0A04FC94B}">
+              <ma14:wrappingTextBoxFlag xmlns:ma14="http://schemas.microsoft.com/office/mac/drawingml/2011/main" val="1"/>
+            </a:ext>
+          </a:extLst>
+        </p:spPr>
+        <p:txBody>
+          <a:bodyPr wrap="none" lIns="50800" tIns="50800" rIns="50800" bIns="50800" anchor="ctr">
+            <a:spAutoFit/>
+          </a:bodyPr>
+          <a:lstStyle>
+            <a:lvl1pPr>
+              <a:defRPr sz="2400"/>
+            </a:lvl1pPr>
+          </a:lstStyle>
+          <a:p>
+            <a:pPr/>
+            <a:r>
+              <a:t>DAA/Overview</a:t>
+            </a:r>
+          </a:p>
+        </p:txBody>
+      </p:sp>
+      <p:sp>
+        <p:nvSpPr>
+          <p:cNvPr id="48" name="RPR/"/>
+          <p:cNvSpPr txBox="1"/>
+          <p:nvPr/>
+        </p:nvSpPr>
+        <p:spPr>
+          <a:xfrm>
+            <a:off x="7535212" y="6988206"/>
+            <a:ext cx="705605" cy="382910"/>
+          </a:xfrm>
+          <a:prstGeom prst="rect">
+            <a:avLst/>
+          </a:prstGeom>
+          <a:ln w="12700">
+            <a:miter lim="400000"/>
+          </a:ln>
+          <a:extLst>
+            <a:ext uri="{C572A759-6A51-4108-AA02-DFA0A04FC94B}">
+              <ma14:wrappingTextBoxFlag xmlns:ma14="http://schemas.microsoft.com/office/mac/drawingml/2011/main" val="1"/>
+            </a:ext>
+          </a:extLst>
+        </p:spPr>
+        <p:txBody>
+          <a:bodyPr wrap="none" lIns="50800" tIns="50800" rIns="50800" bIns="50800" anchor="ctr">
+            <a:spAutoFit/>
+          </a:bodyPr>
+          <a:lstStyle>
+            <a:lvl1pPr>
+              <a:defRPr sz="2000"/>
+            </a:lvl1pPr>
+          </a:lstStyle>
+          <a:p>
+            <a:pPr/>
+            <a:r>
+              <a:t>RPR/</a:t>
+            </a:r>
+          </a:p>
+        </p:txBody>
+      </p:sp>
+    </p:spTree>
+  </p:cSld>
+  <p:clrMapOvr>
+    <a:masterClrMapping/>
+  </p:clrMapOvr>
+  <mc:AlternateContent xmlns:mc="http://schemas.openxmlformats.org/markup-compatibility/2006">
+    <mc:Choice xmlns:p15="http://schemas.microsoft.com/office/powerpoint/2012/main" Requires="p15">
+      <p:transition xmlns:p14="http://schemas.microsoft.com/office/powerpoint/2010/main" spd="med" advClick="1" p14:dur="1000">
+        <p15:prstTrans prst="peelOff" invX="1"/>
+      </p:transition>
+    </mc:Choice>
+    <mc:Choice xmlns:p14="http://schemas.microsoft.com/office/powerpoint/2010/main" Requires="p14">
+      <p:transition spd="med" advClick="1" p14:dur="1000">
+        <p:wipe dir="l"/>
+      </p:transition>
+    </mc:Choice>
+    <mc:Fallback>
+      <p:transition spd="med">
+        <p:fade/>
+      </p:transition>
+    </mc:Fallback>
+  </mc:AlternateContent>
+  <p:timing>
+    <p:tnLst>
+      <p:par>
+        <p:cTn id="1" nodeType="tmRoot" restart="never" dur="indefinite" fill="hold">
+          <p:childTnLst>
+            <p:seq concurrent="1" prevAc="none" nextAc="seek">
+              <p:cTn id="2" nodeType="mainSeq" dur="indefinite" fill="hold">
+                <p:childTnLst>
+                  <p:par>
+                    <p:cTn id="3" fill="hold">
+                      <p:stCondLst>
+                        <p:cond delay="indefinite"/>
+                      </p:stCondLst>
+                      <p:childTnLst>
+                        <p:par>
+                          <p:cTn id="4" fill="hold">
+                            <p:stCondLst>
+                              <p:cond delay="0"/>
+                            </p:stCondLst>
+                            <p:childTnLst>
+                              <p:par>
+                                <p:cTn id="5" presetClass="entr" nodeType="clickEffect" presetSubtype="0" presetID="1" grpId="1" fill="hold">
+                                  <p:stCondLst>
+                                    <p:cond delay="0"/>
+                                  </p:stCondLst>
+                                  <p:iterate type="el" backwards="0">
+                                    <p:tmAbs val="0"/>
+                                  </p:iterate>
+                                  <p:childTnLst>
+                                    <p:set>
+                                      <p:cBhvr>
+                                        <p:cTn id="6" fill="hold"/>
+                                        <p:tgtEl>
+                                          <p:spTgt spid="45">
+                                            <p:bg/>
+                                          </p:spTgt>
+                                        </p:tgtEl>
+                                        <p:attrNameLst>
+                                          <p:attrName>style.visibility</p:attrName>
+                                        </p:attrNameLst>
+                                      </p:cBhvr>
+                                      <p:to>
+                                        <p:strVal val="visible"/>
+                                      </p:to>
+                                    </p:set>
+                                  </p:childTnLst>
+                                </p:cTn>
+                              </p:par>
+                              <p:par>
+                                <p:cTn id="7" presetClass="entr" nodeType="withEffect" presetSubtype="0" presetID="1" grpId="1" fill="hold">
+                                  <p:stCondLst>
+                                    <p:cond delay="0"/>
+                                  </p:stCondLst>
+                                  <p:iterate type="el" backwards="0">
+                                    <p:tmAbs val="0"/>
+                                  </p:iterate>
+                                  <p:childTnLst>
+                                    <p:set>
+                                      <p:cBhvr>
+                                        <p:cTn id="8" fill="hold"/>
+                                        <p:tgtEl>
+                                          <p:spTgt spid="45">
+                                            <p:txEl>
+                                              <p:pRg st="0" end="0"/>
+                                            </p:txEl>
+                                          </p:spTgt>
+                                        </p:tgtEl>
+                                        <p:attrNameLst>
+                                          <p:attrName>style.visibility</p:attrName>
+                                        </p:attrNameLst>
+                                      </p:cBhvr>
+                                      <p:to>
+                                        <p:strVal val="visible"/>
+                                      </p:to>
+                                    </p:set>
+                                  </p:childTnLst>
+                                </p:cTn>
+                              </p:par>
+                            </p:childTnLst>
+                          </p:cTn>
+                        </p:par>
+                      </p:childTnLst>
+                    </p:cTn>
+                  </p:par>
+                  <p:par>
+                    <p:cTn id="9" fill="hold">
+                      <p:stCondLst>
+                        <p:cond delay="indefinite"/>
+                      </p:stCondLst>
+                      <p:childTnLst>
+                        <p:par>
+                          <p:cTn id="10" fill="hold">
+                            <p:stCondLst>
+                              <p:cond delay="0"/>
+                            </p:stCondLst>
+                            <p:childTnLst>
+                              <p:par>
+                                <p:cTn id="11" presetClass="entr" nodeType="clickEffect" presetSubtype="0" presetID="1" grpId="1" fill="hold">
+                                  <p:stCondLst>
+                                    <p:cond delay="0"/>
+                                  </p:stCondLst>
+                                  <p:iterate type="el" backwards="0">
+                                    <p:tmAbs val="0"/>
+                                  </p:iterate>
+                                  <p:childTnLst>
+                                    <p:set>
+                                      <p:cBhvr>
+                                        <p:cTn id="12" fill="hold"/>
+                                        <p:tgtEl>
+                                          <p:spTgt spid="45">
+                                            <p:txEl>
+                                              <p:pRg st="1" end="1"/>
+                                            </p:txEl>
+                                          </p:spTgt>
+                                        </p:tgtEl>
+                                        <p:attrNameLst>
+                                          <p:attrName>style.visibility</p:attrName>
+                                        </p:attrNameLst>
+                                      </p:cBhvr>
+                                      <p:to>
+                                        <p:strVal val="visible"/>
+                                      </p:to>
+                                    </p:set>
+                                  </p:childTnLst>
+                                </p:cTn>
+                              </p:par>
+                            </p:childTnLst>
+                          </p:cTn>
+                        </p:par>
+                      </p:childTnLst>
+                    </p:cTn>
+                  </p:par>
+                  <p:par>
+                    <p:cTn id="13" fill="hold">
+                      <p:stCondLst>
+                        <p:cond delay="indefinite"/>
+                      </p:stCondLst>
+                      <p:childTnLst>
+                        <p:par>
+                          <p:cTn id="14" fill="hold">
+                            <p:stCondLst>
+                              <p:cond delay="0"/>
+                            </p:stCondLst>
+                            <p:childTnLst>
+                              <p:par>
+                                <p:cTn id="15" presetClass="entr" nodeType="clickEffect" presetSubtype="0" presetID="1" grpId="1" fill="hold">
+                                  <p:stCondLst>
+                                    <p:cond delay="0"/>
+                                  </p:stCondLst>
+                                  <p:iterate type="el" backwards="0">
+                                    <p:tmAbs val="0"/>
+                                  </p:iterate>
+                                  <p:childTnLst>
+                                    <p:set>
+                                      <p:cBhvr>
+                                        <p:cTn id="16" fill="hold"/>
+                                        <p:tgtEl>
+                                          <p:spTgt spid="45">
+                                            <p:txEl>
+                                              <p:pRg st="2" end="2"/>
+                                            </p:txEl>
+                                          </p:spTgt>
+                                        </p:tgtEl>
+                                        <p:attrNameLst>
+                                          <p:attrName>style.visibility</p:attrName>
+                                        </p:attrNameLst>
+                                      </p:cBhvr>
+                                      <p:to>
+                                        <p:strVal val="visible"/>
+                                      </p:to>
+                                    </p:set>
+                                  </p:childTnLst>
+                                </p:cTn>
+                              </p:par>
+                            </p:childTnLst>
+                          </p:cTn>
+                        </p:par>
+                      </p:childTnLst>
+                    </p:cTn>
+                  </p:par>
+                  <p:par>
+                    <p:cTn id="17" fill="hold">
+                      <p:stCondLst>
+                        <p:cond delay="indefinite"/>
+                      </p:stCondLst>
+                      <p:childTnLst>
+                        <p:par>
+                          <p:cTn id="18" fill="hold">
+                            <p:stCondLst>
+                              <p:cond delay="0"/>
+                            </p:stCondLst>
+                            <p:childTnLst>
+                              <p:par>
+                                <p:cTn id="19" presetClass="entr" nodeType="clickEffect" presetSubtype="0" presetID="1" grpId="1" fill="hold">
+                                  <p:stCondLst>
+                                    <p:cond delay="0"/>
+                                  </p:stCondLst>
+                                  <p:iterate type="el" backwards="0">
+                                    <p:tmAbs val="0"/>
+                                  </p:iterate>
+                                  <p:childTnLst>
+                                    <p:set>
+                                      <p:cBhvr>
+                                        <p:cTn id="20" fill="hold"/>
+                                        <p:tgtEl>
                                           <p:spTgt spid="45">
                                             <p:txEl>
                                               <p:pRg st="3" end="3"/>
@@ -13700,6 +14028,54 @@
                                           <p:spTgt spid="45">
                                             <p:txEl>
                                               <p:pRg st="10" end="10"/>
+                                            </p:txEl>
+                                          </p:spTgt>
+                                        </p:tgtEl>
+                                        <p:attrNameLst>
+                                          <p:attrName>style.visibility</p:attrName>
+                                        </p:attrNameLst>
+                                      </p:cBhvr>
+                                      <p:to>
+                                        <p:strVal val="visible"/>
+                                      </p:to>
+                                    </p:set>
+                                  </p:childTnLst>
+                                </p:cTn>
+                              </p:par>
+                            </p:childTnLst>
+                          </p:cTn>
+                        </p:par>
+                      </p:childTnLst>
+                    </p:cTn>
+                  </p:par>
+                  <p:par>
+                    <p:cTn id="49" fill="hold">
+                      <p:stCondLst>
+                        <p:cond delay="indefinite"/>
+                      </p:stCondLst>
+                      <p:childTnLst>
+                        <p:par>
+                          <p:cTn id="50" fill="hold">
+                            <p:stCondLst>
+                              <p:cond delay="0"/>
+                            </p:stCondLst>
+                            <p:childTnLst>
+                              <p:par>
+                                <p:cTn id="51" presetClass="entr" nodeType="clickEffect" presetSubtype="0" presetID="1" grpId="1" fill="hold">
+                                  <p:stCondLst>
+                                    <p:cond delay="0"/>
+                                  </p:stCondLst>
+                                  <p:iterate type="el" backwards="0">
+                                    <p:tmAbs val="0"/>
+                                  </p:iterate>
+                                  <p:childTnLst>
+                                    <p:set>
+                                      <p:cBhvr>
+                                        <p:cTn id="52" fill="hold"/>
+                                        <p:tgtEl>
+                                          <p:spTgt spid="45">
+                                            <p:txEl>
+                                              <p:pRg st="11" end="11"/>
                                             </p:txEl>
                                           </p:spTgt>
                                         </p:tgtEl>
@@ -14728,7 +15104,7 @@
               <a:buSzPct val="125000"/>
             </a:pPr>
             <a:r>
-              <a:t>First experienced it myself</a:t>
+              <a:t>Before experiencing it myself</a:t>
             </a:r>
           </a:p>
           <a:p>
@@ -16815,6 +17191,10 @@
           </p:nvPr>
         </p:nvSpPr>
         <p:spPr>
+          <a:xfrm>
+            <a:off x="289520" y="60325"/>
+            <a:ext cx="9468380" cy="952500"/>
+          </a:xfrm>
           <a:prstGeom prst="rect">
             <a:avLst/>
           </a:prstGeom>
@@ -16836,13 +17216,17 @@
       </p:sp>
       <p:sp>
         <p:nvSpPr>
-          <p:cNvPr id="75" name="A story between GM customer and customer care executive…"/>
+          <p:cNvPr id="75" name="A story between Car customer and Customer care executive…"/>
           <p:cNvSpPr txBox="1"/>
           <p:nvPr>
             <p:ph type="body" idx="1"/>
           </p:nvPr>
         </p:nvSpPr>
         <p:spPr>
+          <a:xfrm>
+            <a:off x="887784" y="938113"/>
+            <a:ext cx="8744332" cy="5891610"/>
+          </a:xfrm>
           <a:prstGeom prst="rect">
             <a:avLst/>
           </a:prstGeom>
@@ -16857,7 +17241,7 @@
               </a:lnSpc>
             </a:pPr>
             <a:r>
-              <a:t>A story between GM customer and customer care executive</a:t>
+              <a:t>A story between Car customer and Customer care executive</a:t>
             </a:r>
           </a:p>
           <a:p>
@@ -16867,7 +17251,7 @@
               </a:lnSpc>
             </a:pPr>
             <a:r>
-              <a:t>Pontiac Division of GM received crazy complaint</a:t>
+              <a:t>Luxury Division of Car manufacturer received a crazy complaint</a:t>
             </a:r>
           </a:p>
           <a:p>
@@ -16897,7 +17281,7 @@
               </a:lnSpc>
             </a:pPr>
             <a:r>
-              <a:t>Eats different ice cream depending on family mood</a:t>
+              <a:t>Eats different ice cream depending on the mood</a:t>
             </a:r>
           </a:p>
           <a:p>
@@ -16907,7 +17291,7 @@
               </a:lnSpc>
             </a:pPr>
             <a:r>
-              <a:t>Customer buys a new Pontiac</a:t>
+              <a:t>Customer buys a new Luxury car</a:t>
             </a:r>
           </a:p>
           <a:p>
@@ -16937,7 +17321,7 @@
               </a:lnSpc>
             </a:pPr>
             <a:r>
-              <a:t>For other ice cream he buys, car starts just fine.</a:t>
+              <a:t>For other ice creams he buys, car starts just fine.</a:t>
             </a:r>
           </a:p>
         </p:txBody>
@@ -17617,7 +18001,7 @@
       </p:sp>
       <p:sp>
         <p:nvSpPr>
-          <p:cNvPr id="81" name="GM finds it a funny complaint but sends supports engineer…"/>
+          <p:cNvPr id="81" name="Car manufacturer finds it a funny complaint but sends supports engineer…"/>
           <p:cNvSpPr txBox="1"/>
           <p:nvPr>
             <p:ph type="body" idx="1"/>
@@ -17638,7 +18022,7 @@
               </a:lnSpc>
             </a:pPr>
             <a:r>
-              <a:t>GM finds it a funny complaint but sends supports engineer</a:t>
+              <a:t>Car manufacturer finds it a funny complaint but sends supports engineer</a:t>
             </a:r>
           </a:p>
           <a:p>
